--- a/powerpoint_presentazione/presentazione.pptx
+++ b/powerpoint_presentazione/presentazione.pptx
@@ -6,6 +6,9 @@
   </p:sldMasterIdLst>
   <p:sldIdLst>
     <p:sldId id="256" r:id="rId2"/>
+    <p:sldId id="258" r:id="rId3"/>
+    <p:sldId id="259" r:id="rId4"/>
+    <p:sldId id="257" r:id="rId5"/>
   </p:sldIdLst>
   <p:sldSz cx="12192000" cy="6858000"/>
   <p:notesSz cx="6858000" cy="9144000"/>
@@ -259,7 +262,7 @@
           <a:p>
             <a:fld id="{2DF6CF6D-3CF4-467F-8977-437D3968EAE4}" type="datetimeFigureOut">
               <a:rPr lang="it-IT" smtClean="0"/>
-              <a:t>17/02/2023</a:t>
+              <a:t>18/02/2023</a:t>
             </a:fld>
             <a:endParaRPr lang="it-IT"/>
           </a:p>
@@ -457,7 +460,7 @@
           <a:p>
             <a:fld id="{2DF6CF6D-3CF4-467F-8977-437D3968EAE4}" type="datetimeFigureOut">
               <a:rPr lang="it-IT" smtClean="0"/>
-              <a:t>17/02/2023</a:t>
+              <a:t>18/02/2023</a:t>
             </a:fld>
             <a:endParaRPr lang="it-IT"/>
           </a:p>
@@ -665,7 +668,7 @@
           <a:p>
             <a:fld id="{2DF6CF6D-3CF4-467F-8977-437D3968EAE4}" type="datetimeFigureOut">
               <a:rPr lang="it-IT" smtClean="0"/>
-              <a:t>17/02/2023</a:t>
+              <a:t>18/02/2023</a:t>
             </a:fld>
             <a:endParaRPr lang="it-IT"/>
           </a:p>
@@ -863,7 +866,7 @@
           <a:p>
             <a:fld id="{2DF6CF6D-3CF4-467F-8977-437D3968EAE4}" type="datetimeFigureOut">
               <a:rPr lang="it-IT" smtClean="0"/>
-              <a:t>17/02/2023</a:t>
+              <a:t>18/02/2023</a:t>
             </a:fld>
             <a:endParaRPr lang="it-IT"/>
           </a:p>
@@ -1138,7 +1141,7 @@
           <a:p>
             <a:fld id="{2DF6CF6D-3CF4-467F-8977-437D3968EAE4}" type="datetimeFigureOut">
               <a:rPr lang="it-IT" smtClean="0"/>
-              <a:t>17/02/2023</a:t>
+              <a:t>18/02/2023</a:t>
             </a:fld>
             <a:endParaRPr lang="it-IT"/>
           </a:p>
@@ -1403,7 +1406,7 @@
           <a:p>
             <a:fld id="{2DF6CF6D-3CF4-467F-8977-437D3968EAE4}" type="datetimeFigureOut">
               <a:rPr lang="it-IT" smtClean="0"/>
-              <a:t>17/02/2023</a:t>
+              <a:t>18/02/2023</a:t>
             </a:fld>
             <a:endParaRPr lang="it-IT"/>
           </a:p>
@@ -1815,7 +1818,7 @@
           <a:p>
             <a:fld id="{2DF6CF6D-3CF4-467F-8977-437D3968EAE4}" type="datetimeFigureOut">
               <a:rPr lang="it-IT" smtClean="0"/>
-              <a:t>17/02/2023</a:t>
+              <a:t>18/02/2023</a:t>
             </a:fld>
             <a:endParaRPr lang="it-IT"/>
           </a:p>
@@ -1956,7 +1959,7 @@
           <a:p>
             <a:fld id="{2DF6CF6D-3CF4-467F-8977-437D3968EAE4}" type="datetimeFigureOut">
               <a:rPr lang="it-IT" smtClean="0"/>
-              <a:t>17/02/2023</a:t>
+              <a:t>18/02/2023</a:t>
             </a:fld>
             <a:endParaRPr lang="it-IT"/>
           </a:p>
@@ -2069,7 +2072,7 @@
           <a:p>
             <a:fld id="{2DF6CF6D-3CF4-467F-8977-437D3968EAE4}" type="datetimeFigureOut">
               <a:rPr lang="it-IT" smtClean="0"/>
-              <a:t>17/02/2023</a:t>
+              <a:t>18/02/2023</a:t>
             </a:fld>
             <a:endParaRPr lang="it-IT"/>
           </a:p>
@@ -2380,7 +2383,7 @@
           <a:p>
             <a:fld id="{2DF6CF6D-3CF4-467F-8977-437D3968EAE4}" type="datetimeFigureOut">
               <a:rPr lang="it-IT" smtClean="0"/>
-              <a:t>17/02/2023</a:t>
+              <a:t>18/02/2023</a:t>
             </a:fld>
             <a:endParaRPr lang="it-IT"/>
           </a:p>
@@ -2668,7 +2671,7 @@
           <a:p>
             <a:fld id="{2DF6CF6D-3CF4-467F-8977-437D3968EAE4}" type="datetimeFigureOut">
               <a:rPr lang="it-IT" smtClean="0"/>
-              <a:t>17/02/2023</a:t>
+              <a:t>18/02/2023</a:t>
             </a:fld>
             <a:endParaRPr lang="it-IT"/>
           </a:p>
@@ -2909,7 +2912,7 @@
           <a:p>
             <a:fld id="{2DF6CF6D-3CF4-467F-8977-437D3968EAE4}" type="datetimeFigureOut">
               <a:rPr lang="it-IT" smtClean="0"/>
-              <a:t>17/02/2023</a:t>
+              <a:t>18/02/2023</a:t>
             </a:fld>
             <a:endParaRPr lang="it-IT"/>
           </a:p>
@@ -3864,10 +3867,10 @@
       </p:sp>
       <p:sp>
         <p:nvSpPr>
-          <p:cNvPr id="100" name="TextBox 15">
-            <a:extLst>
-              <a:ext uri="{FF2B5EF4-FFF2-40B4-BE49-F238E27FC236}">
-                <a16:creationId xmlns:a16="http://schemas.microsoft.com/office/drawing/2014/main" id="{470FAC7F-2314-D714-4551-63FF891931F8}"/>
+          <p:cNvPr id="101" name="TextBox 16">
+            <a:extLst>
+              <a:ext uri="{FF2B5EF4-FFF2-40B4-BE49-F238E27FC236}">
+                <a16:creationId xmlns:a16="http://schemas.microsoft.com/office/drawing/2014/main" id="{45237A06-8D8A-28D7-B4F2-466586AF176C}"/>
               </a:ext>
             </a:extLst>
           </p:cNvPr>
@@ -3876,48 +3879,7 @@
         </p:nvSpPr>
         <p:spPr>
           <a:xfrm>
-            <a:off x="852485" y="2733230"/>
-            <a:ext cx="1515386" cy="646331"/>
-          </a:xfrm>
-          <a:prstGeom prst="rect">
-            <a:avLst/>
-          </a:prstGeom>
-          <a:noFill/>
-        </p:spPr>
-        <p:txBody>
-          <a:bodyPr wrap="square" rtlCol="0">
-            <a:spAutoFit/>
-          </a:bodyPr>
-          <a:lstStyle/>
-          <a:p>
-            <a:pPr algn="ctr"/>
-            <a:r>
-              <a:rPr lang="en-US" sz="3600" dirty="0">
-                <a:solidFill>
-                  <a:srgbClr val="03A1A4"/>
-                </a:solidFill>
-                <a:latin typeface="Century Gothic" panose="020B0502020202020204" pitchFamily="34" charset="0"/>
-              </a:rPr>
-              <a:t>2008</a:t>
-            </a:r>
-          </a:p>
-        </p:txBody>
-      </p:sp>
-      <p:sp>
-        <p:nvSpPr>
-          <p:cNvPr id="101" name="TextBox 16">
-            <a:extLst>
-              <a:ext uri="{FF2B5EF4-FFF2-40B4-BE49-F238E27FC236}">
-                <a16:creationId xmlns:a16="http://schemas.microsoft.com/office/drawing/2014/main" id="{45237A06-8D8A-28D7-B4F2-466586AF176C}"/>
-              </a:ext>
-            </a:extLst>
-          </p:cNvPr>
-          <p:cNvSpPr txBox="1"/>
-          <p:nvPr/>
-        </p:nvSpPr>
-        <p:spPr>
-          <a:xfrm>
-            <a:off x="547906" y="5374385"/>
+            <a:off x="593626" y="5493846"/>
             <a:ext cx="3201043" cy="523220"/>
           </a:xfrm>
           <a:prstGeom prst="rect">
@@ -3940,7 +3902,7 @@
                 </a:solidFill>
                 <a:latin typeface="Century Gothic" panose="020B0502020202020204" pitchFamily="34" charset="0"/>
               </a:rPr>
-              <a:t>PROTOTIPAZIONE </a:t>
+              <a:t>ANALISI E SPECIFICA</a:t>
             </a:r>
           </a:p>
           <a:p>
@@ -3953,7 +3915,7 @@
                 </a:solidFill>
                 <a:latin typeface="Century Gothic" panose="020B0502020202020204" pitchFamily="34" charset="0"/>
               </a:rPr>
-              <a:t>FIGMA</a:t>
+              <a:t>DEI REQUISITI</a:t>
             </a:r>
           </a:p>
         </p:txBody>
@@ -4279,47 +4241,6 @@
       </p:sp>
       <p:sp>
         <p:nvSpPr>
-          <p:cNvPr id="108" name="TextBox 24">
-            <a:extLst>
-              <a:ext uri="{FF2B5EF4-FFF2-40B4-BE49-F238E27FC236}">
-                <a16:creationId xmlns:a16="http://schemas.microsoft.com/office/drawing/2014/main" id="{1CFF3797-38F3-64BA-C981-6669605AE67A}"/>
-              </a:ext>
-            </a:extLst>
-          </p:cNvPr>
-          <p:cNvSpPr txBox="1"/>
-          <p:nvPr/>
-        </p:nvSpPr>
-        <p:spPr>
-          <a:xfrm>
-            <a:off x="3090963" y="4154011"/>
-            <a:ext cx="1515386" cy="646331"/>
-          </a:xfrm>
-          <a:prstGeom prst="rect">
-            <a:avLst/>
-          </a:prstGeom>
-          <a:noFill/>
-        </p:spPr>
-        <p:txBody>
-          <a:bodyPr wrap="square" rtlCol="0">
-            <a:spAutoFit/>
-          </a:bodyPr>
-          <a:lstStyle/>
-          <a:p>
-            <a:pPr algn="ctr"/>
-            <a:r>
-              <a:rPr lang="en-US" sz="3600" dirty="0">
-                <a:solidFill>
-                  <a:srgbClr val="EE9524"/>
-                </a:solidFill>
-                <a:latin typeface="Century Gothic" panose="020B0502020202020204" pitchFamily="34" charset="0"/>
-              </a:rPr>
-              <a:t>2009</a:t>
-            </a:r>
-          </a:p>
-        </p:txBody>
-      </p:sp>
-      <p:sp>
-        <p:nvSpPr>
           <p:cNvPr id="110" name="Arc 26">
             <a:extLst>
               <a:ext uri="{FF2B5EF4-FFF2-40B4-BE49-F238E27FC236}">
@@ -4639,47 +4560,6 @@
       </p:sp>
       <p:sp>
         <p:nvSpPr>
-          <p:cNvPr id="116" name="TextBox 33">
-            <a:extLst>
-              <a:ext uri="{FF2B5EF4-FFF2-40B4-BE49-F238E27FC236}">
-                <a16:creationId xmlns:a16="http://schemas.microsoft.com/office/drawing/2014/main" id="{518BA7BA-8210-F8C6-FA85-E867ACAC4053}"/>
-              </a:ext>
-            </a:extLst>
-          </p:cNvPr>
-          <p:cNvSpPr txBox="1"/>
-          <p:nvPr/>
-        </p:nvSpPr>
-        <p:spPr>
-          <a:xfrm>
-            <a:off x="5344396" y="2733230"/>
-            <a:ext cx="1515386" cy="646331"/>
-          </a:xfrm>
-          <a:prstGeom prst="rect">
-            <a:avLst/>
-          </a:prstGeom>
-          <a:noFill/>
-        </p:spPr>
-        <p:txBody>
-          <a:bodyPr wrap="square" rtlCol="0">
-            <a:spAutoFit/>
-          </a:bodyPr>
-          <a:lstStyle/>
-          <a:p>
-            <a:pPr algn="ctr"/>
-            <a:r>
-              <a:rPr lang="en-US" sz="3600" dirty="0">
-                <a:solidFill>
-                  <a:srgbClr val="EF3078"/>
-                </a:solidFill>
-                <a:latin typeface="Century Gothic" panose="020B0502020202020204" pitchFamily="34" charset="0"/>
-              </a:rPr>
-              <a:t>2010</a:t>
-            </a:r>
-          </a:p>
-        </p:txBody>
-      </p:sp>
-      <p:sp>
-        <p:nvSpPr>
           <p:cNvPr id="118" name="Arc 44">
             <a:extLst>
               <a:ext uri="{FF2B5EF4-FFF2-40B4-BE49-F238E27FC236}">
@@ -4999,47 +4879,6 @@
       </p:sp>
       <p:sp>
         <p:nvSpPr>
-          <p:cNvPr id="124" name="TextBox 50">
-            <a:extLst>
-              <a:ext uri="{FF2B5EF4-FFF2-40B4-BE49-F238E27FC236}">
-                <a16:creationId xmlns:a16="http://schemas.microsoft.com/office/drawing/2014/main" id="{FCD7022C-C87F-DE11-6CBA-2C419903562C}"/>
-              </a:ext>
-            </a:extLst>
-          </p:cNvPr>
-          <p:cNvSpPr txBox="1"/>
-          <p:nvPr/>
-        </p:nvSpPr>
-        <p:spPr>
-          <a:xfrm>
-            <a:off x="7608145" y="4154011"/>
-            <a:ext cx="1515386" cy="646331"/>
-          </a:xfrm>
-          <a:prstGeom prst="rect">
-            <a:avLst/>
-          </a:prstGeom>
-          <a:noFill/>
-        </p:spPr>
-        <p:txBody>
-          <a:bodyPr wrap="square" rtlCol="0">
-            <a:spAutoFit/>
-          </a:bodyPr>
-          <a:lstStyle/>
-          <a:p>
-            <a:pPr algn="ctr"/>
-            <a:r>
-              <a:rPr lang="en-US" sz="3600" dirty="0">
-                <a:solidFill>
-                  <a:srgbClr val="1C7CBB"/>
-                </a:solidFill>
-                <a:latin typeface="Century Gothic" panose="020B0502020202020204" pitchFamily="34" charset="0"/>
-              </a:rPr>
-              <a:t>2011</a:t>
-            </a:r>
-          </a:p>
-        </p:txBody>
-      </p:sp>
-      <p:sp>
-        <p:nvSpPr>
           <p:cNvPr id="126" name="Arc 52">
             <a:extLst>
               <a:ext uri="{FF2B5EF4-FFF2-40B4-BE49-F238E27FC236}">
@@ -5365,49 +5204,6 @@
           </a:p>
         </p:txBody>
       </p:sp>
-      <p:sp>
-        <p:nvSpPr>
-          <p:cNvPr id="132" name="TextBox 59">
-            <a:extLst>
-              <a:ext uri="{FF2B5EF4-FFF2-40B4-BE49-F238E27FC236}">
-                <a16:creationId xmlns:a16="http://schemas.microsoft.com/office/drawing/2014/main" id="{3F75BC22-1C67-E95C-F204-203A1FB11692}"/>
-              </a:ext>
-            </a:extLst>
-          </p:cNvPr>
-          <p:cNvSpPr txBox="1"/>
-          <p:nvPr/>
-        </p:nvSpPr>
-        <p:spPr>
-          <a:xfrm>
-            <a:off x="9846072" y="2733230"/>
-            <a:ext cx="1515386" cy="646331"/>
-          </a:xfrm>
-          <a:prstGeom prst="rect">
-            <a:avLst/>
-          </a:prstGeom>
-          <a:noFill/>
-        </p:spPr>
-        <p:txBody>
-          <a:bodyPr wrap="square" rtlCol="0">
-            <a:spAutoFit/>
-          </a:bodyPr>
-          <a:lstStyle/>
-          <a:p>
-            <a:pPr algn="ctr"/>
-            <a:r>
-              <a:rPr lang="en-US" sz="3600" dirty="0">
-                <a:solidFill>
-                  <a:schemeClr val="accent6">
-                    <a:lumMod val="50000"/>
-                  </a:schemeClr>
-                </a:solidFill>
-                <a:latin typeface="Century Gothic" panose="020B0502020202020204" pitchFamily="34" charset="0"/>
-              </a:rPr>
-              <a:t>2012</a:t>
-            </a:r>
-          </a:p>
-        </p:txBody>
-      </p:sp>
       <p:cxnSp>
         <p:nvCxnSpPr>
           <p:cNvPr id="133" name="Straight Connector 63">
@@ -5510,7 +5306,7 @@
         </p:nvCxnSpPr>
         <p:spPr>
           <a:xfrm>
-            <a:off x="9655100" y="5983776"/>
+            <a:off x="9674582" y="1609519"/>
             <a:ext cx="2048865" cy="0"/>
           </a:xfrm>
           <a:prstGeom prst="line">
@@ -5625,6 +5421,412 @@
           </a:fontRef>
         </p:style>
       </p:cxnSp>
+      <p:sp>
+        <p:nvSpPr>
+          <p:cNvPr id="2" name="TextBox 16">
+            <a:extLst>
+              <a:ext uri="{FF2B5EF4-FFF2-40B4-BE49-F238E27FC236}">
+                <a16:creationId xmlns:a16="http://schemas.microsoft.com/office/drawing/2014/main" id="{AE98DBF7-BE7A-23A3-CDC0-E3C1A1DF9275}"/>
+              </a:ext>
+            </a:extLst>
+          </p:cNvPr>
+          <p:cNvSpPr txBox="1"/>
+          <p:nvPr/>
+        </p:nvSpPr>
+        <p:spPr>
+          <a:xfrm>
+            <a:off x="2707715" y="880321"/>
+            <a:ext cx="3201043" cy="738664"/>
+          </a:xfrm>
+          <a:prstGeom prst="rect">
+            <a:avLst/>
+          </a:prstGeom>
+          <a:noFill/>
+        </p:spPr>
+        <p:txBody>
+          <a:bodyPr wrap="square" rtlCol="0">
+            <a:spAutoFit/>
+          </a:bodyPr>
+          <a:lstStyle/>
+          <a:p>
+            <a:r>
+              <a:rPr lang="en-US" sz="1400" dirty="0">
+                <a:solidFill>
+                  <a:schemeClr val="bg2">
+                    <a:lumMod val="50000"/>
+                  </a:schemeClr>
+                </a:solidFill>
+                <a:latin typeface="Century Gothic" panose="020B0502020202020204" pitchFamily="34" charset="0"/>
+              </a:rPr>
+              <a:t>PROTOTIPAZIONE </a:t>
+            </a:r>
+          </a:p>
+          <a:p>
+            <a:r>
+              <a:rPr lang="en-US" sz="1400" dirty="0">
+                <a:solidFill>
+                  <a:schemeClr val="bg2">
+                    <a:lumMod val="50000"/>
+                  </a:schemeClr>
+                </a:solidFill>
+                <a:latin typeface="Century Gothic" panose="020B0502020202020204" pitchFamily="34" charset="0"/>
+              </a:rPr>
+              <a:t>FIGMA E VALUTAZIONE </a:t>
+            </a:r>
+          </a:p>
+          <a:p>
+            <a:r>
+              <a:rPr lang="en-US" sz="1400" dirty="0">
+                <a:solidFill>
+                  <a:schemeClr val="bg2">
+                    <a:lumMod val="50000"/>
+                  </a:schemeClr>
+                </a:solidFill>
+                <a:latin typeface="Century Gothic" panose="020B0502020202020204" pitchFamily="34" charset="0"/>
+              </a:rPr>
+              <a:t>DEL PROTOTIPO</a:t>
+            </a:r>
+          </a:p>
+        </p:txBody>
+      </p:sp>
+      <p:sp>
+        <p:nvSpPr>
+          <p:cNvPr id="6" name="TextBox 16">
+            <a:extLst>
+              <a:ext uri="{FF2B5EF4-FFF2-40B4-BE49-F238E27FC236}">
+                <a16:creationId xmlns:a16="http://schemas.microsoft.com/office/drawing/2014/main" id="{C34482B2-A787-55E9-33B2-6D81BD30BCD0}"/>
+              </a:ext>
+            </a:extLst>
+          </p:cNvPr>
+          <p:cNvSpPr txBox="1"/>
+          <p:nvPr/>
+        </p:nvSpPr>
+        <p:spPr>
+          <a:xfrm>
+            <a:off x="5037774" y="5669902"/>
+            <a:ext cx="3201043" cy="307777"/>
+          </a:xfrm>
+          <a:prstGeom prst="rect">
+            <a:avLst/>
+          </a:prstGeom>
+          <a:noFill/>
+        </p:spPr>
+        <p:txBody>
+          <a:bodyPr wrap="square" rtlCol="0">
+            <a:spAutoFit/>
+          </a:bodyPr>
+          <a:lstStyle/>
+          <a:p>
+            <a:r>
+              <a:rPr lang="en-US" sz="1400" dirty="0">
+                <a:solidFill>
+                  <a:schemeClr val="bg2">
+                    <a:lumMod val="50000"/>
+                  </a:schemeClr>
+                </a:solidFill>
+                <a:latin typeface="Century Gothic" panose="020B0502020202020204" pitchFamily="34" charset="0"/>
+              </a:rPr>
+              <a:t>DESIGN DEL SISTEMA</a:t>
+            </a:r>
+          </a:p>
+        </p:txBody>
+      </p:sp>
+      <p:sp>
+        <p:nvSpPr>
+          <p:cNvPr id="7" name="TextBox 16">
+            <a:extLst>
+              <a:ext uri="{FF2B5EF4-FFF2-40B4-BE49-F238E27FC236}">
+                <a16:creationId xmlns:a16="http://schemas.microsoft.com/office/drawing/2014/main" id="{25825FA0-7644-D561-0EE4-4E6F63900AD1}"/>
+              </a:ext>
+            </a:extLst>
+          </p:cNvPr>
+          <p:cNvSpPr txBox="1"/>
+          <p:nvPr/>
+        </p:nvSpPr>
+        <p:spPr>
+          <a:xfrm>
+            <a:off x="7224897" y="1123838"/>
+            <a:ext cx="2027755" cy="523220"/>
+          </a:xfrm>
+          <a:prstGeom prst="rect">
+            <a:avLst/>
+          </a:prstGeom>
+          <a:noFill/>
+        </p:spPr>
+        <p:txBody>
+          <a:bodyPr wrap="square" rtlCol="0">
+            <a:spAutoFit/>
+          </a:bodyPr>
+          <a:lstStyle/>
+          <a:p>
+            <a:r>
+              <a:rPr lang="en-US" sz="1400" dirty="0">
+                <a:solidFill>
+                  <a:schemeClr val="bg2">
+                    <a:lumMod val="50000"/>
+                  </a:schemeClr>
+                </a:solidFill>
+                <a:latin typeface="Century Gothic" panose="020B0502020202020204" pitchFamily="34" charset="0"/>
+              </a:rPr>
+              <a:t>REALIZZAZIONE DEL </a:t>
+            </a:r>
+          </a:p>
+          <a:p>
+            <a:r>
+              <a:rPr lang="en-US" sz="1400" dirty="0">
+                <a:solidFill>
+                  <a:schemeClr val="bg2">
+                    <a:lumMod val="50000"/>
+                  </a:schemeClr>
+                </a:solidFill>
+                <a:latin typeface="Century Gothic" panose="020B0502020202020204" pitchFamily="34" charset="0"/>
+              </a:rPr>
+              <a:t>SISTEMA</a:t>
+            </a:r>
+          </a:p>
+        </p:txBody>
+      </p:sp>
+      <p:sp>
+        <p:nvSpPr>
+          <p:cNvPr id="19" name="TextBox 16">
+            <a:extLst>
+              <a:ext uri="{FF2B5EF4-FFF2-40B4-BE49-F238E27FC236}">
+                <a16:creationId xmlns:a16="http://schemas.microsoft.com/office/drawing/2014/main" id="{1AC2A0F7-5B4A-0B16-0FA3-780D0F3931B8}"/>
+              </a:ext>
+            </a:extLst>
+          </p:cNvPr>
+          <p:cNvSpPr txBox="1"/>
+          <p:nvPr/>
+        </p:nvSpPr>
+        <p:spPr>
+          <a:xfrm>
+            <a:off x="9742573" y="5830816"/>
+            <a:ext cx="1028013" cy="307777"/>
+          </a:xfrm>
+          <a:prstGeom prst="rect">
+            <a:avLst/>
+          </a:prstGeom>
+          <a:noFill/>
+        </p:spPr>
+        <p:txBody>
+          <a:bodyPr wrap="square" rtlCol="0">
+            <a:spAutoFit/>
+          </a:bodyPr>
+          <a:lstStyle/>
+          <a:p>
+            <a:r>
+              <a:rPr lang="en-US" sz="1400" dirty="0">
+                <a:solidFill>
+                  <a:schemeClr val="bg2">
+                    <a:lumMod val="50000"/>
+                  </a:schemeClr>
+                </a:solidFill>
+                <a:latin typeface="Century Gothic" panose="020B0502020202020204" pitchFamily="34" charset="0"/>
+              </a:rPr>
+              <a:t>TESTING</a:t>
+            </a:r>
+          </a:p>
+        </p:txBody>
+      </p:sp>
+      <p:cxnSp>
+        <p:nvCxnSpPr>
+          <p:cNvPr id="38" name="Straight Connector 57">
+            <a:extLst>
+              <a:ext uri="{FF2B5EF4-FFF2-40B4-BE49-F238E27FC236}">
+                <a16:creationId xmlns:a16="http://schemas.microsoft.com/office/drawing/2014/main" id="{1EB7E477-2B17-3FE3-6D06-3DE108BD68C2}"/>
+              </a:ext>
+            </a:extLst>
+          </p:cNvPr>
+          <p:cNvCxnSpPr>
+            <a:cxnSpLocks/>
+          </p:cNvCxnSpPr>
+          <p:nvPr/>
+        </p:nvCxnSpPr>
+        <p:spPr>
+          <a:xfrm flipV="1">
+            <a:off x="10603766" y="2386147"/>
+            <a:ext cx="0" cy="1033387"/>
+          </a:xfrm>
+          <a:prstGeom prst="line">
+            <a:avLst/>
+          </a:prstGeom>
+          <a:ln w="19050">
+            <a:solidFill>
+              <a:schemeClr val="accent6">
+                <a:lumMod val="50000"/>
+              </a:schemeClr>
+            </a:solidFill>
+          </a:ln>
+        </p:spPr>
+        <p:style>
+          <a:lnRef idx="1">
+            <a:schemeClr val="accent1"/>
+          </a:lnRef>
+          <a:fillRef idx="0">
+            <a:schemeClr val="accent1"/>
+          </a:fillRef>
+          <a:effectRef idx="0">
+            <a:schemeClr val="accent1"/>
+          </a:effectRef>
+          <a:fontRef idx="minor">
+            <a:schemeClr val="tx1"/>
+          </a:fontRef>
+        </p:style>
+      </p:cxnSp>
+      <p:sp>
+        <p:nvSpPr>
+          <p:cNvPr id="39" name="Oval 58">
+            <a:extLst>
+              <a:ext uri="{FF2B5EF4-FFF2-40B4-BE49-F238E27FC236}">
+                <a16:creationId xmlns:a16="http://schemas.microsoft.com/office/drawing/2014/main" id="{D3D88EC4-7F79-39F2-7BAD-15A1F28B1008}"/>
+              </a:ext>
+            </a:extLst>
+          </p:cNvPr>
+          <p:cNvSpPr/>
+          <p:nvPr/>
+        </p:nvSpPr>
+        <p:spPr>
+          <a:xfrm>
+            <a:off x="10541645" y="2380944"/>
+            <a:ext cx="124240" cy="124240"/>
+          </a:xfrm>
+          <a:prstGeom prst="ellipse">
+            <a:avLst/>
+          </a:prstGeom>
+          <a:solidFill>
+            <a:schemeClr val="accent6">
+              <a:lumMod val="50000"/>
+            </a:schemeClr>
+          </a:solidFill>
+          <a:ln>
+            <a:noFill/>
+          </a:ln>
+        </p:spPr>
+        <p:style>
+          <a:lnRef idx="2">
+            <a:schemeClr val="accent1">
+              <a:shade val="50000"/>
+            </a:schemeClr>
+          </a:lnRef>
+          <a:fillRef idx="1">
+            <a:schemeClr val="accent1"/>
+          </a:fillRef>
+          <a:effectRef idx="0">
+            <a:schemeClr val="accent1"/>
+          </a:effectRef>
+          <a:fontRef idx="minor">
+            <a:schemeClr val="lt1"/>
+          </a:fontRef>
+        </p:style>
+        <p:txBody>
+          <a:bodyPr rtlCol="0" anchor="ctr"/>
+          <a:lstStyle/>
+          <a:p>
+            <a:pPr algn="ctr"/>
+            <a:endParaRPr lang="en-US"/>
+          </a:p>
+        </p:txBody>
+      </p:sp>
+      <p:cxnSp>
+        <p:nvCxnSpPr>
+          <p:cNvPr id="40" name="Straight Connector 66">
+            <a:extLst>
+              <a:ext uri="{FF2B5EF4-FFF2-40B4-BE49-F238E27FC236}">
+                <a16:creationId xmlns:a16="http://schemas.microsoft.com/office/drawing/2014/main" id="{CD2190E0-A62D-7D8F-AD10-58FDDE0FC735}"/>
+              </a:ext>
+            </a:extLst>
+          </p:cNvPr>
+          <p:cNvCxnSpPr>
+            <a:cxnSpLocks/>
+          </p:cNvCxnSpPr>
+          <p:nvPr/>
+        </p:nvCxnSpPr>
+        <p:spPr>
+          <a:xfrm>
+            <a:off x="9807500" y="6136176"/>
+            <a:ext cx="2048865" cy="0"/>
+          </a:xfrm>
+          <a:prstGeom prst="line">
+            <a:avLst/>
+          </a:prstGeom>
+          <a:ln w="19050">
+            <a:solidFill>
+              <a:schemeClr val="accent6">
+                <a:lumMod val="50000"/>
+              </a:schemeClr>
+            </a:solidFill>
+          </a:ln>
+        </p:spPr>
+        <p:style>
+          <a:lnRef idx="1">
+            <a:schemeClr val="accent1"/>
+          </a:lnRef>
+          <a:fillRef idx="0">
+            <a:schemeClr val="accent1"/>
+          </a:fillRef>
+          <a:effectRef idx="0">
+            <a:schemeClr val="accent1"/>
+          </a:effectRef>
+          <a:fontRef idx="minor">
+            <a:schemeClr val="tx1"/>
+          </a:fontRef>
+        </p:style>
+      </p:cxnSp>
+      <p:sp>
+        <p:nvSpPr>
+          <p:cNvPr id="41" name="TextBox 16">
+            <a:extLst>
+              <a:ext uri="{FF2B5EF4-FFF2-40B4-BE49-F238E27FC236}">
+                <a16:creationId xmlns:a16="http://schemas.microsoft.com/office/drawing/2014/main" id="{25F9568A-E519-3A1B-2379-5F04641D2D23}"/>
+              </a:ext>
+            </a:extLst>
+          </p:cNvPr>
+          <p:cNvSpPr txBox="1"/>
+          <p:nvPr/>
+        </p:nvSpPr>
+        <p:spPr>
+          <a:xfrm>
+            <a:off x="9589887" y="1120763"/>
+            <a:ext cx="2027755" cy="523220"/>
+          </a:xfrm>
+          <a:prstGeom prst="rect">
+            <a:avLst/>
+          </a:prstGeom>
+          <a:noFill/>
+        </p:spPr>
+        <p:txBody>
+          <a:bodyPr wrap="square" rtlCol="0">
+            <a:spAutoFit/>
+          </a:bodyPr>
+          <a:lstStyle/>
+          <a:p>
+            <a:r>
+              <a:rPr lang="en-US" sz="1400" dirty="0">
+                <a:solidFill>
+                  <a:schemeClr val="bg2">
+                    <a:lumMod val="50000"/>
+                  </a:schemeClr>
+                </a:solidFill>
+                <a:latin typeface="Century Gothic" panose="020B0502020202020204" pitchFamily="34" charset="0"/>
+              </a:rPr>
+              <a:t>STUDIO USABILITÀ SUL</a:t>
+            </a:r>
+          </a:p>
+          <a:p>
+            <a:r>
+              <a:rPr lang="en-US" sz="1400" dirty="0">
+                <a:solidFill>
+                  <a:schemeClr val="bg2">
+                    <a:lumMod val="50000"/>
+                  </a:schemeClr>
+                </a:solidFill>
+                <a:latin typeface="Century Gothic" panose="020B0502020202020204" pitchFamily="34" charset="0"/>
+              </a:rPr>
+              <a:t>CAMPO</a:t>
+            </a:r>
+          </a:p>
+        </p:txBody>
+      </p:sp>
     </p:spTree>
     <p:extLst>
       <p:ext uri="{BB962C8B-B14F-4D97-AF65-F5344CB8AC3E}">
@@ -6185,7 +6387,7 @@
                                 </p:cTn>
                               </p:par>
                               <p:par>
-                                <p:cTn id="42" presetID="47" presetClass="entr" presetSubtype="0" fill="hold" grpId="0" nodeType="withEffect">
+                                <p:cTn id="42" presetID="42" presetClass="entr" presetSubtype="0" fill="hold" grpId="0" nodeType="withEffect">
                                   <p:stCondLst>
                                     <p:cond delay="0"/>
                                   </p:stCondLst>
@@ -6198,7 +6400,7 @@
                                           </p:stCondLst>
                                         </p:cTn>
                                         <p:tgtEl>
-                                          <p:spTgt spid="100"/>
+                                          <p:spTgt spid="101"/>
                                         </p:tgtEl>
                                         <p:attrNameLst>
                                           <p:attrName>style.visibility</p:attrName>
@@ -6212,7 +6414,7 @@
                                       <p:cBhvr>
                                         <p:cTn id="44" dur="500"/>
                                         <p:tgtEl>
-                                          <p:spTgt spid="100"/>
+                                          <p:spTgt spid="101"/>
                                         </p:tgtEl>
                                       </p:cBhvr>
                                     </p:animEffect>
@@ -6220,7 +6422,7 @@
                                       <p:cBhvr>
                                         <p:cTn id="45" dur="500" fill="hold"/>
                                         <p:tgtEl>
-                                          <p:spTgt spid="100"/>
+                                          <p:spTgt spid="101"/>
                                         </p:tgtEl>
                                         <p:attrNameLst>
                                           <p:attrName>ppt_x</p:attrName>
@@ -6242,87 +6444,6 @@
                                     <p:anim calcmode="lin" valueType="num">
                                       <p:cBhvr>
                                         <p:cTn id="46" dur="500" fill="hold"/>
-                                        <p:tgtEl>
-                                          <p:spTgt spid="100"/>
-                                        </p:tgtEl>
-                                        <p:attrNameLst>
-                                          <p:attrName>ppt_y</p:attrName>
-                                        </p:attrNameLst>
-                                      </p:cBhvr>
-                                      <p:tavLst>
-                                        <p:tav tm="0">
-                                          <p:val>
-                                            <p:strVal val="#ppt_y-.1"/>
-                                          </p:val>
-                                        </p:tav>
-                                        <p:tav tm="100000">
-                                          <p:val>
-                                            <p:strVal val="#ppt_y"/>
-                                          </p:val>
-                                        </p:tav>
-                                      </p:tavLst>
-                                    </p:anim>
-                                  </p:childTnLst>
-                                </p:cTn>
-                              </p:par>
-                              <p:par>
-                                <p:cTn id="47" presetID="42" presetClass="entr" presetSubtype="0" fill="hold" grpId="0" nodeType="withEffect">
-                                  <p:stCondLst>
-                                    <p:cond delay="0"/>
-                                  </p:stCondLst>
-                                  <p:childTnLst>
-                                    <p:set>
-                                      <p:cBhvr>
-                                        <p:cTn id="48" dur="1" fill="hold">
-                                          <p:stCondLst>
-                                            <p:cond delay="0"/>
-                                          </p:stCondLst>
-                                        </p:cTn>
-                                        <p:tgtEl>
-                                          <p:spTgt spid="101"/>
-                                        </p:tgtEl>
-                                        <p:attrNameLst>
-                                          <p:attrName>style.visibility</p:attrName>
-                                        </p:attrNameLst>
-                                      </p:cBhvr>
-                                      <p:to>
-                                        <p:strVal val="visible"/>
-                                      </p:to>
-                                    </p:set>
-                                    <p:animEffect transition="in" filter="fade">
-                                      <p:cBhvr>
-                                        <p:cTn id="49" dur="500"/>
-                                        <p:tgtEl>
-                                          <p:spTgt spid="101"/>
-                                        </p:tgtEl>
-                                      </p:cBhvr>
-                                    </p:animEffect>
-                                    <p:anim calcmode="lin" valueType="num">
-                                      <p:cBhvr>
-                                        <p:cTn id="50" dur="500" fill="hold"/>
-                                        <p:tgtEl>
-                                          <p:spTgt spid="101"/>
-                                        </p:tgtEl>
-                                        <p:attrNameLst>
-                                          <p:attrName>ppt_x</p:attrName>
-                                        </p:attrNameLst>
-                                      </p:cBhvr>
-                                      <p:tavLst>
-                                        <p:tav tm="0">
-                                          <p:val>
-                                            <p:strVal val="#ppt_x"/>
-                                          </p:val>
-                                        </p:tav>
-                                        <p:tav tm="100000">
-                                          <p:val>
-                                            <p:strVal val="#ppt_x"/>
-                                          </p:val>
-                                        </p:tav>
-                                      </p:tavLst>
-                                    </p:anim>
-                                    <p:anim calcmode="lin" valueType="num">
-                                      <p:cBhvr>
-                                        <p:cTn id="51" dur="500" fill="hold"/>
                                         <p:tgtEl>
                                           <p:spTgt spid="101"/>
                                         </p:tgtEl>
@@ -6350,20 +6471,20 @@
                           </p:cTn>
                         </p:par>
                         <p:par>
-                          <p:cTn id="52" fill="hold">
+                          <p:cTn id="47" fill="hold">
                             <p:stCondLst>
                               <p:cond delay="3500"/>
                             </p:stCondLst>
                             <p:childTnLst>
                               <p:par>
-                                <p:cTn id="53" presetID="22" presetClass="entr" presetSubtype="8" fill="hold" nodeType="afterEffect">
+                                <p:cTn id="48" presetID="22" presetClass="entr" presetSubtype="8" fill="hold" nodeType="afterEffect">
                                   <p:stCondLst>
                                     <p:cond delay="0"/>
                                   </p:stCondLst>
                                   <p:childTnLst>
                                     <p:set>
                                       <p:cBhvr>
-                                        <p:cTn id="54" dur="1" fill="hold">
+                                        <p:cTn id="49" dur="1" fill="hold">
                                           <p:stCondLst>
                                             <p:cond delay="0"/>
                                           </p:stCondLst>
@@ -6381,7 +6502,7 @@
                                     </p:set>
                                     <p:animEffect transition="in" filter="wipe(left)">
                                       <p:cBhvr>
-                                        <p:cTn id="55" dur="500"/>
+                                        <p:cTn id="50" dur="500"/>
                                         <p:tgtEl>
                                           <p:spTgt spid="133"/>
                                         </p:tgtEl>
@@ -6394,20 +6515,20 @@
                           </p:cTn>
                         </p:par>
                         <p:par>
-                          <p:cTn id="56" fill="hold">
+                          <p:cTn id="51" fill="hold">
                             <p:stCondLst>
                               <p:cond delay="4000"/>
                             </p:stCondLst>
                             <p:childTnLst>
                               <p:par>
-                                <p:cTn id="57" presetID="22" presetClass="entr" presetSubtype="8" fill="hold" nodeType="afterEffect">
+                                <p:cTn id="52" presetID="22" presetClass="entr" presetSubtype="8" fill="hold" nodeType="afterEffect">
                                   <p:stCondLst>
                                     <p:cond delay="0"/>
                                   </p:stCondLst>
                                   <p:childTnLst>
                                     <p:set>
                                       <p:cBhvr>
-                                        <p:cTn id="58" dur="1" fill="hold">
+                                        <p:cTn id="53" dur="1" fill="hold">
                                           <p:stCondLst>
                                             <p:cond delay="0"/>
                                           </p:stCondLst>
@@ -6425,7 +6546,7 @@
                                     </p:set>
                                     <p:animEffect transition="in" filter="wipe(left)">
                                       <p:cBhvr>
-                                        <p:cTn id="59" dur="500"/>
+                                        <p:cTn id="54" dur="500"/>
                                         <p:tgtEl>
                                           <p:spTgt spid="92"/>
                                         </p:tgtEl>
@@ -6438,20 +6559,20 @@
                           </p:cTn>
                         </p:par>
                         <p:par>
-                          <p:cTn id="60" fill="hold">
+                          <p:cTn id="55" fill="hold">
                             <p:stCondLst>
                               <p:cond delay="4500"/>
                             </p:stCondLst>
                             <p:childTnLst>
                               <p:par>
-                                <p:cTn id="61" presetID="53" presetClass="entr" presetSubtype="16" fill="hold" grpId="0" nodeType="afterEffect">
+                                <p:cTn id="56" presetID="53" presetClass="entr" presetSubtype="16" fill="hold" grpId="0" nodeType="afterEffect">
                                   <p:stCondLst>
                                     <p:cond delay="0"/>
                                   </p:stCondLst>
                                   <p:childTnLst>
                                     <p:set>
                                       <p:cBhvr>
-                                        <p:cTn id="62" dur="1" fill="hold">
+                                        <p:cTn id="57" dur="1" fill="hold">
                                           <p:stCondLst>
                                             <p:cond delay="0"/>
                                           </p:stCondLst>
@@ -6469,7 +6590,7 @@
                                     </p:set>
                                     <p:anim calcmode="lin" valueType="num">
                                       <p:cBhvr>
-                                        <p:cTn id="63" dur="500" fill="hold"/>
+                                        <p:cTn id="58" dur="500" fill="hold"/>
                                         <p:tgtEl>
                                           <p:spTgt spid="103"/>
                                         </p:tgtEl>
@@ -6492,7 +6613,7 @@
                                     </p:anim>
                                     <p:anim calcmode="lin" valueType="num">
                                       <p:cBhvr>
-                                        <p:cTn id="64" dur="500" fill="hold"/>
+                                        <p:cTn id="59" dur="500" fill="hold"/>
                                         <p:tgtEl>
                                           <p:spTgt spid="103"/>
                                         </p:tgtEl>
@@ -6515,7 +6636,7 @@
                                     </p:anim>
                                     <p:animEffect transition="in" filter="fade">
                                       <p:cBhvr>
-                                        <p:cTn id="65" dur="500"/>
+                                        <p:cTn id="60" dur="500"/>
                                         <p:tgtEl>
                                           <p:spTgt spid="103"/>
                                         </p:tgtEl>
@@ -6528,20 +6649,20 @@
                           </p:cTn>
                         </p:par>
                         <p:par>
-                          <p:cTn id="66" fill="hold">
+                          <p:cTn id="61" fill="hold">
                             <p:stCondLst>
                               <p:cond delay="5000"/>
                             </p:stCondLst>
                             <p:childTnLst>
                               <p:par>
-                                <p:cTn id="67" presetID="53" presetClass="entr" presetSubtype="16" fill="hold" grpId="0" nodeType="afterEffect">
+                                <p:cTn id="62" presetID="53" presetClass="entr" presetSubtype="16" fill="hold" grpId="0" nodeType="afterEffect">
                                   <p:stCondLst>
                                     <p:cond delay="0"/>
                                   </p:stCondLst>
                                   <p:childTnLst>
                                     <p:set>
                                       <p:cBhvr>
-                                        <p:cTn id="68" dur="1" fill="hold">
+                                        <p:cTn id="63" dur="1" fill="hold">
                                           <p:stCondLst>
                                             <p:cond delay="0"/>
                                           </p:stCondLst>
@@ -6559,7 +6680,7 @@
                                     </p:set>
                                     <p:anim calcmode="lin" valueType="num">
                                       <p:cBhvr>
-                                        <p:cTn id="69" dur="500" fill="hold"/>
+                                        <p:cTn id="64" dur="500" fill="hold"/>
                                         <p:tgtEl>
                                           <p:spTgt spid="104"/>
                                         </p:tgtEl>
@@ -6582,7 +6703,7 @@
                                     </p:anim>
                                     <p:anim calcmode="lin" valueType="num">
                                       <p:cBhvr>
-                                        <p:cTn id="70" dur="500" fill="hold"/>
+                                        <p:cTn id="65" dur="500" fill="hold"/>
                                         <p:tgtEl>
                                           <p:spTgt spid="104"/>
                                         </p:tgtEl>
@@ -6605,7 +6726,7 @@
                                     </p:anim>
                                     <p:animEffect transition="in" filter="fade">
                                       <p:cBhvr>
-                                        <p:cTn id="71" dur="500"/>
+                                        <p:cTn id="66" dur="500"/>
                                         <p:tgtEl>
                                           <p:spTgt spid="104"/>
                                         </p:tgtEl>
@@ -6618,20 +6739,20 @@
                           </p:cTn>
                         </p:par>
                         <p:par>
-                          <p:cTn id="72" fill="hold">
+                          <p:cTn id="67" fill="hold">
                             <p:stCondLst>
                               <p:cond delay="5500"/>
                             </p:stCondLst>
                             <p:childTnLst>
                               <p:par>
-                                <p:cTn id="73" presetID="53" presetClass="entr" presetSubtype="16" fill="hold" grpId="0" nodeType="afterEffect">
+                                <p:cTn id="68" presetID="53" presetClass="entr" presetSubtype="16" fill="hold" grpId="0" nodeType="afterEffect">
                                   <p:stCondLst>
                                     <p:cond delay="0"/>
                                   </p:stCondLst>
                                   <p:childTnLst>
                                     <p:set>
                                       <p:cBhvr>
-                                        <p:cTn id="74" dur="1" fill="hold">
+                                        <p:cTn id="69" dur="1" fill="hold">
                                           <p:stCondLst>
                                             <p:cond delay="0"/>
                                           </p:stCondLst>
@@ -6649,7 +6770,7 @@
                                     </p:set>
                                     <p:anim calcmode="lin" valueType="num">
                                       <p:cBhvr>
-                                        <p:cTn id="75" dur="500" fill="hold"/>
+                                        <p:cTn id="70" dur="500" fill="hold"/>
                                         <p:tgtEl>
                                           <p:spTgt spid="105"/>
                                         </p:tgtEl>
@@ -6672,7 +6793,7 @@
                                     </p:anim>
                                     <p:anim calcmode="lin" valueType="num">
                                       <p:cBhvr>
-                                        <p:cTn id="76" dur="500" fill="hold"/>
+                                        <p:cTn id="71" dur="500" fill="hold"/>
                                         <p:tgtEl>
                                           <p:spTgt spid="105"/>
                                         </p:tgtEl>
@@ -6695,7 +6816,7 @@
                                     </p:anim>
                                     <p:animEffect transition="in" filter="fade">
                                       <p:cBhvr>
-                                        <p:cTn id="77" dur="500"/>
+                                        <p:cTn id="72" dur="500"/>
                                         <p:tgtEl>
                                           <p:spTgt spid="105"/>
                                         </p:tgtEl>
@@ -6708,20 +6829,20 @@
                           </p:cTn>
                         </p:par>
                         <p:par>
-                          <p:cTn id="78" fill="hold">
+                          <p:cTn id="73" fill="hold">
                             <p:stCondLst>
                               <p:cond delay="6000"/>
                             </p:stCondLst>
                             <p:childTnLst>
                               <p:par>
-                                <p:cTn id="79" presetID="22" presetClass="entr" presetSubtype="4" fill="hold" nodeType="afterEffect">
+                                <p:cTn id="74" presetID="22" presetClass="entr" presetSubtype="4" fill="hold" nodeType="afterEffect">
                                   <p:stCondLst>
                                     <p:cond delay="0"/>
                                   </p:stCondLst>
                                   <p:childTnLst>
                                     <p:set>
                                       <p:cBhvr>
-                                        <p:cTn id="80" dur="1" fill="hold">
+                                        <p:cTn id="75" dur="1" fill="hold">
                                           <p:stCondLst>
                                             <p:cond delay="0"/>
                                           </p:stCondLst>
@@ -6739,7 +6860,7 @@
                                     </p:set>
                                     <p:animEffect transition="in" filter="wipe(down)">
                                       <p:cBhvr>
-                                        <p:cTn id="81" dur="500"/>
+                                        <p:cTn id="76" dur="500"/>
                                         <p:tgtEl>
                                           <p:spTgt spid="106"/>
                                         </p:tgtEl>
@@ -6752,20 +6873,20 @@
                           </p:cTn>
                         </p:par>
                         <p:par>
-                          <p:cTn id="82" fill="hold">
+                          <p:cTn id="77" fill="hold">
                             <p:stCondLst>
                               <p:cond delay="6500"/>
                             </p:stCondLst>
                             <p:childTnLst>
                               <p:par>
-                                <p:cTn id="83" presetID="53" presetClass="entr" presetSubtype="16" fill="hold" grpId="0" nodeType="afterEffect">
+                                <p:cTn id="78" presetID="53" presetClass="entr" presetSubtype="16" fill="hold" grpId="0" nodeType="afterEffect">
                                   <p:stCondLst>
                                     <p:cond delay="0"/>
                                   </p:stCondLst>
                                   <p:childTnLst>
                                     <p:set>
                                       <p:cBhvr>
-                                        <p:cTn id="84" dur="1" fill="hold">
+                                        <p:cTn id="79" dur="1" fill="hold">
                                           <p:stCondLst>
                                             <p:cond delay="0"/>
                                           </p:stCondLst>
@@ -6783,7 +6904,7 @@
                                     </p:set>
                                     <p:anim calcmode="lin" valueType="num">
                                       <p:cBhvr>
-                                        <p:cTn id="85" dur="500" fill="hold"/>
+                                        <p:cTn id="80" dur="500" fill="hold"/>
                                         <p:tgtEl>
                                           <p:spTgt spid="107"/>
                                         </p:tgtEl>
@@ -6806,7 +6927,7 @@
                                     </p:anim>
                                     <p:anim calcmode="lin" valueType="num">
                                       <p:cBhvr>
-                                        <p:cTn id="86" dur="500" fill="hold"/>
+                                        <p:cTn id="81" dur="500" fill="hold"/>
                                         <p:tgtEl>
                                           <p:spTgt spid="107"/>
                                         </p:tgtEl>
@@ -6829,7 +6950,7 @@
                                     </p:anim>
                                     <p:animEffect transition="in" filter="fade">
                                       <p:cBhvr>
-                                        <p:cTn id="87" dur="500"/>
+                                        <p:cTn id="82" dur="500"/>
                                         <p:tgtEl>
                                           <p:spTgt spid="107"/>
                                         </p:tgtEl>
@@ -6842,107 +6963,107 @@
                           </p:cTn>
                         </p:par>
                         <p:par>
-                          <p:cTn id="88" fill="hold">
+                          <p:cTn id="83" fill="hold">
                             <p:stCondLst>
                               <p:cond delay="7000"/>
                             </p:stCondLst>
                             <p:childTnLst>
                               <p:par>
-                                <p:cTn id="89" presetID="53" presetClass="entr" presetSubtype="16" fill="hold" grpId="0" nodeType="afterEffect">
+                                <p:cTn id="84" presetID="53" presetClass="entr" presetSubtype="16" fill="hold" grpId="0" nodeType="afterEffect">
                                   <p:stCondLst>
                                     <p:cond delay="0"/>
                                   </p:stCondLst>
                                   <p:childTnLst>
                                     <p:set>
                                       <p:cBhvr>
+                                        <p:cTn id="85" dur="1" fill="hold">
+                                          <p:stCondLst>
+                                            <p:cond delay="0"/>
+                                          </p:stCondLst>
+                                        </p:cTn>
+                                        <p:tgtEl>
+                                          <p:spTgt spid="102"/>
+                                        </p:tgtEl>
+                                        <p:attrNameLst>
+                                          <p:attrName>style.visibility</p:attrName>
+                                        </p:attrNameLst>
+                                      </p:cBhvr>
+                                      <p:to>
+                                        <p:strVal val="visible"/>
+                                      </p:to>
+                                    </p:set>
+                                    <p:anim calcmode="lin" valueType="num">
+                                      <p:cBhvr>
+                                        <p:cTn id="86" dur="500" fill="hold"/>
+                                        <p:tgtEl>
+                                          <p:spTgt spid="102"/>
+                                        </p:tgtEl>
+                                        <p:attrNameLst>
+                                          <p:attrName>ppt_w</p:attrName>
+                                        </p:attrNameLst>
+                                      </p:cBhvr>
+                                      <p:tavLst>
+                                        <p:tav tm="0">
+                                          <p:val>
+                                            <p:fltVal val="0"/>
+                                          </p:val>
+                                        </p:tav>
+                                        <p:tav tm="100000">
+                                          <p:val>
+                                            <p:strVal val="#ppt_w"/>
+                                          </p:val>
+                                        </p:tav>
+                                      </p:tavLst>
+                                    </p:anim>
+                                    <p:anim calcmode="lin" valueType="num">
+                                      <p:cBhvr>
+                                        <p:cTn id="87" dur="500" fill="hold"/>
+                                        <p:tgtEl>
+                                          <p:spTgt spid="102"/>
+                                        </p:tgtEl>
+                                        <p:attrNameLst>
+                                          <p:attrName>ppt_h</p:attrName>
+                                        </p:attrNameLst>
+                                      </p:cBhvr>
+                                      <p:tavLst>
+                                        <p:tav tm="0">
+                                          <p:val>
+                                            <p:fltVal val="0"/>
+                                          </p:val>
+                                        </p:tav>
+                                        <p:tav tm="100000">
+                                          <p:val>
+                                            <p:strVal val="#ppt_h"/>
+                                          </p:val>
+                                        </p:tav>
+                                      </p:tavLst>
+                                    </p:anim>
+                                    <p:animEffect transition="in" filter="fade">
+                                      <p:cBhvr>
+                                        <p:cTn id="88" dur="500"/>
+                                        <p:tgtEl>
+                                          <p:spTgt spid="102"/>
+                                        </p:tgtEl>
+                                      </p:cBhvr>
+                                    </p:animEffect>
+                                  </p:childTnLst>
+                                </p:cTn>
+                              </p:par>
+                              <p:par>
+                                <p:cTn id="89" presetID="42" presetClass="entr" presetSubtype="0" fill="hold" grpId="0" nodeType="withEffect">
+                                  <p:stCondLst>
+                                    <p:cond delay="0"/>
+                                  </p:stCondLst>
+                                  <p:childTnLst>
+                                    <p:set>
+                                      <p:cBhvr>
                                         <p:cTn id="90" dur="1" fill="hold">
                                           <p:stCondLst>
                                             <p:cond delay="0"/>
                                           </p:stCondLst>
                                         </p:cTn>
                                         <p:tgtEl>
-                                          <p:spTgt spid="102"/>
-                                        </p:tgtEl>
-                                        <p:attrNameLst>
-                                          <p:attrName>style.visibility</p:attrName>
-                                        </p:attrNameLst>
-                                      </p:cBhvr>
-                                      <p:to>
-                                        <p:strVal val="visible"/>
-                                      </p:to>
-                                    </p:set>
-                                    <p:anim calcmode="lin" valueType="num">
-                                      <p:cBhvr>
-                                        <p:cTn id="91" dur="500" fill="hold"/>
-                                        <p:tgtEl>
-                                          <p:spTgt spid="102"/>
-                                        </p:tgtEl>
-                                        <p:attrNameLst>
-                                          <p:attrName>ppt_w</p:attrName>
-                                        </p:attrNameLst>
-                                      </p:cBhvr>
-                                      <p:tavLst>
-                                        <p:tav tm="0">
-                                          <p:val>
-                                            <p:fltVal val="0"/>
-                                          </p:val>
-                                        </p:tav>
-                                        <p:tav tm="100000">
-                                          <p:val>
-                                            <p:strVal val="#ppt_w"/>
-                                          </p:val>
-                                        </p:tav>
-                                      </p:tavLst>
-                                    </p:anim>
-                                    <p:anim calcmode="lin" valueType="num">
-                                      <p:cBhvr>
-                                        <p:cTn id="92" dur="500" fill="hold"/>
-                                        <p:tgtEl>
-                                          <p:spTgt spid="102"/>
-                                        </p:tgtEl>
-                                        <p:attrNameLst>
-                                          <p:attrName>ppt_h</p:attrName>
-                                        </p:attrNameLst>
-                                      </p:cBhvr>
-                                      <p:tavLst>
-                                        <p:tav tm="0">
-                                          <p:val>
-                                            <p:fltVal val="0"/>
-                                          </p:val>
-                                        </p:tav>
-                                        <p:tav tm="100000">
-                                          <p:val>
-                                            <p:strVal val="#ppt_h"/>
-                                          </p:val>
-                                        </p:tav>
-                                      </p:tavLst>
-                                    </p:anim>
-                                    <p:animEffect transition="in" filter="fade">
-                                      <p:cBhvr>
-                                        <p:cTn id="93" dur="500"/>
-                                        <p:tgtEl>
-                                          <p:spTgt spid="102"/>
-                                        </p:tgtEl>
-                                      </p:cBhvr>
-                                    </p:animEffect>
-                                  </p:childTnLst>
-                                </p:cTn>
-                              </p:par>
-                              <p:par>
-                                <p:cTn id="94" presetID="42" presetClass="entr" presetSubtype="0" fill="hold" grpId="0" nodeType="withEffect">
-                                  <p:stCondLst>
-                                    <p:cond delay="0"/>
-                                  </p:stCondLst>
-                                  <p:childTnLst>
-                                    <p:set>
-                                      <p:cBhvr>
-                                        <p:cTn id="95" dur="1" fill="hold">
-                                          <p:stCondLst>
-                                            <p:cond delay="0"/>
-                                          </p:stCondLst>
-                                        </p:cTn>
-                                        <p:tgtEl>
-                                          <p:spTgt spid="108"/>
+                                          <p:spTgt spid="2"/>
                                         </p:tgtEl>
                                         <p:attrNameLst>
                                           <p:attrName>style.visibility</p:attrName>
@@ -6954,17 +7075,17 @@
                                     </p:set>
                                     <p:animEffect transition="in" filter="fade">
                                       <p:cBhvr>
-                                        <p:cTn id="96" dur="500"/>
-                                        <p:tgtEl>
-                                          <p:spTgt spid="108"/>
+                                        <p:cTn id="91" dur="500"/>
+                                        <p:tgtEl>
+                                          <p:spTgt spid="2"/>
                                         </p:tgtEl>
                                       </p:cBhvr>
                                     </p:animEffect>
                                     <p:anim calcmode="lin" valueType="num">
                                       <p:cBhvr>
-                                        <p:cTn id="97" dur="500" fill="hold"/>
-                                        <p:tgtEl>
-                                          <p:spTgt spid="108"/>
+                                        <p:cTn id="92" dur="500" fill="hold"/>
+                                        <p:tgtEl>
+                                          <p:spTgt spid="2"/>
                                         </p:tgtEl>
                                         <p:attrNameLst>
                                           <p:attrName>ppt_x</p:attrName>
@@ -6985,9 +7106,9 @@
                                     </p:anim>
                                     <p:anim calcmode="lin" valueType="num">
                                       <p:cBhvr>
-                                        <p:cTn id="98" dur="500" fill="hold"/>
-                                        <p:tgtEl>
-                                          <p:spTgt spid="108"/>
+                                        <p:cTn id="93" dur="500" fill="hold"/>
+                                        <p:tgtEl>
+                                          <p:spTgt spid="2"/>
                                         </p:tgtEl>
                                         <p:attrNameLst>
                                           <p:attrName>ppt_y</p:attrName>
@@ -7013,20 +7134,20 @@
                           </p:cTn>
                         </p:par>
                         <p:par>
-                          <p:cTn id="99" fill="hold">
+                          <p:cTn id="94" fill="hold">
                             <p:stCondLst>
                               <p:cond delay="7500"/>
                             </p:stCondLst>
                             <p:childTnLst>
                               <p:par>
-                                <p:cTn id="100" presetID="22" presetClass="entr" presetSubtype="8" fill="hold" nodeType="afterEffect">
+                                <p:cTn id="95" presetID="22" presetClass="entr" presetSubtype="8" fill="hold" nodeType="afterEffect">
                                   <p:stCondLst>
                                     <p:cond delay="0"/>
                                   </p:stCondLst>
                                   <p:childTnLst>
                                     <p:set>
                                       <p:cBhvr>
-                                        <p:cTn id="101" dur="1" fill="hold">
+                                        <p:cTn id="96" dur="1" fill="hold">
                                           <p:stCondLst>
                                             <p:cond delay="0"/>
                                           </p:stCondLst>
@@ -7044,7 +7165,7 @@
                                     </p:set>
                                     <p:animEffect transition="in" filter="wipe(left)">
                                       <p:cBhvr>
-                                        <p:cTn id="102" dur="500"/>
+                                        <p:cTn id="97" dur="500"/>
                                         <p:tgtEl>
                                           <p:spTgt spid="136"/>
                                         </p:tgtEl>
@@ -7057,20 +7178,20 @@
                           </p:cTn>
                         </p:par>
                         <p:par>
-                          <p:cTn id="103" fill="hold">
+                          <p:cTn id="98" fill="hold">
                             <p:stCondLst>
                               <p:cond delay="8000"/>
                             </p:stCondLst>
                             <p:childTnLst>
                               <p:par>
-                                <p:cTn id="104" presetID="22" presetClass="entr" presetSubtype="8" fill="hold" nodeType="afterEffect">
+                                <p:cTn id="99" presetID="22" presetClass="entr" presetSubtype="8" fill="hold" nodeType="afterEffect">
                                   <p:stCondLst>
                                     <p:cond delay="0"/>
                                   </p:stCondLst>
                                   <p:childTnLst>
                                     <p:set>
                                       <p:cBhvr>
-                                        <p:cTn id="105" dur="1" fill="hold">
+                                        <p:cTn id="100" dur="1" fill="hold">
                                           <p:stCondLst>
                                             <p:cond delay="0"/>
                                           </p:stCondLst>
@@ -7088,7 +7209,7 @@
                                     </p:set>
                                     <p:animEffect transition="in" filter="wipe(left)">
                                       <p:cBhvr>
-                                        <p:cTn id="106" dur="500"/>
+                                        <p:cTn id="101" dur="500"/>
                                         <p:tgtEl>
                                           <p:spTgt spid="91"/>
                                         </p:tgtEl>
@@ -7101,20 +7222,20 @@
                           </p:cTn>
                         </p:par>
                         <p:par>
-                          <p:cTn id="107" fill="hold">
+                          <p:cTn id="102" fill="hold">
                             <p:stCondLst>
                               <p:cond delay="8500"/>
                             </p:stCondLst>
                             <p:childTnLst>
                               <p:par>
-                                <p:cTn id="108" presetID="53" presetClass="entr" presetSubtype="16" fill="hold" grpId="0" nodeType="afterEffect">
+                                <p:cTn id="103" presetID="53" presetClass="entr" presetSubtype="16" fill="hold" grpId="0" nodeType="afterEffect">
                                   <p:stCondLst>
                                     <p:cond delay="0"/>
                                   </p:stCondLst>
                                   <p:childTnLst>
                                     <p:set>
                                       <p:cBhvr>
-                                        <p:cTn id="109" dur="1" fill="hold">
+                                        <p:cTn id="104" dur="1" fill="hold">
                                           <p:stCondLst>
                                             <p:cond delay="0"/>
                                           </p:stCondLst>
@@ -7132,7 +7253,7 @@
                                     </p:set>
                                     <p:anim calcmode="lin" valueType="num">
                                       <p:cBhvr>
-                                        <p:cTn id="110" dur="500" fill="hold"/>
+                                        <p:cTn id="105" dur="500" fill="hold"/>
                                         <p:tgtEl>
                                           <p:spTgt spid="111"/>
                                         </p:tgtEl>
@@ -7155,7 +7276,7 @@
                                     </p:anim>
                                     <p:anim calcmode="lin" valueType="num">
                                       <p:cBhvr>
-                                        <p:cTn id="111" dur="500" fill="hold"/>
+                                        <p:cTn id="106" dur="500" fill="hold"/>
                                         <p:tgtEl>
                                           <p:spTgt spid="111"/>
                                         </p:tgtEl>
@@ -7178,7 +7299,7 @@
                                     </p:anim>
                                     <p:animEffect transition="in" filter="fade">
                                       <p:cBhvr>
-                                        <p:cTn id="112" dur="500"/>
+                                        <p:cTn id="107" dur="500"/>
                                         <p:tgtEl>
                                           <p:spTgt spid="111"/>
                                         </p:tgtEl>
@@ -7191,20 +7312,20 @@
                           </p:cTn>
                         </p:par>
                         <p:par>
-                          <p:cTn id="113" fill="hold">
+                          <p:cTn id="108" fill="hold">
                             <p:stCondLst>
                               <p:cond delay="9000"/>
                             </p:stCondLst>
                             <p:childTnLst>
                               <p:par>
-                                <p:cTn id="114" presetID="53" presetClass="entr" presetSubtype="16" fill="hold" grpId="0" nodeType="afterEffect">
+                                <p:cTn id="109" presetID="53" presetClass="entr" presetSubtype="16" fill="hold" grpId="0" nodeType="afterEffect">
                                   <p:stCondLst>
                                     <p:cond delay="0"/>
                                   </p:stCondLst>
                                   <p:childTnLst>
                                     <p:set>
                                       <p:cBhvr>
-                                        <p:cTn id="115" dur="1" fill="hold">
+                                        <p:cTn id="110" dur="1" fill="hold">
                                           <p:stCondLst>
                                             <p:cond delay="0"/>
                                           </p:stCondLst>
@@ -7222,7 +7343,7 @@
                                     </p:set>
                                     <p:anim calcmode="lin" valueType="num">
                                       <p:cBhvr>
-                                        <p:cTn id="116" dur="500" fill="hold"/>
+                                        <p:cTn id="111" dur="500" fill="hold"/>
                                         <p:tgtEl>
                                           <p:spTgt spid="112"/>
                                         </p:tgtEl>
@@ -7245,7 +7366,7 @@
                                     </p:anim>
                                     <p:anim calcmode="lin" valueType="num">
                                       <p:cBhvr>
-                                        <p:cTn id="117" dur="500" fill="hold"/>
+                                        <p:cTn id="112" dur="500" fill="hold"/>
                                         <p:tgtEl>
                                           <p:spTgt spid="112"/>
                                         </p:tgtEl>
@@ -7268,7 +7389,7 @@
                                     </p:anim>
                                     <p:animEffect transition="in" filter="fade">
                                       <p:cBhvr>
-                                        <p:cTn id="118" dur="500"/>
+                                        <p:cTn id="113" dur="500"/>
                                         <p:tgtEl>
                                           <p:spTgt spid="112"/>
                                         </p:tgtEl>
@@ -7281,20 +7402,20 @@
                           </p:cTn>
                         </p:par>
                         <p:par>
-                          <p:cTn id="119" fill="hold">
+                          <p:cTn id="114" fill="hold">
                             <p:stCondLst>
                               <p:cond delay="9500"/>
                             </p:stCondLst>
                             <p:childTnLst>
                               <p:par>
-                                <p:cTn id="120" presetID="53" presetClass="entr" presetSubtype="16" fill="hold" grpId="0" nodeType="afterEffect">
+                                <p:cTn id="115" presetID="53" presetClass="entr" presetSubtype="16" fill="hold" grpId="0" nodeType="afterEffect">
                                   <p:stCondLst>
                                     <p:cond delay="0"/>
                                   </p:stCondLst>
                                   <p:childTnLst>
                                     <p:set>
                                       <p:cBhvr>
-                                        <p:cTn id="121" dur="1" fill="hold">
+                                        <p:cTn id="116" dur="1" fill="hold">
                                           <p:stCondLst>
                                             <p:cond delay="0"/>
                                           </p:stCondLst>
@@ -7312,7 +7433,7 @@
                                     </p:set>
                                     <p:anim calcmode="lin" valueType="num">
                                       <p:cBhvr>
-                                        <p:cTn id="122" dur="500" fill="hold"/>
+                                        <p:cTn id="117" dur="500" fill="hold"/>
                                         <p:tgtEl>
                                           <p:spTgt spid="113"/>
                                         </p:tgtEl>
@@ -7335,7 +7456,7 @@
                                     </p:anim>
                                     <p:anim calcmode="lin" valueType="num">
                                       <p:cBhvr>
-                                        <p:cTn id="123" dur="500" fill="hold"/>
+                                        <p:cTn id="118" dur="500" fill="hold"/>
                                         <p:tgtEl>
                                           <p:spTgt spid="113"/>
                                         </p:tgtEl>
@@ -7358,7 +7479,7 @@
                                     </p:anim>
                                     <p:animEffect transition="in" filter="fade">
                                       <p:cBhvr>
-                                        <p:cTn id="124" dur="500"/>
+                                        <p:cTn id="119" dur="500"/>
                                         <p:tgtEl>
                                           <p:spTgt spid="113"/>
                                         </p:tgtEl>
@@ -7371,20 +7492,20 @@
                           </p:cTn>
                         </p:par>
                         <p:par>
-                          <p:cTn id="125" fill="hold">
+                          <p:cTn id="120" fill="hold">
                             <p:stCondLst>
                               <p:cond delay="10000"/>
                             </p:stCondLst>
                             <p:childTnLst>
                               <p:par>
-                                <p:cTn id="126" presetID="22" presetClass="entr" presetSubtype="1" fill="hold" nodeType="afterEffect">
+                                <p:cTn id="121" presetID="22" presetClass="entr" presetSubtype="1" fill="hold" nodeType="afterEffect">
                                   <p:stCondLst>
                                     <p:cond delay="0"/>
                                   </p:stCondLst>
                                   <p:childTnLst>
                                     <p:set>
                                       <p:cBhvr>
-                                        <p:cTn id="127" dur="1" fill="hold">
+                                        <p:cTn id="122" dur="1" fill="hold">
                                           <p:stCondLst>
                                             <p:cond delay="0"/>
                                           </p:stCondLst>
@@ -7402,7 +7523,7 @@
                                     </p:set>
                                     <p:animEffect transition="in" filter="wipe(up)">
                                       <p:cBhvr>
-                                        <p:cTn id="128" dur="500"/>
+                                        <p:cTn id="123" dur="500"/>
                                         <p:tgtEl>
                                           <p:spTgt spid="114"/>
                                         </p:tgtEl>
@@ -7415,20 +7536,20 @@
                           </p:cTn>
                         </p:par>
                         <p:par>
-                          <p:cTn id="129" fill="hold">
+                          <p:cTn id="124" fill="hold">
                             <p:stCondLst>
                               <p:cond delay="10500"/>
                             </p:stCondLst>
                             <p:childTnLst>
                               <p:par>
-                                <p:cTn id="130" presetID="53" presetClass="entr" presetSubtype="16" fill="hold" grpId="0" nodeType="afterEffect">
+                                <p:cTn id="125" presetID="53" presetClass="entr" presetSubtype="16" fill="hold" grpId="0" nodeType="afterEffect">
                                   <p:stCondLst>
                                     <p:cond delay="0"/>
                                   </p:stCondLst>
                                   <p:childTnLst>
                                     <p:set>
                                       <p:cBhvr>
-                                        <p:cTn id="131" dur="1" fill="hold">
+                                        <p:cTn id="126" dur="1" fill="hold">
                                           <p:stCondLst>
                                             <p:cond delay="0"/>
                                           </p:stCondLst>
@@ -7446,7 +7567,7 @@
                                     </p:set>
                                     <p:anim calcmode="lin" valueType="num">
                                       <p:cBhvr>
-                                        <p:cTn id="132" dur="500" fill="hold"/>
+                                        <p:cTn id="127" dur="500" fill="hold"/>
                                         <p:tgtEl>
                                           <p:spTgt spid="115"/>
                                         </p:tgtEl>
@@ -7469,7 +7590,7 @@
                                     </p:anim>
                                     <p:anim calcmode="lin" valueType="num">
                                       <p:cBhvr>
-                                        <p:cTn id="133" dur="500" fill="hold"/>
+                                        <p:cTn id="128" dur="500" fill="hold"/>
                                         <p:tgtEl>
                                           <p:spTgt spid="115"/>
                                         </p:tgtEl>
@@ -7492,7 +7613,7 @@
                                     </p:anim>
                                     <p:animEffect transition="in" filter="fade">
                                       <p:cBhvr>
-                                        <p:cTn id="134" dur="500"/>
+                                        <p:cTn id="129" dur="500"/>
                                         <p:tgtEl>
                                           <p:spTgt spid="115"/>
                                         </p:tgtEl>
@@ -7505,107 +7626,107 @@
                           </p:cTn>
                         </p:par>
                         <p:par>
-                          <p:cTn id="135" fill="hold">
+                          <p:cTn id="130" fill="hold">
                             <p:stCondLst>
                               <p:cond delay="11000"/>
                             </p:stCondLst>
                             <p:childTnLst>
                               <p:par>
-                                <p:cTn id="136" presetID="53" presetClass="entr" presetSubtype="16" fill="hold" grpId="0" nodeType="afterEffect">
+                                <p:cTn id="131" presetID="53" presetClass="entr" presetSubtype="16" fill="hold" grpId="0" nodeType="afterEffect">
                                   <p:stCondLst>
                                     <p:cond delay="0"/>
                                   </p:stCondLst>
                                   <p:childTnLst>
                                     <p:set>
                                       <p:cBhvr>
+                                        <p:cTn id="132" dur="1" fill="hold">
+                                          <p:stCondLst>
+                                            <p:cond delay="0"/>
+                                          </p:stCondLst>
+                                        </p:cTn>
+                                        <p:tgtEl>
+                                          <p:spTgt spid="110"/>
+                                        </p:tgtEl>
+                                        <p:attrNameLst>
+                                          <p:attrName>style.visibility</p:attrName>
+                                        </p:attrNameLst>
+                                      </p:cBhvr>
+                                      <p:to>
+                                        <p:strVal val="visible"/>
+                                      </p:to>
+                                    </p:set>
+                                    <p:anim calcmode="lin" valueType="num">
+                                      <p:cBhvr>
+                                        <p:cTn id="133" dur="500" fill="hold"/>
+                                        <p:tgtEl>
+                                          <p:spTgt spid="110"/>
+                                        </p:tgtEl>
+                                        <p:attrNameLst>
+                                          <p:attrName>ppt_w</p:attrName>
+                                        </p:attrNameLst>
+                                      </p:cBhvr>
+                                      <p:tavLst>
+                                        <p:tav tm="0">
+                                          <p:val>
+                                            <p:fltVal val="0"/>
+                                          </p:val>
+                                        </p:tav>
+                                        <p:tav tm="100000">
+                                          <p:val>
+                                            <p:strVal val="#ppt_w"/>
+                                          </p:val>
+                                        </p:tav>
+                                      </p:tavLst>
+                                    </p:anim>
+                                    <p:anim calcmode="lin" valueType="num">
+                                      <p:cBhvr>
+                                        <p:cTn id="134" dur="500" fill="hold"/>
+                                        <p:tgtEl>
+                                          <p:spTgt spid="110"/>
+                                        </p:tgtEl>
+                                        <p:attrNameLst>
+                                          <p:attrName>ppt_h</p:attrName>
+                                        </p:attrNameLst>
+                                      </p:cBhvr>
+                                      <p:tavLst>
+                                        <p:tav tm="0">
+                                          <p:val>
+                                            <p:fltVal val="0"/>
+                                          </p:val>
+                                        </p:tav>
+                                        <p:tav tm="100000">
+                                          <p:val>
+                                            <p:strVal val="#ppt_h"/>
+                                          </p:val>
+                                        </p:tav>
+                                      </p:tavLst>
+                                    </p:anim>
+                                    <p:animEffect transition="in" filter="fade">
+                                      <p:cBhvr>
+                                        <p:cTn id="135" dur="500"/>
+                                        <p:tgtEl>
+                                          <p:spTgt spid="110"/>
+                                        </p:tgtEl>
+                                      </p:cBhvr>
+                                    </p:animEffect>
+                                  </p:childTnLst>
+                                </p:cTn>
+                              </p:par>
+                              <p:par>
+                                <p:cTn id="136" presetID="42" presetClass="entr" presetSubtype="0" fill="hold" grpId="0" nodeType="withEffect">
+                                  <p:stCondLst>
+                                    <p:cond delay="0"/>
+                                  </p:stCondLst>
+                                  <p:childTnLst>
+                                    <p:set>
+                                      <p:cBhvr>
                                         <p:cTn id="137" dur="1" fill="hold">
                                           <p:stCondLst>
                                             <p:cond delay="0"/>
                                           </p:stCondLst>
                                         </p:cTn>
                                         <p:tgtEl>
-                                          <p:spTgt spid="110"/>
-                                        </p:tgtEl>
-                                        <p:attrNameLst>
-                                          <p:attrName>style.visibility</p:attrName>
-                                        </p:attrNameLst>
-                                      </p:cBhvr>
-                                      <p:to>
-                                        <p:strVal val="visible"/>
-                                      </p:to>
-                                    </p:set>
-                                    <p:anim calcmode="lin" valueType="num">
-                                      <p:cBhvr>
-                                        <p:cTn id="138" dur="500" fill="hold"/>
-                                        <p:tgtEl>
-                                          <p:spTgt spid="110"/>
-                                        </p:tgtEl>
-                                        <p:attrNameLst>
-                                          <p:attrName>ppt_w</p:attrName>
-                                        </p:attrNameLst>
-                                      </p:cBhvr>
-                                      <p:tavLst>
-                                        <p:tav tm="0">
-                                          <p:val>
-                                            <p:fltVal val="0"/>
-                                          </p:val>
-                                        </p:tav>
-                                        <p:tav tm="100000">
-                                          <p:val>
-                                            <p:strVal val="#ppt_w"/>
-                                          </p:val>
-                                        </p:tav>
-                                      </p:tavLst>
-                                    </p:anim>
-                                    <p:anim calcmode="lin" valueType="num">
-                                      <p:cBhvr>
-                                        <p:cTn id="139" dur="500" fill="hold"/>
-                                        <p:tgtEl>
-                                          <p:spTgt spid="110"/>
-                                        </p:tgtEl>
-                                        <p:attrNameLst>
-                                          <p:attrName>ppt_h</p:attrName>
-                                        </p:attrNameLst>
-                                      </p:cBhvr>
-                                      <p:tavLst>
-                                        <p:tav tm="0">
-                                          <p:val>
-                                            <p:fltVal val="0"/>
-                                          </p:val>
-                                        </p:tav>
-                                        <p:tav tm="100000">
-                                          <p:val>
-                                            <p:strVal val="#ppt_h"/>
-                                          </p:val>
-                                        </p:tav>
-                                      </p:tavLst>
-                                    </p:anim>
-                                    <p:animEffect transition="in" filter="fade">
-                                      <p:cBhvr>
-                                        <p:cTn id="140" dur="500"/>
-                                        <p:tgtEl>
-                                          <p:spTgt spid="110"/>
-                                        </p:tgtEl>
-                                      </p:cBhvr>
-                                    </p:animEffect>
-                                  </p:childTnLst>
-                                </p:cTn>
-                              </p:par>
-                              <p:par>
-                                <p:cTn id="141" presetID="47" presetClass="entr" presetSubtype="0" fill="hold" grpId="0" nodeType="withEffect">
-                                  <p:stCondLst>
-                                    <p:cond delay="0"/>
-                                  </p:stCondLst>
-                                  <p:childTnLst>
-                                    <p:set>
-                                      <p:cBhvr>
-                                        <p:cTn id="142" dur="1" fill="hold">
-                                          <p:stCondLst>
-                                            <p:cond delay="0"/>
-                                          </p:stCondLst>
-                                        </p:cTn>
-                                        <p:tgtEl>
-                                          <p:spTgt spid="116"/>
+                                          <p:spTgt spid="6"/>
                                         </p:tgtEl>
                                         <p:attrNameLst>
                                           <p:attrName>style.visibility</p:attrName>
@@ -7617,17 +7738,17 @@
                                     </p:set>
                                     <p:animEffect transition="in" filter="fade">
                                       <p:cBhvr>
-                                        <p:cTn id="143" dur="500"/>
-                                        <p:tgtEl>
-                                          <p:spTgt spid="116"/>
+                                        <p:cTn id="138" dur="500"/>
+                                        <p:tgtEl>
+                                          <p:spTgt spid="6"/>
                                         </p:tgtEl>
                                       </p:cBhvr>
                                     </p:animEffect>
                                     <p:anim calcmode="lin" valueType="num">
                                       <p:cBhvr>
-                                        <p:cTn id="144" dur="500" fill="hold"/>
-                                        <p:tgtEl>
-                                          <p:spTgt spid="116"/>
+                                        <p:cTn id="139" dur="500" fill="hold"/>
+                                        <p:tgtEl>
+                                          <p:spTgt spid="6"/>
                                         </p:tgtEl>
                                         <p:attrNameLst>
                                           <p:attrName>ppt_x</p:attrName>
@@ -7648,9 +7769,9 @@
                                     </p:anim>
                                     <p:anim calcmode="lin" valueType="num">
                                       <p:cBhvr>
-                                        <p:cTn id="145" dur="500" fill="hold"/>
-                                        <p:tgtEl>
-                                          <p:spTgt spid="116"/>
+                                        <p:cTn id="140" dur="500" fill="hold"/>
+                                        <p:tgtEl>
+                                          <p:spTgt spid="6"/>
                                         </p:tgtEl>
                                         <p:attrNameLst>
                                           <p:attrName>ppt_y</p:attrName>
@@ -7659,7 +7780,7 @@
                                       <p:tavLst>
                                         <p:tav tm="0">
                                           <p:val>
-                                            <p:strVal val="#ppt_y-.1"/>
+                                            <p:strVal val="#ppt_y+.1"/>
                                           </p:val>
                                         </p:tav>
                                         <p:tav tm="100000">
@@ -7676,20 +7797,20 @@
                           </p:cTn>
                         </p:par>
                         <p:par>
-                          <p:cTn id="146" fill="hold">
+                          <p:cTn id="141" fill="hold">
                             <p:stCondLst>
                               <p:cond delay="11500"/>
                             </p:stCondLst>
                             <p:childTnLst>
                               <p:par>
-                                <p:cTn id="147" presetID="22" presetClass="entr" presetSubtype="8" fill="hold" nodeType="afterEffect">
+                                <p:cTn id="142" presetID="22" presetClass="entr" presetSubtype="8" fill="hold" nodeType="afterEffect">
                                   <p:stCondLst>
                                     <p:cond delay="0"/>
                                   </p:stCondLst>
                                   <p:childTnLst>
                                     <p:set>
                                       <p:cBhvr>
-                                        <p:cTn id="148" dur="1" fill="hold">
+                                        <p:cTn id="143" dur="1" fill="hold">
                                           <p:stCondLst>
                                             <p:cond delay="0"/>
                                           </p:stCondLst>
@@ -7707,7 +7828,7 @@
                                     </p:set>
                                     <p:animEffect transition="in" filter="wipe(left)">
                                       <p:cBhvr>
-                                        <p:cTn id="149" dur="500"/>
+                                        <p:cTn id="144" dur="500"/>
                                         <p:tgtEl>
                                           <p:spTgt spid="134"/>
                                         </p:tgtEl>
@@ -7720,20 +7841,20 @@
                           </p:cTn>
                         </p:par>
                         <p:par>
-                          <p:cTn id="150" fill="hold">
+                          <p:cTn id="145" fill="hold">
                             <p:stCondLst>
                               <p:cond delay="12000"/>
                             </p:stCondLst>
                             <p:childTnLst>
                               <p:par>
-                                <p:cTn id="151" presetID="22" presetClass="entr" presetSubtype="8" fill="hold" nodeType="afterEffect">
+                                <p:cTn id="146" presetID="22" presetClass="entr" presetSubtype="8" fill="hold" nodeType="afterEffect">
                                   <p:stCondLst>
                                     <p:cond delay="0"/>
                                   </p:stCondLst>
                                   <p:childTnLst>
                                     <p:set>
                                       <p:cBhvr>
-                                        <p:cTn id="152" dur="1" fill="hold">
+                                        <p:cTn id="147" dur="1" fill="hold">
                                           <p:stCondLst>
                                             <p:cond delay="0"/>
                                           </p:stCondLst>
@@ -7751,7 +7872,7 @@
                                     </p:set>
                                     <p:animEffect transition="in" filter="wipe(left)">
                                       <p:cBhvr>
-                                        <p:cTn id="153" dur="500"/>
+                                        <p:cTn id="148" dur="500"/>
                                         <p:tgtEl>
                                           <p:spTgt spid="89"/>
                                         </p:tgtEl>
@@ -7764,20 +7885,20 @@
                           </p:cTn>
                         </p:par>
                         <p:par>
-                          <p:cTn id="154" fill="hold">
+                          <p:cTn id="149" fill="hold">
                             <p:stCondLst>
                               <p:cond delay="12500"/>
                             </p:stCondLst>
                             <p:childTnLst>
                               <p:par>
-                                <p:cTn id="155" presetID="53" presetClass="entr" presetSubtype="16" fill="hold" grpId="0" nodeType="afterEffect">
+                                <p:cTn id="150" presetID="53" presetClass="entr" presetSubtype="16" fill="hold" grpId="0" nodeType="afterEffect">
                                   <p:stCondLst>
                                     <p:cond delay="0"/>
                                   </p:stCondLst>
                                   <p:childTnLst>
                                     <p:set>
                                       <p:cBhvr>
-                                        <p:cTn id="156" dur="1" fill="hold">
+                                        <p:cTn id="151" dur="1" fill="hold">
                                           <p:stCondLst>
                                             <p:cond delay="0"/>
                                           </p:stCondLst>
@@ -7795,7 +7916,7 @@
                                     </p:set>
                                     <p:anim calcmode="lin" valueType="num">
                                       <p:cBhvr>
-                                        <p:cTn id="157" dur="500" fill="hold"/>
+                                        <p:cTn id="152" dur="500" fill="hold"/>
                                         <p:tgtEl>
                                           <p:spTgt spid="119"/>
                                         </p:tgtEl>
@@ -7818,7 +7939,7 @@
                                     </p:anim>
                                     <p:anim calcmode="lin" valueType="num">
                                       <p:cBhvr>
-                                        <p:cTn id="158" dur="500" fill="hold"/>
+                                        <p:cTn id="153" dur="500" fill="hold"/>
                                         <p:tgtEl>
                                           <p:spTgt spid="119"/>
                                         </p:tgtEl>
@@ -7841,7 +7962,7 @@
                                     </p:anim>
                                     <p:animEffect transition="in" filter="fade">
                                       <p:cBhvr>
-                                        <p:cTn id="159" dur="500"/>
+                                        <p:cTn id="154" dur="500"/>
                                         <p:tgtEl>
                                           <p:spTgt spid="119"/>
                                         </p:tgtEl>
@@ -7854,20 +7975,20 @@
                           </p:cTn>
                         </p:par>
                         <p:par>
-                          <p:cTn id="160" fill="hold">
+                          <p:cTn id="155" fill="hold">
                             <p:stCondLst>
                               <p:cond delay="13000"/>
                             </p:stCondLst>
                             <p:childTnLst>
                               <p:par>
-                                <p:cTn id="161" presetID="53" presetClass="entr" presetSubtype="16" fill="hold" grpId="0" nodeType="afterEffect">
+                                <p:cTn id="156" presetID="53" presetClass="entr" presetSubtype="16" fill="hold" grpId="0" nodeType="afterEffect">
                                   <p:stCondLst>
                                     <p:cond delay="0"/>
                                   </p:stCondLst>
                                   <p:childTnLst>
                                     <p:set>
                                       <p:cBhvr>
-                                        <p:cTn id="162" dur="1" fill="hold">
+                                        <p:cTn id="157" dur="1" fill="hold">
                                           <p:stCondLst>
                                             <p:cond delay="0"/>
                                           </p:stCondLst>
@@ -7885,7 +8006,7 @@
                                     </p:set>
                                     <p:anim calcmode="lin" valueType="num">
                                       <p:cBhvr>
-                                        <p:cTn id="163" dur="500" fill="hold"/>
+                                        <p:cTn id="158" dur="500" fill="hold"/>
                                         <p:tgtEl>
                                           <p:spTgt spid="120"/>
                                         </p:tgtEl>
@@ -7908,7 +8029,7 @@
                                     </p:anim>
                                     <p:anim calcmode="lin" valueType="num">
                                       <p:cBhvr>
-                                        <p:cTn id="164" dur="500" fill="hold"/>
+                                        <p:cTn id="159" dur="500" fill="hold"/>
                                         <p:tgtEl>
                                           <p:spTgt spid="120"/>
                                         </p:tgtEl>
@@ -7931,7 +8052,7 @@
                                     </p:anim>
                                     <p:animEffect transition="in" filter="fade">
                                       <p:cBhvr>
-                                        <p:cTn id="165" dur="500"/>
+                                        <p:cTn id="160" dur="500"/>
                                         <p:tgtEl>
                                           <p:spTgt spid="120"/>
                                         </p:tgtEl>
@@ -7944,20 +8065,20 @@
                           </p:cTn>
                         </p:par>
                         <p:par>
-                          <p:cTn id="166" fill="hold">
+                          <p:cTn id="161" fill="hold">
                             <p:stCondLst>
                               <p:cond delay="13500"/>
                             </p:stCondLst>
                             <p:childTnLst>
                               <p:par>
-                                <p:cTn id="167" presetID="53" presetClass="entr" presetSubtype="16" fill="hold" grpId="0" nodeType="afterEffect">
+                                <p:cTn id="162" presetID="53" presetClass="entr" presetSubtype="16" fill="hold" grpId="0" nodeType="afterEffect">
                                   <p:stCondLst>
                                     <p:cond delay="0"/>
                                   </p:stCondLst>
                                   <p:childTnLst>
                                     <p:set>
                                       <p:cBhvr>
-                                        <p:cTn id="168" dur="1" fill="hold">
+                                        <p:cTn id="163" dur="1" fill="hold">
                                           <p:stCondLst>
                                             <p:cond delay="0"/>
                                           </p:stCondLst>
@@ -7975,7 +8096,7 @@
                                     </p:set>
                                     <p:anim calcmode="lin" valueType="num">
                                       <p:cBhvr>
-                                        <p:cTn id="169" dur="500" fill="hold"/>
+                                        <p:cTn id="164" dur="500" fill="hold"/>
                                         <p:tgtEl>
                                           <p:spTgt spid="121"/>
                                         </p:tgtEl>
@@ -7998,7 +8119,7 @@
                                     </p:anim>
                                     <p:anim calcmode="lin" valueType="num">
                                       <p:cBhvr>
-                                        <p:cTn id="170" dur="500" fill="hold"/>
+                                        <p:cTn id="165" dur="500" fill="hold"/>
                                         <p:tgtEl>
                                           <p:spTgt spid="121"/>
                                         </p:tgtEl>
@@ -8021,7 +8142,7 @@
                                     </p:anim>
                                     <p:animEffect transition="in" filter="fade">
                                       <p:cBhvr>
-                                        <p:cTn id="171" dur="500"/>
+                                        <p:cTn id="166" dur="500"/>
                                         <p:tgtEl>
                                           <p:spTgt spid="121"/>
                                         </p:tgtEl>
@@ -8034,20 +8155,20 @@
                           </p:cTn>
                         </p:par>
                         <p:par>
-                          <p:cTn id="172" fill="hold">
+                          <p:cTn id="167" fill="hold">
                             <p:stCondLst>
                               <p:cond delay="14000"/>
                             </p:stCondLst>
                             <p:childTnLst>
                               <p:par>
-                                <p:cTn id="173" presetID="22" presetClass="entr" presetSubtype="4" fill="hold" nodeType="afterEffect">
+                                <p:cTn id="168" presetID="22" presetClass="entr" presetSubtype="4" fill="hold" nodeType="afterEffect">
                                   <p:stCondLst>
                                     <p:cond delay="0"/>
                                   </p:stCondLst>
                                   <p:childTnLst>
                                     <p:set>
                                       <p:cBhvr>
-                                        <p:cTn id="174" dur="1" fill="hold">
+                                        <p:cTn id="169" dur="1" fill="hold">
                                           <p:stCondLst>
                                             <p:cond delay="0"/>
                                           </p:stCondLst>
@@ -8065,7 +8186,7 @@
                                     </p:set>
                                     <p:animEffect transition="in" filter="wipe(down)">
                                       <p:cBhvr>
-                                        <p:cTn id="175" dur="500"/>
+                                        <p:cTn id="170" dur="500"/>
                                         <p:tgtEl>
                                           <p:spTgt spid="122"/>
                                         </p:tgtEl>
@@ -8078,20 +8199,20 @@
                           </p:cTn>
                         </p:par>
                         <p:par>
-                          <p:cTn id="176" fill="hold">
+                          <p:cTn id="171" fill="hold">
                             <p:stCondLst>
                               <p:cond delay="14500"/>
                             </p:stCondLst>
                             <p:childTnLst>
                               <p:par>
-                                <p:cTn id="177" presetID="53" presetClass="entr" presetSubtype="16" fill="hold" grpId="0" nodeType="afterEffect">
+                                <p:cTn id="172" presetID="53" presetClass="entr" presetSubtype="16" fill="hold" grpId="0" nodeType="afterEffect">
                                   <p:stCondLst>
                                     <p:cond delay="0"/>
                                   </p:stCondLst>
                                   <p:childTnLst>
                                     <p:set>
                                       <p:cBhvr>
-                                        <p:cTn id="178" dur="1" fill="hold">
+                                        <p:cTn id="173" dur="1" fill="hold">
                                           <p:stCondLst>
                                             <p:cond delay="0"/>
                                           </p:stCondLst>
@@ -8109,7 +8230,7 @@
                                     </p:set>
                                     <p:anim calcmode="lin" valueType="num">
                                       <p:cBhvr>
-                                        <p:cTn id="179" dur="500" fill="hold"/>
+                                        <p:cTn id="174" dur="500" fill="hold"/>
                                         <p:tgtEl>
                                           <p:spTgt spid="123"/>
                                         </p:tgtEl>
@@ -8132,7 +8253,7 @@
                                     </p:anim>
                                     <p:anim calcmode="lin" valueType="num">
                                       <p:cBhvr>
-                                        <p:cTn id="180" dur="500" fill="hold"/>
+                                        <p:cTn id="175" dur="500" fill="hold"/>
                                         <p:tgtEl>
                                           <p:spTgt spid="123"/>
                                         </p:tgtEl>
@@ -8155,7 +8276,7 @@
                                     </p:anim>
                                     <p:animEffect transition="in" filter="fade">
                                       <p:cBhvr>
-                                        <p:cTn id="181" dur="500"/>
+                                        <p:cTn id="176" dur="500"/>
                                         <p:tgtEl>
                                           <p:spTgt spid="123"/>
                                         </p:tgtEl>
@@ -8168,107 +8289,107 @@
                           </p:cTn>
                         </p:par>
                         <p:par>
-                          <p:cTn id="182" fill="hold">
+                          <p:cTn id="177" fill="hold">
                             <p:stCondLst>
                               <p:cond delay="15000"/>
                             </p:stCondLst>
                             <p:childTnLst>
                               <p:par>
-                                <p:cTn id="183" presetID="53" presetClass="entr" presetSubtype="16" fill="hold" grpId="0" nodeType="afterEffect">
+                                <p:cTn id="178" presetID="53" presetClass="entr" presetSubtype="16" fill="hold" grpId="0" nodeType="afterEffect">
                                   <p:stCondLst>
                                     <p:cond delay="0"/>
                                   </p:stCondLst>
                                   <p:childTnLst>
                                     <p:set>
                                       <p:cBhvr>
+                                        <p:cTn id="179" dur="1" fill="hold">
+                                          <p:stCondLst>
+                                            <p:cond delay="0"/>
+                                          </p:stCondLst>
+                                        </p:cTn>
+                                        <p:tgtEl>
+                                          <p:spTgt spid="118"/>
+                                        </p:tgtEl>
+                                        <p:attrNameLst>
+                                          <p:attrName>style.visibility</p:attrName>
+                                        </p:attrNameLst>
+                                      </p:cBhvr>
+                                      <p:to>
+                                        <p:strVal val="visible"/>
+                                      </p:to>
+                                    </p:set>
+                                    <p:anim calcmode="lin" valueType="num">
+                                      <p:cBhvr>
+                                        <p:cTn id="180" dur="500" fill="hold"/>
+                                        <p:tgtEl>
+                                          <p:spTgt spid="118"/>
+                                        </p:tgtEl>
+                                        <p:attrNameLst>
+                                          <p:attrName>ppt_w</p:attrName>
+                                        </p:attrNameLst>
+                                      </p:cBhvr>
+                                      <p:tavLst>
+                                        <p:tav tm="0">
+                                          <p:val>
+                                            <p:fltVal val="0"/>
+                                          </p:val>
+                                        </p:tav>
+                                        <p:tav tm="100000">
+                                          <p:val>
+                                            <p:strVal val="#ppt_w"/>
+                                          </p:val>
+                                        </p:tav>
+                                      </p:tavLst>
+                                    </p:anim>
+                                    <p:anim calcmode="lin" valueType="num">
+                                      <p:cBhvr>
+                                        <p:cTn id="181" dur="500" fill="hold"/>
+                                        <p:tgtEl>
+                                          <p:spTgt spid="118"/>
+                                        </p:tgtEl>
+                                        <p:attrNameLst>
+                                          <p:attrName>ppt_h</p:attrName>
+                                        </p:attrNameLst>
+                                      </p:cBhvr>
+                                      <p:tavLst>
+                                        <p:tav tm="0">
+                                          <p:val>
+                                            <p:fltVal val="0"/>
+                                          </p:val>
+                                        </p:tav>
+                                        <p:tav tm="100000">
+                                          <p:val>
+                                            <p:strVal val="#ppt_h"/>
+                                          </p:val>
+                                        </p:tav>
+                                      </p:tavLst>
+                                    </p:anim>
+                                    <p:animEffect transition="in" filter="fade">
+                                      <p:cBhvr>
+                                        <p:cTn id="182" dur="500"/>
+                                        <p:tgtEl>
+                                          <p:spTgt spid="118"/>
+                                        </p:tgtEl>
+                                      </p:cBhvr>
+                                    </p:animEffect>
+                                  </p:childTnLst>
+                                </p:cTn>
+                              </p:par>
+                              <p:par>
+                                <p:cTn id="183" presetID="42" presetClass="entr" presetSubtype="0" fill="hold" grpId="0" nodeType="withEffect">
+                                  <p:stCondLst>
+                                    <p:cond delay="0"/>
+                                  </p:stCondLst>
+                                  <p:childTnLst>
+                                    <p:set>
+                                      <p:cBhvr>
                                         <p:cTn id="184" dur="1" fill="hold">
                                           <p:stCondLst>
                                             <p:cond delay="0"/>
                                           </p:stCondLst>
                                         </p:cTn>
                                         <p:tgtEl>
-                                          <p:spTgt spid="118"/>
-                                        </p:tgtEl>
-                                        <p:attrNameLst>
-                                          <p:attrName>style.visibility</p:attrName>
-                                        </p:attrNameLst>
-                                      </p:cBhvr>
-                                      <p:to>
-                                        <p:strVal val="visible"/>
-                                      </p:to>
-                                    </p:set>
-                                    <p:anim calcmode="lin" valueType="num">
-                                      <p:cBhvr>
-                                        <p:cTn id="185" dur="500" fill="hold"/>
-                                        <p:tgtEl>
-                                          <p:spTgt spid="118"/>
-                                        </p:tgtEl>
-                                        <p:attrNameLst>
-                                          <p:attrName>ppt_w</p:attrName>
-                                        </p:attrNameLst>
-                                      </p:cBhvr>
-                                      <p:tavLst>
-                                        <p:tav tm="0">
-                                          <p:val>
-                                            <p:fltVal val="0"/>
-                                          </p:val>
-                                        </p:tav>
-                                        <p:tav tm="100000">
-                                          <p:val>
-                                            <p:strVal val="#ppt_w"/>
-                                          </p:val>
-                                        </p:tav>
-                                      </p:tavLst>
-                                    </p:anim>
-                                    <p:anim calcmode="lin" valueType="num">
-                                      <p:cBhvr>
-                                        <p:cTn id="186" dur="500" fill="hold"/>
-                                        <p:tgtEl>
-                                          <p:spTgt spid="118"/>
-                                        </p:tgtEl>
-                                        <p:attrNameLst>
-                                          <p:attrName>ppt_h</p:attrName>
-                                        </p:attrNameLst>
-                                      </p:cBhvr>
-                                      <p:tavLst>
-                                        <p:tav tm="0">
-                                          <p:val>
-                                            <p:fltVal val="0"/>
-                                          </p:val>
-                                        </p:tav>
-                                        <p:tav tm="100000">
-                                          <p:val>
-                                            <p:strVal val="#ppt_h"/>
-                                          </p:val>
-                                        </p:tav>
-                                      </p:tavLst>
-                                    </p:anim>
-                                    <p:animEffect transition="in" filter="fade">
-                                      <p:cBhvr>
-                                        <p:cTn id="187" dur="500"/>
-                                        <p:tgtEl>
-                                          <p:spTgt spid="118"/>
-                                        </p:tgtEl>
-                                      </p:cBhvr>
-                                    </p:animEffect>
-                                  </p:childTnLst>
-                                </p:cTn>
-                              </p:par>
-                              <p:par>
-                                <p:cTn id="188" presetID="42" presetClass="entr" presetSubtype="0" fill="hold" grpId="0" nodeType="withEffect">
-                                  <p:stCondLst>
-                                    <p:cond delay="0"/>
-                                  </p:stCondLst>
-                                  <p:childTnLst>
-                                    <p:set>
-                                      <p:cBhvr>
-                                        <p:cTn id="189" dur="1" fill="hold">
-                                          <p:stCondLst>
-                                            <p:cond delay="0"/>
-                                          </p:stCondLst>
-                                        </p:cTn>
-                                        <p:tgtEl>
-                                          <p:spTgt spid="124"/>
+                                          <p:spTgt spid="7"/>
                                         </p:tgtEl>
                                         <p:attrNameLst>
                                           <p:attrName>style.visibility</p:attrName>
@@ -8280,17 +8401,17 @@
                                     </p:set>
                                     <p:animEffect transition="in" filter="fade">
                                       <p:cBhvr>
-                                        <p:cTn id="190" dur="500"/>
-                                        <p:tgtEl>
-                                          <p:spTgt spid="124"/>
+                                        <p:cTn id="185" dur="500"/>
+                                        <p:tgtEl>
+                                          <p:spTgt spid="7"/>
                                         </p:tgtEl>
                                       </p:cBhvr>
                                     </p:animEffect>
                                     <p:anim calcmode="lin" valueType="num">
                                       <p:cBhvr>
-                                        <p:cTn id="191" dur="500" fill="hold"/>
-                                        <p:tgtEl>
-                                          <p:spTgt spid="124"/>
+                                        <p:cTn id="186" dur="500" fill="hold"/>
+                                        <p:tgtEl>
+                                          <p:spTgt spid="7"/>
                                         </p:tgtEl>
                                         <p:attrNameLst>
                                           <p:attrName>ppt_x</p:attrName>
@@ -8311,9 +8432,9 @@
                                     </p:anim>
                                     <p:anim calcmode="lin" valueType="num">
                                       <p:cBhvr>
-                                        <p:cTn id="192" dur="500" fill="hold"/>
-                                        <p:tgtEl>
-                                          <p:spTgt spid="124"/>
+                                        <p:cTn id="187" dur="500" fill="hold"/>
+                                        <p:tgtEl>
+                                          <p:spTgt spid="7"/>
                                         </p:tgtEl>
                                         <p:attrNameLst>
                                           <p:attrName>ppt_y</p:attrName>
@@ -8339,20 +8460,20 @@
                           </p:cTn>
                         </p:par>
                         <p:par>
-                          <p:cTn id="193" fill="hold">
+                          <p:cTn id="188" fill="hold">
                             <p:stCondLst>
                               <p:cond delay="15500"/>
                             </p:stCondLst>
                             <p:childTnLst>
                               <p:par>
-                                <p:cTn id="194" presetID="22" presetClass="entr" presetSubtype="8" fill="hold" nodeType="afterEffect">
+                                <p:cTn id="189" presetID="22" presetClass="entr" presetSubtype="8" fill="hold" nodeType="afterEffect">
                                   <p:stCondLst>
                                     <p:cond delay="0"/>
                                   </p:stCondLst>
                                   <p:childTnLst>
                                     <p:set>
                                       <p:cBhvr>
-                                        <p:cTn id="195" dur="1" fill="hold">
+                                        <p:cTn id="190" dur="1" fill="hold">
                                           <p:stCondLst>
                                             <p:cond delay="0"/>
                                           </p:stCondLst>
@@ -8370,7 +8491,7 @@
                                     </p:set>
                                     <p:animEffect transition="in" filter="wipe(left)">
                                       <p:cBhvr>
-                                        <p:cTn id="196" dur="500"/>
+                                        <p:cTn id="191" dur="500"/>
                                         <p:tgtEl>
                                           <p:spTgt spid="137"/>
                                         </p:tgtEl>
@@ -8383,20 +8504,20 @@
                           </p:cTn>
                         </p:par>
                         <p:par>
-                          <p:cTn id="197" fill="hold">
+                          <p:cTn id="192" fill="hold">
                             <p:stCondLst>
                               <p:cond delay="16000"/>
                             </p:stCondLst>
                             <p:childTnLst>
                               <p:par>
-                                <p:cTn id="198" presetID="22" presetClass="entr" presetSubtype="8" fill="hold" nodeType="afterEffect">
+                                <p:cTn id="193" presetID="22" presetClass="entr" presetSubtype="8" fill="hold" nodeType="afterEffect">
                                   <p:stCondLst>
                                     <p:cond delay="0"/>
                                   </p:stCondLst>
                                   <p:childTnLst>
                                     <p:set>
                                       <p:cBhvr>
-                                        <p:cTn id="199" dur="1" fill="hold">
+                                        <p:cTn id="194" dur="1" fill="hold">
                                           <p:stCondLst>
                                             <p:cond delay="0"/>
                                           </p:stCondLst>
@@ -8414,7 +8535,7 @@
                                     </p:set>
                                     <p:animEffect transition="in" filter="wipe(left)">
                                       <p:cBhvr>
-                                        <p:cTn id="200" dur="500"/>
+                                        <p:cTn id="195" dur="500"/>
                                         <p:tgtEl>
                                           <p:spTgt spid="90"/>
                                         </p:tgtEl>
@@ -8427,20 +8548,20 @@
                           </p:cTn>
                         </p:par>
                         <p:par>
-                          <p:cTn id="201" fill="hold">
+                          <p:cTn id="196" fill="hold">
                             <p:stCondLst>
                               <p:cond delay="16500"/>
                             </p:stCondLst>
                             <p:childTnLst>
                               <p:par>
-                                <p:cTn id="202" presetID="53" presetClass="entr" presetSubtype="16" fill="hold" grpId="0" nodeType="afterEffect">
+                                <p:cTn id="197" presetID="53" presetClass="entr" presetSubtype="16" fill="hold" grpId="0" nodeType="afterEffect">
                                   <p:stCondLst>
                                     <p:cond delay="0"/>
                                   </p:stCondLst>
                                   <p:childTnLst>
                                     <p:set>
                                       <p:cBhvr>
-                                        <p:cTn id="203" dur="1" fill="hold">
+                                        <p:cTn id="198" dur="1" fill="hold">
                                           <p:stCondLst>
                                             <p:cond delay="0"/>
                                           </p:stCondLst>
@@ -8458,7 +8579,7 @@
                                     </p:set>
                                     <p:anim calcmode="lin" valueType="num">
                                       <p:cBhvr>
-                                        <p:cTn id="204" dur="500" fill="hold"/>
+                                        <p:cTn id="199" dur="500" fill="hold"/>
                                         <p:tgtEl>
                                           <p:spTgt spid="127"/>
                                         </p:tgtEl>
@@ -8481,7 +8602,7 @@
                                     </p:anim>
                                     <p:anim calcmode="lin" valueType="num">
                                       <p:cBhvr>
-                                        <p:cTn id="205" dur="500" fill="hold"/>
+                                        <p:cTn id="200" dur="500" fill="hold"/>
                                         <p:tgtEl>
                                           <p:spTgt spid="127"/>
                                         </p:tgtEl>
@@ -8504,7 +8625,7 @@
                                     </p:anim>
                                     <p:animEffect transition="in" filter="fade">
                                       <p:cBhvr>
-                                        <p:cTn id="206" dur="500"/>
+                                        <p:cTn id="201" dur="500"/>
                                         <p:tgtEl>
                                           <p:spTgt spid="127"/>
                                         </p:tgtEl>
@@ -8517,20 +8638,20 @@
                           </p:cTn>
                         </p:par>
                         <p:par>
-                          <p:cTn id="207" fill="hold">
+                          <p:cTn id="202" fill="hold">
                             <p:stCondLst>
                               <p:cond delay="17000"/>
                             </p:stCondLst>
                             <p:childTnLst>
                               <p:par>
-                                <p:cTn id="208" presetID="53" presetClass="entr" presetSubtype="16" fill="hold" grpId="0" nodeType="afterEffect">
+                                <p:cTn id="203" presetID="53" presetClass="entr" presetSubtype="16" fill="hold" grpId="0" nodeType="afterEffect">
                                   <p:stCondLst>
                                     <p:cond delay="0"/>
                                   </p:stCondLst>
                                   <p:childTnLst>
                                     <p:set>
                                       <p:cBhvr>
-                                        <p:cTn id="209" dur="1" fill="hold">
+                                        <p:cTn id="204" dur="1" fill="hold">
                                           <p:stCondLst>
                                             <p:cond delay="0"/>
                                           </p:stCondLst>
@@ -8548,7 +8669,7 @@
                                     </p:set>
                                     <p:anim calcmode="lin" valueType="num">
                                       <p:cBhvr>
-                                        <p:cTn id="210" dur="500" fill="hold"/>
+                                        <p:cTn id="205" dur="500" fill="hold"/>
                                         <p:tgtEl>
                                           <p:spTgt spid="128"/>
                                         </p:tgtEl>
@@ -8571,7 +8692,7 @@
                                     </p:anim>
                                     <p:anim calcmode="lin" valueType="num">
                                       <p:cBhvr>
-                                        <p:cTn id="211" dur="500" fill="hold"/>
+                                        <p:cTn id="206" dur="500" fill="hold"/>
                                         <p:tgtEl>
                                           <p:spTgt spid="128"/>
                                         </p:tgtEl>
@@ -8594,7 +8715,7 @@
                                     </p:anim>
                                     <p:animEffect transition="in" filter="fade">
                                       <p:cBhvr>
-                                        <p:cTn id="212" dur="500"/>
+                                        <p:cTn id="207" dur="500"/>
                                         <p:tgtEl>
                                           <p:spTgt spid="128"/>
                                         </p:tgtEl>
@@ -8607,20 +8728,20 @@
                           </p:cTn>
                         </p:par>
                         <p:par>
-                          <p:cTn id="213" fill="hold">
+                          <p:cTn id="208" fill="hold">
                             <p:stCondLst>
                               <p:cond delay="17500"/>
                             </p:stCondLst>
                             <p:childTnLst>
                               <p:par>
-                                <p:cTn id="214" presetID="53" presetClass="entr" presetSubtype="16" fill="hold" grpId="0" nodeType="afterEffect">
+                                <p:cTn id="209" presetID="53" presetClass="entr" presetSubtype="16" fill="hold" grpId="0" nodeType="afterEffect">
                                   <p:stCondLst>
                                     <p:cond delay="0"/>
                                   </p:stCondLst>
                                   <p:childTnLst>
                                     <p:set>
                                       <p:cBhvr>
-                                        <p:cTn id="215" dur="1" fill="hold">
+                                        <p:cTn id="210" dur="1" fill="hold">
                                           <p:stCondLst>
                                             <p:cond delay="0"/>
                                           </p:stCondLst>
@@ -8638,7 +8759,7 @@
                                     </p:set>
                                     <p:anim calcmode="lin" valueType="num">
                                       <p:cBhvr>
-                                        <p:cTn id="216" dur="500" fill="hold"/>
+                                        <p:cTn id="211" dur="500" fill="hold"/>
                                         <p:tgtEl>
                                           <p:spTgt spid="129"/>
                                         </p:tgtEl>
@@ -8661,7 +8782,7 @@
                                     </p:anim>
                                     <p:anim calcmode="lin" valueType="num">
                                       <p:cBhvr>
-                                        <p:cTn id="217" dur="500" fill="hold"/>
+                                        <p:cTn id="212" dur="500" fill="hold"/>
                                         <p:tgtEl>
                                           <p:spTgt spid="129"/>
                                         </p:tgtEl>
@@ -8684,7 +8805,7 @@
                                     </p:anim>
                                     <p:animEffect transition="in" filter="fade">
                                       <p:cBhvr>
-                                        <p:cTn id="218" dur="500"/>
+                                        <p:cTn id="213" dur="500"/>
                                         <p:tgtEl>
                                           <p:spTgt spid="129"/>
                                         </p:tgtEl>
@@ -8697,20 +8818,20 @@
                           </p:cTn>
                         </p:par>
                         <p:par>
-                          <p:cTn id="219" fill="hold">
+                          <p:cTn id="214" fill="hold">
                             <p:stCondLst>
                               <p:cond delay="18000"/>
                             </p:stCondLst>
                             <p:childTnLst>
                               <p:par>
-                                <p:cTn id="220" presetID="22" presetClass="entr" presetSubtype="1" fill="hold" nodeType="afterEffect">
+                                <p:cTn id="215" presetID="22" presetClass="entr" presetSubtype="1" fill="hold" nodeType="afterEffect">
                                   <p:stCondLst>
                                     <p:cond delay="0"/>
                                   </p:stCondLst>
                                   <p:childTnLst>
                                     <p:set>
                                       <p:cBhvr>
-                                        <p:cTn id="221" dur="1" fill="hold">
+                                        <p:cTn id="216" dur="1" fill="hold">
                                           <p:stCondLst>
                                             <p:cond delay="0"/>
                                           </p:stCondLst>
@@ -8728,7 +8849,7 @@
                                     </p:set>
                                     <p:animEffect transition="in" filter="wipe(up)">
                                       <p:cBhvr>
-                                        <p:cTn id="222" dur="500"/>
+                                        <p:cTn id="217" dur="500"/>
                                         <p:tgtEl>
                                           <p:spTgt spid="130"/>
                                         </p:tgtEl>
@@ -8741,20 +8862,20 @@
                           </p:cTn>
                         </p:par>
                         <p:par>
-                          <p:cTn id="223" fill="hold">
+                          <p:cTn id="218" fill="hold">
                             <p:stCondLst>
                               <p:cond delay="18500"/>
                             </p:stCondLst>
                             <p:childTnLst>
                               <p:par>
-                                <p:cTn id="224" presetID="53" presetClass="entr" presetSubtype="16" fill="hold" grpId="0" nodeType="afterEffect">
+                                <p:cTn id="219" presetID="53" presetClass="entr" presetSubtype="16" fill="hold" grpId="0" nodeType="afterEffect">
                                   <p:stCondLst>
                                     <p:cond delay="0"/>
                                   </p:stCondLst>
                                   <p:childTnLst>
                                     <p:set>
                                       <p:cBhvr>
-                                        <p:cTn id="225" dur="1" fill="hold">
+                                        <p:cTn id="220" dur="1" fill="hold">
                                           <p:stCondLst>
                                             <p:cond delay="0"/>
                                           </p:stCondLst>
@@ -8772,7 +8893,7 @@
                                     </p:set>
                                     <p:anim calcmode="lin" valueType="num">
                                       <p:cBhvr>
-                                        <p:cTn id="226" dur="500" fill="hold"/>
+                                        <p:cTn id="221" dur="500" fill="hold"/>
                                         <p:tgtEl>
                                           <p:spTgt spid="131"/>
                                         </p:tgtEl>
@@ -8795,7 +8916,7 @@
                                     </p:anim>
                                     <p:anim calcmode="lin" valueType="num">
                                       <p:cBhvr>
-                                        <p:cTn id="227" dur="500" fill="hold"/>
+                                        <p:cTn id="222" dur="500" fill="hold"/>
                                         <p:tgtEl>
                                           <p:spTgt spid="131"/>
                                         </p:tgtEl>
@@ -8818,7 +8939,7 @@
                                     </p:anim>
                                     <p:animEffect transition="in" filter="fade">
                                       <p:cBhvr>
-                                        <p:cTn id="228" dur="500"/>
+                                        <p:cTn id="223" dur="500"/>
                                         <p:tgtEl>
                                           <p:spTgt spid="131"/>
                                         </p:tgtEl>
@@ -8831,107 +8952,107 @@
                           </p:cTn>
                         </p:par>
                         <p:par>
-                          <p:cTn id="229" fill="hold">
+                          <p:cTn id="224" fill="hold">
                             <p:stCondLst>
                               <p:cond delay="19000"/>
                             </p:stCondLst>
                             <p:childTnLst>
                               <p:par>
-                                <p:cTn id="230" presetID="53" presetClass="entr" presetSubtype="16" fill="hold" grpId="0" nodeType="afterEffect">
+                                <p:cTn id="225" presetID="53" presetClass="entr" presetSubtype="16" fill="hold" grpId="0" nodeType="afterEffect">
                                   <p:stCondLst>
                                     <p:cond delay="0"/>
                                   </p:stCondLst>
                                   <p:childTnLst>
                                     <p:set>
                                       <p:cBhvr>
+                                        <p:cTn id="226" dur="1" fill="hold">
+                                          <p:stCondLst>
+                                            <p:cond delay="0"/>
+                                          </p:stCondLst>
+                                        </p:cTn>
+                                        <p:tgtEl>
+                                          <p:spTgt spid="126"/>
+                                        </p:tgtEl>
+                                        <p:attrNameLst>
+                                          <p:attrName>style.visibility</p:attrName>
+                                        </p:attrNameLst>
+                                      </p:cBhvr>
+                                      <p:to>
+                                        <p:strVal val="visible"/>
+                                      </p:to>
+                                    </p:set>
+                                    <p:anim calcmode="lin" valueType="num">
+                                      <p:cBhvr>
+                                        <p:cTn id="227" dur="500" fill="hold"/>
+                                        <p:tgtEl>
+                                          <p:spTgt spid="126"/>
+                                        </p:tgtEl>
+                                        <p:attrNameLst>
+                                          <p:attrName>ppt_w</p:attrName>
+                                        </p:attrNameLst>
+                                      </p:cBhvr>
+                                      <p:tavLst>
+                                        <p:tav tm="0">
+                                          <p:val>
+                                            <p:fltVal val="0"/>
+                                          </p:val>
+                                        </p:tav>
+                                        <p:tav tm="100000">
+                                          <p:val>
+                                            <p:strVal val="#ppt_w"/>
+                                          </p:val>
+                                        </p:tav>
+                                      </p:tavLst>
+                                    </p:anim>
+                                    <p:anim calcmode="lin" valueType="num">
+                                      <p:cBhvr>
+                                        <p:cTn id="228" dur="500" fill="hold"/>
+                                        <p:tgtEl>
+                                          <p:spTgt spid="126"/>
+                                        </p:tgtEl>
+                                        <p:attrNameLst>
+                                          <p:attrName>ppt_h</p:attrName>
+                                        </p:attrNameLst>
+                                      </p:cBhvr>
+                                      <p:tavLst>
+                                        <p:tav tm="0">
+                                          <p:val>
+                                            <p:fltVal val="0"/>
+                                          </p:val>
+                                        </p:tav>
+                                        <p:tav tm="100000">
+                                          <p:val>
+                                            <p:strVal val="#ppt_h"/>
+                                          </p:val>
+                                        </p:tav>
+                                      </p:tavLst>
+                                    </p:anim>
+                                    <p:animEffect transition="in" filter="fade">
+                                      <p:cBhvr>
+                                        <p:cTn id="229" dur="500"/>
+                                        <p:tgtEl>
+                                          <p:spTgt spid="126"/>
+                                        </p:tgtEl>
+                                      </p:cBhvr>
+                                    </p:animEffect>
+                                  </p:childTnLst>
+                                </p:cTn>
+                              </p:par>
+                              <p:par>
+                                <p:cTn id="230" presetID="42" presetClass="entr" presetSubtype="0" fill="hold" grpId="0" nodeType="withEffect">
+                                  <p:stCondLst>
+                                    <p:cond delay="0"/>
+                                  </p:stCondLst>
+                                  <p:childTnLst>
+                                    <p:set>
+                                      <p:cBhvr>
                                         <p:cTn id="231" dur="1" fill="hold">
                                           <p:stCondLst>
                                             <p:cond delay="0"/>
                                           </p:stCondLst>
                                         </p:cTn>
                                         <p:tgtEl>
-                                          <p:spTgt spid="126"/>
-                                        </p:tgtEl>
-                                        <p:attrNameLst>
-                                          <p:attrName>style.visibility</p:attrName>
-                                        </p:attrNameLst>
-                                      </p:cBhvr>
-                                      <p:to>
-                                        <p:strVal val="visible"/>
-                                      </p:to>
-                                    </p:set>
-                                    <p:anim calcmode="lin" valueType="num">
-                                      <p:cBhvr>
-                                        <p:cTn id="232" dur="500" fill="hold"/>
-                                        <p:tgtEl>
-                                          <p:spTgt spid="126"/>
-                                        </p:tgtEl>
-                                        <p:attrNameLst>
-                                          <p:attrName>ppt_w</p:attrName>
-                                        </p:attrNameLst>
-                                      </p:cBhvr>
-                                      <p:tavLst>
-                                        <p:tav tm="0">
-                                          <p:val>
-                                            <p:fltVal val="0"/>
-                                          </p:val>
-                                        </p:tav>
-                                        <p:tav tm="100000">
-                                          <p:val>
-                                            <p:strVal val="#ppt_w"/>
-                                          </p:val>
-                                        </p:tav>
-                                      </p:tavLst>
-                                    </p:anim>
-                                    <p:anim calcmode="lin" valueType="num">
-                                      <p:cBhvr>
-                                        <p:cTn id="233" dur="500" fill="hold"/>
-                                        <p:tgtEl>
-                                          <p:spTgt spid="126"/>
-                                        </p:tgtEl>
-                                        <p:attrNameLst>
-                                          <p:attrName>ppt_h</p:attrName>
-                                        </p:attrNameLst>
-                                      </p:cBhvr>
-                                      <p:tavLst>
-                                        <p:tav tm="0">
-                                          <p:val>
-                                            <p:fltVal val="0"/>
-                                          </p:val>
-                                        </p:tav>
-                                        <p:tav tm="100000">
-                                          <p:val>
-                                            <p:strVal val="#ppt_h"/>
-                                          </p:val>
-                                        </p:tav>
-                                      </p:tavLst>
-                                    </p:anim>
-                                    <p:animEffect transition="in" filter="fade">
-                                      <p:cBhvr>
-                                        <p:cTn id="234" dur="500"/>
-                                        <p:tgtEl>
-                                          <p:spTgt spid="126"/>
-                                        </p:tgtEl>
-                                      </p:cBhvr>
-                                    </p:animEffect>
-                                  </p:childTnLst>
-                                </p:cTn>
-                              </p:par>
-                              <p:par>
-                                <p:cTn id="235" presetID="47" presetClass="entr" presetSubtype="0" fill="hold" grpId="0" nodeType="withEffect">
-                                  <p:stCondLst>
-                                    <p:cond delay="0"/>
-                                  </p:stCondLst>
-                                  <p:childTnLst>
-                                    <p:set>
-                                      <p:cBhvr>
-                                        <p:cTn id="236" dur="1" fill="hold">
-                                          <p:stCondLst>
-                                            <p:cond delay="0"/>
-                                          </p:stCondLst>
-                                        </p:cTn>
-                                        <p:tgtEl>
-                                          <p:spTgt spid="132"/>
+                                          <p:spTgt spid="19"/>
                                         </p:tgtEl>
                                         <p:attrNameLst>
                                           <p:attrName>style.visibility</p:attrName>
@@ -8943,17 +9064,17 @@
                                     </p:set>
                                     <p:animEffect transition="in" filter="fade">
                                       <p:cBhvr>
-                                        <p:cTn id="237" dur="1000"/>
-                                        <p:tgtEl>
-                                          <p:spTgt spid="132"/>
+                                        <p:cTn id="232" dur="500"/>
+                                        <p:tgtEl>
+                                          <p:spTgt spid="19"/>
                                         </p:tgtEl>
                                       </p:cBhvr>
                                     </p:animEffect>
                                     <p:anim calcmode="lin" valueType="num">
                                       <p:cBhvr>
-                                        <p:cTn id="238" dur="1000" fill="hold"/>
-                                        <p:tgtEl>
-                                          <p:spTgt spid="132"/>
+                                        <p:cTn id="233" dur="500" fill="hold"/>
+                                        <p:tgtEl>
+                                          <p:spTgt spid="19"/>
                                         </p:tgtEl>
                                         <p:attrNameLst>
                                           <p:attrName>ppt_x</p:attrName>
@@ -8974,9 +9095,9 @@
                                     </p:anim>
                                     <p:anim calcmode="lin" valueType="num">
                                       <p:cBhvr>
-                                        <p:cTn id="239" dur="1000" fill="hold"/>
-                                        <p:tgtEl>
-                                          <p:spTgt spid="132"/>
+                                        <p:cTn id="234" dur="500" fill="hold"/>
+                                        <p:tgtEl>
+                                          <p:spTgt spid="19"/>
                                         </p:tgtEl>
                                         <p:attrNameLst>
                                           <p:attrName>ppt_y</p:attrName>
@@ -8985,7 +9106,7 @@
                                       <p:tavLst>
                                         <p:tav tm="0">
                                           <p:val>
-                                            <p:strVal val="#ppt_y-.1"/>
+                                            <p:strVal val="#ppt_y+.1"/>
                                           </p:val>
                                         </p:tav>
                                         <p:tav tm="100000">
@@ -9002,26 +9123,204 @@
                           </p:cTn>
                         </p:par>
                         <p:par>
-                          <p:cTn id="240" fill="hold">
+                          <p:cTn id="235" fill="hold">
+                            <p:stCondLst>
+                              <p:cond delay="19500"/>
+                            </p:stCondLst>
+                            <p:childTnLst>
+                              <p:par>
+                                <p:cTn id="236" presetID="22" presetClass="entr" presetSubtype="8" fill="hold" nodeType="afterEffect">
+                                  <p:stCondLst>
+                                    <p:cond delay="0"/>
+                                  </p:stCondLst>
+                                  <p:childTnLst>
+                                    <p:set>
+                                      <p:cBhvr>
+                                        <p:cTn id="237" dur="1" fill="hold">
+                                          <p:stCondLst>
+                                            <p:cond delay="0"/>
+                                          </p:stCondLst>
+                                        </p:cTn>
+                                        <p:tgtEl>
+                                          <p:spTgt spid="135"/>
+                                        </p:tgtEl>
+                                        <p:attrNameLst>
+                                          <p:attrName>style.visibility</p:attrName>
+                                        </p:attrNameLst>
+                                      </p:cBhvr>
+                                      <p:to>
+                                        <p:strVal val="visible"/>
+                                      </p:to>
+                                    </p:set>
+                                    <p:animEffect transition="in" filter="wipe(left)">
+                                      <p:cBhvr>
+                                        <p:cTn id="238" dur="500"/>
+                                        <p:tgtEl>
+                                          <p:spTgt spid="135"/>
+                                        </p:tgtEl>
+                                      </p:cBhvr>
+                                    </p:animEffect>
+                                  </p:childTnLst>
+                                </p:cTn>
+                              </p:par>
+                            </p:childTnLst>
+                          </p:cTn>
+                        </p:par>
+                        <p:par>
+                          <p:cTn id="239" fill="hold">
                             <p:stCondLst>
                               <p:cond delay="20000"/>
                             </p:stCondLst>
                             <p:childTnLst>
                               <p:par>
-                                <p:cTn id="241" presetID="22" presetClass="entr" presetSubtype="8" fill="hold" nodeType="afterEffect">
+                                <p:cTn id="240" presetID="22" presetClass="entr" presetSubtype="1" fill="hold" nodeType="afterEffect">
                                   <p:stCondLst>
                                     <p:cond delay="0"/>
                                   </p:stCondLst>
                                   <p:childTnLst>
                                     <p:set>
                                       <p:cBhvr>
-                                        <p:cTn id="242" dur="1" fill="hold">
+                                        <p:cTn id="241" dur="1" fill="hold">
                                           <p:stCondLst>
                                             <p:cond delay="0"/>
                                           </p:stCondLst>
                                         </p:cTn>
                                         <p:tgtEl>
-                                          <p:spTgt spid="135"/>
+                                          <p:spTgt spid="38"/>
+                                        </p:tgtEl>
+                                        <p:attrNameLst>
+                                          <p:attrName>style.visibility</p:attrName>
+                                        </p:attrNameLst>
+                                      </p:cBhvr>
+                                      <p:to>
+                                        <p:strVal val="visible"/>
+                                      </p:to>
+                                    </p:set>
+                                    <p:animEffect transition="in" filter="wipe(up)">
+                                      <p:cBhvr>
+                                        <p:cTn id="242" dur="500"/>
+                                        <p:tgtEl>
+                                          <p:spTgt spid="38"/>
+                                        </p:tgtEl>
+                                      </p:cBhvr>
+                                    </p:animEffect>
+                                  </p:childTnLst>
+                                </p:cTn>
+                              </p:par>
+                            </p:childTnLst>
+                          </p:cTn>
+                        </p:par>
+                        <p:par>
+                          <p:cTn id="243" fill="hold">
+                            <p:stCondLst>
+                              <p:cond delay="20500"/>
+                            </p:stCondLst>
+                            <p:childTnLst>
+                              <p:par>
+                                <p:cTn id="244" presetID="53" presetClass="entr" presetSubtype="16" fill="hold" grpId="0" nodeType="afterEffect">
+                                  <p:stCondLst>
+                                    <p:cond delay="0"/>
+                                  </p:stCondLst>
+                                  <p:childTnLst>
+                                    <p:set>
+                                      <p:cBhvr>
+                                        <p:cTn id="245" dur="1" fill="hold">
+                                          <p:stCondLst>
+                                            <p:cond delay="0"/>
+                                          </p:stCondLst>
+                                        </p:cTn>
+                                        <p:tgtEl>
+                                          <p:spTgt spid="39"/>
+                                        </p:tgtEl>
+                                        <p:attrNameLst>
+                                          <p:attrName>style.visibility</p:attrName>
+                                        </p:attrNameLst>
+                                      </p:cBhvr>
+                                      <p:to>
+                                        <p:strVal val="visible"/>
+                                      </p:to>
+                                    </p:set>
+                                    <p:anim calcmode="lin" valueType="num">
+                                      <p:cBhvr>
+                                        <p:cTn id="246" dur="500" fill="hold"/>
+                                        <p:tgtEl>
+                                          <p:spTgt spid="39"/>
+                                        </p:tgtEl>
+                                        <p:attrNameLst>
+                                          <p:attrName>ppt_w</p:attrName>
+                                        </p:attrNameLst>
+                                      </p:cBhvr>
+                                      <p:tavLst>
+                                        <p:tav tm="0">
+                                          <p:val>
+                                            <p:fltVal val="0"/>
+                                          </p:val>
+                                        </p:tav>
+                                        <p:tav tm="100000">
+                                          <p:val>
+                                            <p:strVal val="#ppt_w"/>
+                                          </p:val>
+                                        </p:tav>
+                                      </p:tavLst>
+                                    </p:anim>
+                                    <p:anim calcmode="lin" valueType="num">
+                                      <p:cBhvr>
+                                        <p:cTn id="247" dur="500" fill="hold"/>
+                                        <p:tgtEl>
+                                          <p:spTgt spid="39"/>
+                                        </p:tgtEl>
+                                        <p:attrNameLst>
+                                          <p:attrName>ppt_h</p:attrName>
+                                        </p:attrNameLst>
+                                      </p:cBhvr>
+                                      <p:tavLst>
+                                        <p:tav tm="0">
+                                          <p:val>
+                                            <p:fltVal val="0"/>
+                                          </p:val>
+                                        </p:tav>
+                                        <p:tav tm="100000">
+                                          <p:val>
+                                            <p:strVal val="#ppt_h"/>
+                                          </p:val>
+                                        </p:tav>
+                                      </p:tavLst>
+                                    </p:anim>
+                                    <p:animEffect transition="in" filter="fade">
+                                      <p:cBhvr>
+                                        <p:cTn id="248" dur="500"/>
+                                        <p:tgtEl>
+                                          <p:spTgt spid="39"/>
+                                        </p:tgtEl>
+                                      </p:cBhvr>
+                                    </p:animEffect>
+                                  </p:childTnLst>
+                                </p:cTn>
+                              </p:par>
+                            </p:childTnLst>
+                          </p:cTn>
+                        </p:par>
+                        <p:par>
+                          <p:cTn id="249" fill="hold">
+                            <p:stCondLst>
+                              <p:cond delay="21000"/>
+                            </p:stCondLst>
+                            <p:childTnLst>
+                              <p:par>
+                                <p:cTn id="250" presetID="22" presetClass="entr" presetSubtype="8" fill="hold" nodeType="afterEffect">
+                                  <p:stCondLst>
+                                    <p:cond delay="0"/>
+                                  </p:stCondLst>
+                                  <p:childTnLst>
+                                    <p:set>
+                                      <p:cBhvr>
+                                        <p:cTn id="251" dur="1" fill="hold">
+                                          <p:stCondLst>
+                                            <p:cond delay="0"/>
+                                          </p:stCondLst>
+                                        </p:cTn>
+                                        <p:tgtEl>
+                                          <p:spTgt spid="40"/>
                                         </p:tgtEl>
                                         <p:attrNameLst>
                                           <p:attrName>style.visibility</p:attrName>
@@ -9033,12 +9332,93 @@
                                     </p:set>
                                     <p:animEffect transition="in" filter="wipe(left)">
                                       <p:cBhvr>
-                                        <p:cTn id="243" dur="500"/>
-                                        <p:tgtEl>
-                                          <p:spTgt spid="135"/>
+                                        <p:cTn id="252" dur="500"/>
+                                        <p:tgtEl>
+                                          <p:spTgt spid="40"/>
                                         </p:tgtEl>
                                       </p:cBhvr>
                                     </p:animEffect>
+                                  </p:childTnLst>
+                                </p:cTn>
+                              </p:par>
+                              <p:par>
+                                <p:cTn id="253" presetID="42" presetClass="entr" presetSubtype="0" fill="hold" grpId="0" nodeType="withEffect">
+                                  <p:stCondLst>
+                                    <p:cond delay="0"/>
+                                  </p:stCondLst>
+                                  <p:childTnLst>
+                                    <p:set>
+                                      <p:cBhvr>
+                                        <p:cTn id="254" dur="1" fill="hold">
+                                          <p:stCondLst>
+                                            <p:cond delay="0"/>
+                                          </p:stCondLst>
+                                        </p:cTn>
+                                        <p:tgtEl>
+                                          <p:spTgt spid="41"/>
+                                        </p:tgtEl>
+                                        <p:attrNameLst>
+                                          <p:attrName>style.visibility</p:attrName>
+                                        </p:attrNameLst>
+                                      </p:cBhvr>
+                                      <p:to>
+                                        <p:strVal val="visible"/>
+                                      </p:to>
+                                    </p:set>
+                                    <p:animEffect transition="in" filter="fade">
+                                      <p:cBhvr>
+                                        <p:cTn id="255" dur="500"/>
+                                        <p:tgtEl>
+                                          <p:spTgt spid="41"/>
+                                        </p:tgtEl>
+                                      </p:cBhvr>
+                                    </p:animEffect>
+                                    <p:anim calcmode="lin" valueType="num">
+                                      <p:cBhvr>
+                                        <p:cTn id="256" dur="500" fill="hold"/>
+                                        <p:tgtEl>
+                                          <p:spTgt spid="41"/>
+                                        </p:tgtEl>
+                                        <p:attrNameLst>
+                                          <p:attrName>ppt_x</p:attrName>
+                                        </p:attrNameLst>
+                                      </p:cBhvr>
+                                      <p:tavLst>
+                                        <p:tav tm="0">
+                                          <p:val>
+                                            <p:strVal val="#ppt_x"/>
+                                          </p:val>
+                                        </p:tav>
+                                        <p:tav tm="100000">
+                                          <p:val>
+                                            <p:strVal val="#ppt_x"/>
+                                          </p:val>
+                                        </p:tav>
+                                      </p:tavLst>
+                                    </p:anim>
+                                    <p:anim calcmode="lin" valueType="num">
+                                      <p:cBhvr>
+                                        <p:cTn id="257" dur="500" fill="hold"/>
+                                        <p:tgtEl>
+                                          <p:spTgt spid="41"/>
+                                        </p:tgtEl>
+                                        <p:attrNameLst>
+                                          <p:attrName>ppt_y</p:attrName>
+                                        </p:attrNameLst>
+                                      </p:cBhvr>
+                                      <p:tavLst>
+                                        <p:tav tm="0">
+                                          <p:val>
+                                            <p:strVal val="#ppt_y+.1"/>
+                                          </p:val>
+                                        </p:tav>
+                                        <p:tav tm="100000">
+                                          <p:val>
+                                            <p:strVal val="#ppt_y"/>
+                                          </p:val>
+                                        </p:tav>
+                                      </p:tavLst>
+                                    </p:anim>
                                   </p:childTnLst>
                                 </p:cTn>
                               </p:par>
@@ -9075,34 +9455,330 @@
       <p:bldP spid="96" grpId="0" animBg="1"/>
       <p:bldP spid="97" grpId="0" animBg="1"/>
       <p:bldP spid="99" grpId="0" animBg="1"/>
-      <p:bldP spid="100" grpId="0"/>
       <p:bldP spid="101" grpId="0"/>
       <p:bldP spid="102" grpId="0" animBg="1"/>
       <p:bldP spid="103" grpId="0" animBg="1"/>
       <p:bldP spid="104" grpId="0" animBg="1"/>
       <p:bldP spid="105" grpId="0" animBg="1"/>
       <p:bldP spid="107" grpId="0" animBg="1"/>
-      <p:bldP spid="108" grpId="0"/>
       <p:bldP spid="110" grpId="0" animBg="1"/>
       <p:bldP spid="111" grpId="0" animBg="1"/>
       <p:bldP spid="112" grpId="0" animBg="1"/>
       <p:bldP spid="113" grpId="0" animBg="1"/>
       <p:bldP spid="115" grpId="0" animBg="1"/>
-      <p:bldP spid="116" grpId="0"/>
       <p:bldP spid="118" grpId="0" animBg="1"/>
       <p:bldP spid="119" grpId="0" animBg="1"/>
       <p:bldP spid="120" grpId="0" animBg="1"/>
       <p:bldP spid="121" grpId="0" animBg="1"/>
       <p:bldP spid="123" grpId="0" animBg="1"/>
-      <p:bldP spid="124" grpId="0"/>
       <p:bldP spid="126" grpId="0" animBg="1"/>
       <p:bldP spid="127" grpId="0" animBg="1"/>
       <p:bldP spid="128" grpId="0" animBg="1"/>
       <p:bldP spid="129" grpId="0" animBg="1"/>
       <p:bldP spid="131" grpId="0" animBg="1"/>
-      <p:bldP spid="132" grpId="0"/>
+      <p:bldP spid="2" grpId="0"/>
+      <p:bldP spid="6" grpId="0"/>
+      <p:bldP spid="7" grpId="0"/>
+      <p:bldP spid="19" grpId="0"/>
+      <p:bldP spid="39" grpId="0" animBg="1"/>
+      <p:bldP spid="41" grpId="0"/>
     </p:bldLst>
   </p:timing>
+</p:sld>
+</file>
+
+<file path=ppt/slides/slide2.xml><?xml version="1.0" encoding="utf-8"?>
+<p:sld xmlns:a="http://schemas.openxmlformats.org/drawingml/2006/main" xmlns:r="http://schemas.openxmlformats.org/officeDocument/2006/relationships" xmlns:p="http://schemas.openxmlformats.org/presentationml/2006/main">
+  <p:cSld>
+    <p:spTree>
+      <p:nvGrpSpPr>
+        <p:cNvPr id="1" name=""/>
+        <p:cNvGrpSpPr/>
+        <p:nvPr/>
+      </p:nvGrpSpPr>
+      <p:grpSpPr>
+        <a:xfrm>
+          <a:off x="0" y="0"/>
+          <a:ext cx="0" cy="0"/>
+          <a:chOff x="0" y="0"/>
+          <a:chExt cx="0" cy="0"/>
+        </a:xfrm>
+      </p:grpSpPr>
+      <p:sp>
+        <p:nvSpPr>
+          <p:cNvPr id="5" name="CasellaDiTesto 4">
+            <a:extLst>
+              <a:ext uri="{FF2B5EF4-FFF2-40B4-BE49-F238E27FC236}">
+                <a16:creationId xmlns:a16="http://schemas.microsoft.com/office/drawing/2014/main" id="{12D57449-5BF1-12C0-3469-B5B4DA3B1DC8}"/>
+              </a:ext>
+            </a:extLst>
+          </p:cNvPr>
+          <p:cNvSpPr txBox="1"/>
+          <p:nvPr/>
+        </p:nvSpPr>
+        <p:spPr>
+          <a:xfrm>
+            <a:off x="1772966" y="105006"/>
+            <a:ext cx="8962571" cy="369332"/>
+          </a:xfrm>
+          <a:prstGeom prst="rect">
+            <a:avLst/>
+          </a:prstGeom>
+          <a:noFill/>
+        </p:spPr>
+        <p:txBody>
+          <a:bodyPr wrap="square">
+            <a:spAutoFit/>
+          </a:bodyPr>
+          <a:lstStyle/>
+          <a:p>
+            <a:pPr algn="ctr"/>
+            <a:r>
+              <a:rPr lang="en-US" sz="1800" dirty="0">
+                <a:solidFill>
+                  <a:schemeClr val="bg2">
+                    <a:lumMod val="50000"/>
+                  </a:schemeClr>
+                </a:solidFill>
+                <a:latin typeface="Century Gothic" panose="020B0502020202020204" pitchFamily="34" charset="0"/>
+              </a:rPr>
+              <a:t>CENNI A COME E’ AVVENUTA L’ORGANIZZAZIONE DEL LAVORO</a:t>
+            </a:r>
+          </a:p>
+        </p:txBody>
+      </p:sp>
+      <p:sp>
+        <p:nvSpPr>
+          <p:cNvPr id="6" name="CasellaDiTesto 5">
+            <a:extLst>
+              <a:ext uri="{FF2B5EF4-FFF2-40B4-BE49-F238E27FC236}">
+                <a16:creationId xmlns:a16="http://schemas.microsoft.com/office/drawing/2014/main" id="{C333357F-ECAE-9C18-98FE-0924063D19FC}"/>
+              </a:ext>
+            </a:extLst>
+          </p:cNvPr>
+          <p:cNvSpPr txBox="1"/>
+          <p:nvPr/>
+        </p:nvSpPr>
+        <p:spPr>
+          <a:xfrm>
+            <a:off x="508000" y="740228"/>
+            <a:ext cx="11492505" cy="2585323"/>
+          </a:xfrm>
+          <a:prstGeom prst="rect">
+            <a:avLst/>
+          </a:prstGeom>
+          <a:noFill/>
+        </p:spPr>
+        <p:txBody>
+          <a:bodyPr wrap="none" rtlCol="0">
+            <a:spAutoFit/>
+          </a:bodyPr>
+          <a:lstStyle/>
+          <a:p>
+            <a:r>
+              <a:rPr lang="it-IT" dirty="0"/>
+              <a:t>Come sistema di </a:t>
+            </a:r>
+            <a:r>
+              <a:rPr lang="it-IT" dirty="0" err="1"/>
+              <a:t>versioning</a:t>
+            </a:r>
+            <a:r>
+              <a:rPr lang="it-IT" dirty="0"/>
+              <a:t> abbiamo usato </a:t>
+            </a:r>
+            <a:r>
+              <a:rPr lang="it-IT" dirty="0" err="1"/>
+              <a:t>Git</a:t>
+            </a:r>
+            <a:r>
+              <a:rPr lang="it-IT" dirty="0"/>
+              <a:t> mediante l’utilizzo però di GitHub Desktop che aiuta ad interfacciarsi</a:t>
+            </a:r>
+          </a:p>
+          <a:p>
+            <a:r>
+              <a:rPr lang="it-IT" dirty="0"/>
+              <a:t>in modo facile alla repository </a:t>
+            </a:r>
+            <a:r>
+              <a:rPr lang="it-IT" dirty="0" err="1"/>
+              <a:t>hostata</a:t>
+            </a:r>
+            <a:r>
+              <a:rPr lang="it-IT" dirty="0"/>
+              <a:t> su GitHub.</a:t>
+            </a:r>
+          </a:p>
+          <a:p>
+            <a:endParaRPr lang="it-IT" dirty="0"/>
+          </a:p>
+          <a:p>
+            <a:r>
+              <a:rPr lang="it-IT" dirty="0"/>
+              <a:t>Per avere un idea del lavoro che l’altro membro del gruppo stava portando avanti abbiamo deciso di usare dei file </a:t>
+            </a:r>
+            <a:r>
+              <a:rPr lang="it-IT" dirty="0" err="1"/>
+              <a:t>excel</a:t>
+            </a:r>
+            <a:endParaRPr lang="it-IT" dirty="0"/>
+          </a:p>
+          <a:p>
+            <a:r>
+              <a:rPr lang="it-IT" dirty="0"/>
+              <a:t>come «tabelle di completezza funzionale (</a:t>
+            </a:r>
+            <a:r>
+              <a:rPr lang="it-IT" dirty="0">
+                <a:hlinkClick r:id="rId2" action="ppaction://hlinkfile"/>
+              </a:rPr>
+              <a:t>tabella1</a:t>
+            </a:r>
+            <a:r>
+              <a:rPr lang="it-IT" dirty="0"/>
+              <a:t>, </a:t>
+            </a:r>
+            <a:r>
+              <a:rPr lang="it-IT" dirty="0">
+                <a:hlinkClick r:id="rId3" action="ppaction://hlinkfile"/>
+              </a:rPr>
+              <a:t>tabella2</a:t>
+            </a:r>
+            <a:r>
+              <a:rPr lang="it-IT" dirty="0"/>
+              <a:t>)» e di segnare gli update per ogni funzionalità che andavamo </a:t>
+            </a:r>
+          </a:p>
+          <a:p>
+            <a:r>
+              <a:rPr lang="it-IT" dirty="0"/>
+              <a:t>a sviluppare in modo verticale. </a:t>
+            </a:r>
+          </a:p>
+          <a:p>
+            <a:endParaRPr lang="it-IT" dirty="0"/>
+          </a:p>
+          <a:p>
+            <a:endParaRPr lang="it-IT" dirty="0"/>
+          </a:p>
+          <a:p>
+            <a:endParaRPr lang="it-IT" dirty="0"/>
+          </a:p>
+        </p:txBody>
+      </p:sp>
+    </p:spTree>
+    <p:extLst>
+      <p:ext uri="{BB962C8B-B14F-4D97-AF65-F5344CB8AC3E}">
+        <p14:creationId xmlns:p14="http://schemas.microsoft.com/office/powerpoint/2010/main" val="902503615"/>
+      </p:ext>
+    </p:extLst>
+  </p:cSld>
+  <p:clrMapOvr>
+    <a:masterClrMapping/>
+  </p:clrMapOvr>
+</p:sld>
+</file>
+
+<file path=ppt/slides/slide3.xml><?xml version="1.0" encoding="utf-8"?>
+<p:sld xmlns:a="http://schemas.openxmlformats.org/drawingml/2006/main" xmlns:r="http://schemas.openxmlformats.org/officeDocument/2006/relationships" xmlns:p="http://schemas.openxmlformats.org/presentationml/2006/main">
+  <p:cSld>
+    <p:spTree>
+      <p:nvGrpSpPr>
+        <p:cNvPr id="1" name=""/>
+        <p:cNvGrpSpPr/>
+        <p:nvPr/>
+      </p:nvGrpSpPr>
+      <p:grpSpPr>
+        <a:xfrm>
+          <a:off x="0" y="0"/>
+          <a:ext cx="0" cy="0"/>
+          <a:chOff x="0" y="0"/>
+          <a:chExt cx="0" cy="0"/>
+        </a:xfrm>
+      </p:grpSpPr>
+    </p:spTree>
+    <p:extLst>
+      <p:ext uri="{BB962C8B-B14F-4D97-AF65-F5344CB8AC3E}">
+        <p14:creationId xmlns:p14="http://schemas.microsoft.com/office/powerpoint/2010/main" val="3378434646"/>
+      </p:ext>
+    </p:extLst>
+  </p:cSld>
+  <p:clrMapOvr>
+    <a:masterClrMapping/>
+  </p:clrMapOvr>
+</p:sld>
+</file>
+
+<file path=ppt/slides/slide4.xml><?xml version="1.0" encoding="utf-8"?>
+<p:sld xmlns:a="http://schemas.openxmlformats.org/drawingml/2006/main" xmlns:r="http://schemas.openxmlformats.org/officeDocument/2006/relationships" xmlns:p="http://schemas.openxmlformats.org/presentationml/2006/main">
+  <p:cSld>
+    <p:spTree>
+      <p:nvGrpSpPr>
+        <p:cNvPr id="1" name=""/>
+        <p:cNvGrpSpPr/>
+        <p:nvPr/>
+      </p:nvGrpSpPr>
+      <p:grpSpPr>
+        <a:xfrm>
+          <a:off x="0" y="0"/>
+          <a:ext cx="0" cy="0"/>
+          <a:chOff x="0" y="0"/>
+          <a:chExt cx="0" cy="0"/>
+        </a:xfrm>
+      </p:grpSpPr>
+      <p:sp>
+        <p:nvSpPr>
+          <p:cNvPr id="5" name="CasellaDiTesto 4">
+            <a:extLst>
+              <a:ext uri="{FF2B5EF4-FFF2-40B4-BE49-F238E27FC236}">
+                <a16:creationId xmlns:a16="http://schemas.microsoft.com/office/drawing/2014/main" id="{09EBE25C-170C-040C-4276-C2BA393D1EE7}"/>
+              </a:ext>
+            </a:extLst>
+          </p:cNvPr>
+          <p:cNvSpPr txBox="1"/>
+          <p:nvPr/>
+        </p:nvSpPr>
+        <p:spPr>
+          <a:xfrm>
+            <a:off x="3563256" y="200407"/>
+            <a:ext cx="5065487" cy="461665"/>
+          </a:xfrm>
+          <a:prstGeom prst="rect">
+            <a:avLst/>
+          </a:prstGeom>
+          <a:noFill/>
+        </p:spPr>
+        <p:txBody>
+          <a:bodyPr wrap="square">
+            <a:spAutoFit/>
+          </a:bodyPr>
+          <a:lstStyle/>
+          <a:p>
+            <a:r>
+              <a:rPr lang="en-US" sz="2400" dirty="0">
+                <a:solidFill>
+                  <a:schemeClr val="bg2">
+                    <a:lumMod val="50000"/>
+                  </a:schemeClr>
+                </a:solidFill>
+                <a:latin typeface="Century Gothic" panose="020B0502020202020204" pitchFamily="34" charset="0"/>
+              </a:rPr>
+              <a:t>ANALISI E SPECIFICA DEI REQUISITI</a:t>
+            </a:r>
+          </a:p>
+        </p:txBody>
+      </p:sp>
+    </p:spTree>
+    <p:extLst>
+      <p:ext uri="{BB962C8B-B14F-4D97-AF65-F5344CB8AC3E}">
+        <p14:creationId xmlns:p14="http://schemas.microsoft.com/office/powerpoint/2010/main" val="3207674735"/>
+      </p:ext>
+    </p:extLst>
+  </p:cSld>
+  <p:clrMapOvr>
+    <a:masterClrMapping/>
+  </p:clrMapOvr>
 </p:sld>
 </file>
 

--- a/powerpoint_presentazione/presentazione.pptx
+++ b/powerpoint_presentazione/presentazione.pptx
@@ -5,10 +5,11 @@
     <p:sldMasterId id="2147483648" r:id="rId1"/>
   </p:sldMasterIdLst>
   <p:sldIdLst>
-    <p:sldId id="256" r:id="rId2"/>
-    <p:sldId id="258" r:id="rId3"/>
-    <p:sldId id="259" r:id="rId4"/>
-    <p:sldId id="257" r:id="rId5"/>
+    <p:sldId id="260" r:id="rId2"/>
+    <p:sldId id="256" r:id="rId3"/>
+    <p:sldId id="258" r:id="rId4"/>
+    <p:sldId id="259" r:id="rId5"/>
+    <p:sldId id="257" r:id="rId6"/>
   </p:sldIdLst>
   <p:sldSz cx="12192000" cy="6858000"/>
   <p:notesSz cx="6858000" cy="9144000"/>
@@ -262,7 +263,7 @@
           <a:p>
             <a:fld id="{2DF6CF6D-3CF4-467F-8977-437D3968EAE4}" type="datetimeFigureOut">
               <a:rPr lang="it-IT" smtClean="0"/>
-              <a:t>18/02/2023</a:t>
+              <a:t>19/02/2023</a:t>
             </a:fld>
             <a:endParaRPr lang="it-IT"/>
           </a:p>
@@ -460,7 +461,7 @@
           <a:p>
             <a:fld id="{2DF6CF6D-3CF4-467F-8977-437D3968EAE4}" type="datetimeFigureOut">
               <a:rPr lang="it-IT" smtClean="0"/>
-              <a:t>18/02/2023</a:t>
+              <a:t>19/02/2023</a:t>
             </a:fld>
             <a:endParaRPr lang="it-IT"/>
           </a:p>
@@ -668,7 +669,7 @@
           <a:p>
             <a:fld id="{2DF6CF6D-3CF4-467F-8977-437D3968EAE4}" type="datetimeFigureOut">
               <a:rPr lang="it-IT" smtClean="0"/>
-              <a:t>18/02/2023</a:t>
+              <a:t>19/02/2023</a:t>
             </a:fld>
             <a:endParaRPr lang="it-IT"/>
           </a:p>
@@ -866,7 +867,7 @@
           <a:p>
             <a:fld id="{2DF6CF6D-3CF4-467F-8977-437D3968EAE4}" type="datetimeFigureOut">
               <a:rPr lang="it-IT" smtClean="0"/>
-              <a:t>18/02/2023</a:t>
+              <a:t>19/02/2023</a:t>
             </a:fld>
             <a:endParaRPr lang="it-IT"/>
           </a:p>
@@ -1141,7 +1142,7 @@
           <a:p>
             <a:fld id="{2DF6CF6D-3CF4-467F-8977-437D3968EAE4}" type="datetimeFigureOut">
               <a:rPr lang="it-IT" smtClean="0"/>
-              <a:t>18/02/2023</a:t>
+              <a:t>19/02/2023</a:t>
             </a:fld>
             <a:endParaRPr lang="it-IT"/>
           </a:p>
@@ -1406,7 +1407,7 @@
           <a:p>
             <a:fld id="{2DF6CF6D-3CF4-467F-8977-437D3968EAE4}" type="datetimeFigureOut">
               <a:rPr lang="it-IT" smtClean="0"/>
-              <a:t>18/02/2023</a:t>
+              <a:t>19/02/2023</a:t>
             </a:fld>
             <a:endParaRPr lang="it-IT"/>
           </a:p>
@@ -1818,7 +1819,7 @@
           <a:p>
             <a:fld id="{2DF6CF6D-3CF4-467F-8977-437D3968EAE4}" type="datetimeFigureOut">
               <a:rPr lang="it-IT" smtClean="0"/>
-              <a:t>18/02/2023</a:t>
+              <a:t>19/02/2023</a:t>
             </a:fld>
             <a:endParaRPr lang="it-IT"/>
           </a:p>
@@ -1959,7 +1960,7 @@
           <a:p>
             <a:fld id="{2DF6CF6D-3CF4-467F-8977-437D3968EAE4}" type="datetimeFigureOut">
               <a:rPr lang="it-IT" smtClean="0"/>
-              <a:t>18/02/2023</a:t>
+              <a:t>19/02/2023</a:t>
             </a:fld>
             <a:endParaRPr lang="it-IT"/>
           </a:p>
@@ -2072,7 +2073,7 @@
           <a:p>
             <a:fld id="{2DF6CF6D-3CF4-467F-8977-437D3968EAE4}" type="datetimeFigureOut">
               <a:rPr lang="it-IT" smtClean="0"/>
-              <a:t>18/02/2023</a:t>
+              <a:t>19/02/2023</a:t>
             </a:fld>
             <a:endParaRPr lang="it-IT"/>
           </a:p>
@@ -2383,7 +2384,7 @@
           <a:p>
             <a:fld id="{2DF6CF6D-3CF4-467F-8977-437D3968EAE4}" type="datetimeFigureOut">
               <a:rPr lang="it-IT" smtClean="0"/>
-              <a:t>18/02/2023</a:t>
+              <a:t>19/02/2023</a:t>
             </a:fld>
             <a:endParaRPr lang="it-IT"/>
           </a:p>
@@ -2671,7 +2672,7 @@
           <a:p>
             <a:fld id="{2DF6CF6D-3CF4-467F-8977-437D3968EAE4}" type="datetimeFigureOut">
               <a:rPr lang="it-IT" smtClean="0"/>
-              <a:t>18/02/2023</a:t>
+              <a:t>19/02/2023</a:t>
             </a:fld>
             <a:endParaRPr lang="it-IT"/>
           </a:p>
@@ -2912,7 +2913,7 @@
           <a:p>
             <a:fld id="{2DF6CF6D-3CF4-467F-8977-437D3968EAE4}" type="datetimeFigureOut">
               <a:rPr lang="it-IT" smtClean="0"/>
-              <a:t>18/02/2023</a:t>
+              <a:t>19/02/2023</a:t>
             </a:fld>
             <a:endParaRPr lang="it-IT"/>
           </a:p>
@@ -3329,6 +3330,86 @@
           <a:chExt cx="0" cy="0"/>
         </a:xfrm>
       </p:grpSpPr>
+      <p:sp>
+        <p:nvSpPr>
+          <p:cNvPr id="2" name="Titolo 1">
+            <a:extLst>
+              <a:ext uri="{FF2B5EF4-FFF2-40B4-BE49-F238E27FC236}">
+                <a16:creationId xmlns:a16="http://schemas.microsoft.com/office/drawing/2014/main" id="{3E30E16F-B0D1-D5A5-5136-E9A5711C91BA}"/>
+              </a:ext>
+            </a:extLst>
+          </p:cNvPr>
+          <p:cNvSpPr>
+            <a:spLocks noGrp="1"/>
+          </p:cNvSpPr>
+          <p:nvPr>
+            <p:ph type="title"/>
+          </p:nvPr>
+        </p:nvSpPr>
+        <p:spPr/>
+        <p:txBody>
+          <a:bodyPr/>
+          <a:lstStyle/>
+          <a:p>
+            <a:endParaRPr lang="it-IT"/>
+          </a:p>
+        </p:txBody>
+      </p:sp>
+      <p:sp>
+        <p:nvSpPr>
+          <p:cNvPr id="3" name="Segnaposto contenuto 2">
+            <a:extLst>
+              <a:ext uri="{FF2B5EF4-FFF2-40B4-BE49-F238E27FC236}">
+                <a16:creationId xmlns:a16="http://schemas.microsoft.com/office/drawing/2014/main" id="{C0D35444-8F84-EFE7-52DD-48C564C5265A}"/>
+              </a:ext>
+            </a:extLst>
+          </p:cNvPr>
+          <p:cNvSpPr>
+            <a:spLocks noGrp="1"/>
+          </p:cNvSpPr>
+          <p:nvPr>
+            <p:ph idx="1"/>
+          </p:nvPr>
+        </p:nvSpPr>
+        <p:spPr/>
+        <p:txBody>
+          <a:bodyPr/>
+          <a:lstStyle/>
+          <a:p>
+            <a:endParaRPr lang="it-IT"/>
+          </a:p>
+        </p:txBody>
+      </p:sp>
+    </p:spTree>
+    <p:extLst>
+      <p:ext uri="{BB962C8B-B14F-4D97-AF65-F5344CB8AC3E}">
+        <p14:creationId xmlns:p14="http://schemas.microsoft.com/office/powerpoint/2010/main" val="4022356505"/>
+      </p:ext>
+    </p:extLst>
+  </p:cSld>
+  <p:clrMapOvr>
+    <a:masterClrMapping/>
+  </p:clrMapOvr>
+</p:sld>
+</file>
+
+<file path=ppt/slides/slide2.xml><?xml version="1.0" encoding="utf-8"?>
+<p:sld xmlns:a="http://schemas.openxmlformats.org/drawingml/2006/main" xmlns:r="http://schemas.openxmlformats.org/officeDocument/2006/relationships" xmlns:p="http://schemas.openxmlformats.org/presentationml/2006/main">
+  <p:cSld>
+    <p:spTree>
+      <p:nvGrpSpPr>
+        <p:cNvPr id="1" name=""/>
+        <p:cNvGrpSpPr/>
+        <p:nvPr/>
+      </p:nvGrpSpPr>
+      <p:grpSpPr>
+        <a:xfrm>
+          <a:off x="0" y="0"/>
+          <a:ext cx="0" cy="0"/>
+          <a:chOff x="0" y="0"/>
+          <a:chExt cx="0" cy="0"/>
+        </a:xfrm>
+      </p:grpSpPr>
       <p:cxnSp>
         <p:nvCxnSpPr>
           <p:cNvPr id="89" name="Straight Connector 43">
@@ -5837,6 +5918,7 @@
   <p:clrMapOvr>
     <a:masterClrMapping/>
   </p:clrMapOvr>
+  <p:transition spd="slow"/>
   <p:timing>
     <p:tnLst>
       <p:par>
@@ -5883,7 +5965,7 @@
                                     </p:set>
                                     <p:animEffect transition="in" filter="wipe(left)">
                                       <p:cBhvr>
-                                        <p:cTn id="7" dur="500"/>
+                                        <p:cTn id="7" dur="350"/>
                                         <p:tgtEl>
                                           <p:spTgt spid="94"/>
                                         </p:tgtEl>
@@ -5898,7 +5980,7 @@
                         <p:par>
                           <p:cTn id="8" fill="hold">
                             <p:stCondLst>
-                              <p:cond delay="500"/>
+                              <p:cond delay="350"/>
                             </p:stCondLst>
                             <p:childTnLst>
                               <p:par>
@@ -5927,7 +6009,7 @@
                                     </p:set>
                                     <p:anim calcmode="lin" valueType="num">
                                       <p:cBhvr>
-                                        <p:cTn id="11" dur="500" fill="hold"/>
+                                        <p:cTn id="11" dur="350" fill="hold"/>
                                         <p:tgtEl>
                                           <p:spTgt spid="95"/>
                                         </p:tgtEl>
@@ -5950,7 +6032,7 @@
                                     </p:anim>
                                     <p:anim calcmode="lin" valueType="num">
                                       <p:cBhvr>
-                                        <p:cTn id="12" dur="500" fill="hold"/>
+                                        <p:cTn id="12" dur="350" fill="hold"/>
                                         <p:tgtEl>
                                           <p:spTgt spid="95"/>
                                         </p:tgtEl>
@@ -5973,7 +6055,7 @@
                                     </p:anim>
                                     <p:animEffect transition="in" filter="fade">
                                       <p:cBhvr>
-                                        <p:cTn id="13" dur="500"/>
+                                        <p:cTn id="13" dur="350"/>
                                         <p:tgtEl>
                                           <p:spTgt spid="95"/>
                                         </p:tgtEl>
@@ -5988,7 +6070,7 @@
                         <p:par>
                           <p:cTn id="14" fill="hold">
                             <p:stCondLst>
-                              <p:cond delay="1000"/>
+                              <p:cond delay="700"/>
                             </p:stCondLst>
                             <p:childTnLst>
                               <p:par>
@@ -6017,7 +6099,7 @@
                                     </p:set>
                                     <p:anim calcmode="lin" valueType="num">
                                       <p:cBhvr>
-                                        <p:cTn id="17" dur="500" fill="hold"/>
+                                        <p:cTn id="17" dur="350" fill="hold"/>
                                         <p:tgtEl>
                                           <p:spTgt spid="96"/>
                                         </p:tgtEl>
@@ -6040,7 +6122,7 @@
                                     </p:anim>
                                     <p:anim calcmode="lin" valueType="num">
                                       <p:cBhvr>
-                                        <p:cTn id="18" dur="500" fill="hold"/>
+                                        <p:cTn id="18" dur="350" fill="hold"/>
                                         <p:tgtEl>
                                           <p:spTgt spid="96"/>
                                         </p:tgtEl>
@@ -6063,7 +6145,7 @@
                                     </p:anim>
                                     <p:animEffect transition="in" filter="fade">
                                       <p:cBhvr>
-                                        <p:cTn id="19" dur="500"/>
+                                        <p:cTn id="19" dur="350"/>
                                         <p:tgtEl>
                                           <p:spTgt spid="96"/>
                                         </p:tgtEl>
@@ -6078,7 +6160,7 @@
                         <p:par>
                           <p:cTn id="20" fill="hold">
                             <p:stCondLst>
-                              <p:cond delay="1500"/>
+                              <p:cond delay="1050"/>
                             </p:stCondLst>
                             <p:childTnLst>
                               <p:par>
@@ -6107,7 +6189,7 @@
                                     </p:set>
                                     <p:anim calcmode="lin" valueType="num">
                                       <p:cBhvr>
-                                        <p:cTn id="23" dur="500" fill="hold"/>
+                                        <p:cTn id="23" dur="350" fill="hold"/>
                                         <p:tgtEl>
                                           <p:spTgt spid="97"/>
                                         </p:tgtEl>
@@ -6130,7 +6212,7 @@
                                     </p:anim>
                                     <p:anim calcmode="lin" valueType="num">
                                       <p:cBhvr>
-                                        <p:cTn id="24" dur="500" fill="hold"/>
+                                        <p:cTn id="24" dur="350" fill="hold"/>
                                         <p:tgtEl>
                                           <p:spTgt spid="97"/>
                                         </p:tgtEl>
@@ -6153,7 +6235,7 @@
                                     </p:anim>
                                     <p:animEffect transition="in" filter="fade">
                                       <p:cBhvr>
-                                        <p:cTn id="25" dur="500"/>
+                                        <p:cTn id="25" dur="350"/>
                                         <p:tgtEl>
                                           <p:spTgt spid="97"/>
                                         </p:tgtEl>
@@ -6168,7 +6250,7 @@
                         <p:par>
                           <p:cTn id="26" fill="hold">
                             <p:stCondLst>
-                              <p:cond delay="2000"/>
+                              <p:cond delay="1400"/>
                             </p:stCondLst>
                             <p:childTnLst>
                               <p:par>
@@ -6197,7 +6279,7 @@
                                     </p:set>
                                     <p:animEffect transition="in" filter="wipe(up)">
                                       <p:cBhvr>
-                                        <p:cTn id="29" dur="500"/>
+                                        <p:cTn id="29" dur="350"/>
                                         <p:tgtEl>
                                           <p:spTgt spid="98"/>
                                         </p:tgtEl>
@@ -6212,7 +6294,7 @@
                         <p:par>
                           <p:cTn id="30" fill="hold">
                             <p:stCondLst>
-                              <p:cond delay="2500"/>
+                              <p:cond delay="1750"/>
                             </p:stCondLst>
                             <p:childTnLst>
                               <p:par>
@@ -6241,7 +6323,7 @@
                                     </p:set>
                                     <p:anim calcmode="lin" valueType="num">
                                       <p:cBhvr>
-                                        <p:cTn id="33" dur="500" fill="hold"/>
+                                        <p:cTn id="33" dur="350" fill="hold"/>
                                         <p:tgtEl>
                                           <p:spTgt spid="99"/>
                                         </p:tgtEl>
@@ -6264,7 +6346,7 @@
                                     </p:anim>
                                     <p:anim calcmode="lin" valueType="num">
                                       <p:cBhvr>
-                                        <p:cTn id="34" dur="500" fill="hold"/>
+                                        <p:cTn id="34" dur="350" fill="hold"/>
                                         <p:tgtEl>
                                           <p:spTgt spid="99"/>
                                         </p:tgtEl>
@@ -6287,7 +6369,7 @@
                                     </p:anim>
                                     <p:animEffect transition="in" filter="fade">
                                       <p:cBhvr>
-                                        <p:cTn id="35" dur="500"/>
+                                        <p:cTn id="35" dur="350"/>
                                         <p:tgtEl>
                                           <p:spTgt spid="99"/>
                                         </p:tgtEl>
@@ -6302,7 +6384,7 @@
                         <p:par>
                           <p:cTn id="36" fill="hold">
                             <p:stCondLst>
-                              <p:cond delay="3000"/>
+                              <p:cond delay="2100"/>
                             </p:stCondLst>
                             <p:childTnLst>
                               <p:par>
@@ -6331,7 +6413,7 @@
                                     </p:set>
                                     <p:anim calcmode="lin" valueType="num">
                                       <p:cBhvr>
-                                        <p:cTn id="39" dur="500" fill="hold"/>
+                                        <p:cTn id="39" dur="350" fill="hold"/>
                                         <p:tgtEl>
                                           <p:spTgt spid="93"/>
                                         </p:tgtEl>
@@ -6354,7 +6436,7 @@
                                     </p:anim>
                                     <p:anim calcmode="lin" valueType="num">
                                       <p:cBhvr>
-                                        <p:cTn id="40" dur="500" fill="hold"/>
+                                        <p:cTn id="40" dur="350" fill="hold"/>
                                         <p:tgtEl>
                                           <p:spTgt spid="93"/>
                                         </p:tgtEl>
@@ -6377,7 +6459,7 @@
                                     </p:anim>
                                     <p:animEffect transition="in" filter="fade">
                                       <p:cBhvr>
-                                        <p:cTn id="41" dur="500"/>
+                                        <p:cTn id="41" dur="350"/>
                                         <p:tgtEl>
                                           <p:spTgt spid="93"/>
                                         </p:tgtEl>
@@ -6412,7 +6494,7 @@
                                     </p:set>
                                     <p:animEffect transition="in" filter="fade">
                                       <p:cBhvr>
-                                        <p:cTn id="44" dur="500"/>
+                                        <p:cTn id="44" dur="350"/>
                                         <p:tgtEl>
                                           <p:spTgt spid="101"/>
                                         </p:tgtEl>
@@ -6420,7 +6502,7 @@
                                     </p:animEffect>
                                     <p:anim calcmode="lin" valueType="num">
                                       <p:cBhvr>
-                                        <p:cTn id="45" dur="500" fill="hold"/>
+                                        <p:cTn id="45" dur="350" fill="hold"/>
                                         <p:tgtEl>
                                           <p:spTgt spid="101"/>
                                         </p:tgtEl>
@@ -6443,7 +6525,7 @@
                                     </p:anim>
                                     <p:anim calcmode="lin" valueType="num">
                                       <p:cBhvr>
-                                        <p:cTn id="46" dur="500" fill="hold"/>
+                                        <p:cTn id="46" dur="350" fill="hold"/>
                                         <p:tgtEl>
                                           <p:spTgt spid="101"/>
                                         </p:tgtEl>
@@ -6473,7 +6555,7 @@
                         <p:par>
                           <p:cTn id="47" fill="hold">
                             <p:stCondLst>
-                              <p:cond delay="3500"/>
+                              <p:cond delay="2450"/>
                             </p:stCondLst>
                             <p:childTnLst>
                               <p:par>
@@ -6502,7 +6584,7 @@
                                     </p:set>
                                     <p:animEffect transition="in" filter="wipe(left)">
                                       <p:cBhvr>
-                                        <p:cTn id="50" dur="500"/>
+                                        <p:cTn id="50" dur="350"/>
                                         <p:tgtEl>
                                           <p:spTgt spid="133"/>
                                         </p:tgtEl>
@@ -6517,7 +6599,7 @@
                         <p:par>
                           <p:cTn id="51" fill="hold">
                             <p:stCondLst>
-                              <p:cond delay="4000"/>
+                              <p:cond delay="2800"/>
                             </p:stCondLst>
                             <p:childTnLst>
                               <p:par>
@@ -6546,7 +6628,7 @@
                                     </p:set>
                                     <p:animEffect transition="in" filter="wipe(left)">
                                       <p:cBhvr>
-                                        <p:cTn id="54" dur="500"/>
+                                        <p:cTn id="54" dur="350"/>
                                         <p:tgtEl>
                                           <p:spTgt spid="92"/>
                                         </p:tgtEl>
@@ -6561,7 +6643,7 @@
                         <p:par>
                           <p:cTn id="55" fill="hold">
                             <p:stCondLst>
-                              <p:cond delay="4500"/>
+                              <p:cond delay="3150"/>
                             </p:stCondLst>
                             <p:childTnLst>
                               <p:par>
@@ -6590,7 +6672,7 @@
                                     </p:set>
                                     <p:anim calcmode="lin" valueType="num">
                                       <p:cBhvr>
-                                        <p:cTn id="58" dur="500" fill="hold"/>
+                                        <p:cTn id="58" dur="350" fill="hold"/>
                                         <p:tgtEl>
                                           <p:spTgt spid="103"/>
                                         </p:tgtEl>
@@ -6613,7 +6695,7 @@
                                     </p:anim>
                                     <p:anim calcmode="lin" valueType="num">
                                       <p:cBhvr>
-                                        <p:cTn id="59" dur="500" fill="hold"/>
+                                        <p:cTn id="59" dur="350" fill="hold"/>
                                         <p:tgtEl>
                                           <p:spTgt spid="103"/>
                                         </p:tgtEl>
@@ -6636,7 +6718,7 @@
                                     </p:anim>
                                     <p:animEffect transition="in" filter="fade">
                                       <p:cBhvr>
-                                        <p:cTn id="60" dur="500"/>
+                                        <p:cTn id="60" dur="350"/>
                                         <p:tgtEl>
                                           <p:spTgt spid="103"/>
                                         </p:tgtEl>
@@ -6651,7 +6733,7 @@
                         <p:par>
                           <p:cTn id="61" fill="hold">
                             <p:stCondLst>
-                              <p:cond delay="5000"/>
+                              <p:cond delay="3500"/>
                             </p:stCondLst>
                             <p:childTnLst>
                               <p:par>
@@ -6680,7 +6762,7 @@
                                     </p:set>
                                     <p:anim calcmode="lin" valueType="num">
                                       <p:cBhvr>
-                                        <p:cTn id="64" dur="500" fill="hold"/>
+                                        <p:cTn id="64" dur="350" fill="hold"/>
                                         <p:tgtEl>
                                           <p:spTgt spid="104"/>
                                         </p:tgtEl>
@@ -6703,7 +6785,7 @@
                                     </p:anim>
                                     <p:anim calcmode="lin" valueType="num">
                                       <p:cBhvr>
-                                        <p:cTn id="65" dur="500" fill="hold"/>
+                                        <p:cTn id="65" dur="350" fill="hold"/>
                                         <p:tgtEl>
                                           <p:spTgt spid="104"/>
                                         </p:tgtEl>
@@ -6726,7 +6808,7 @@
                                     </p:anim>
                                     <p:animEffect transition="in" filter="fade">
                                       <p:cBhvr>
-                                        <p:cTn id="66" dur="500"/>
+                                        <p:cTn id="66" dur="350"/>
                                         <p:tgtEl>
                                           <p:spTgt spid="104"/>
                                         </p:tgtEl>
@@ -6741,7 +6823,7 @@
                         <p:par>
                           <p:cTn id="67" fill="hold">
                             <p:stCondLst>
-                              <p:cond delay="5500"/>
+                              <p:cond delay="3850"/>
                             </p:stCondLst>
                             <p:childTnLst>
                               <p:par>
@@ -6770,7 +6852,7 @@
                                     </p:set>
                                     <p:anim calcmode="lin" valueType="num">
                                       <p:cBhvr>
-                                        <p:cTn id="70" dur="500" fill="hold"/>
+                                        <p:cTn id="70" dur="350" fill="hold"/>
                                         <p:tgtEl>
                                           <p:spTgt spid="105"/>
                                         </p:tgtEl>
@@ -6793,7 +6875,7 @@
                                     </p:anim>
                                     <p:anim calcmode="lin" valueType="num">
                                       <p:cBhvr>
-                                        <p:cTn id="71" dur="500" fill="hold"/>
+                                        <p:cTn id="71" dur="350" fill="hold"/>
                                         <p:tgtEl>
                                           <p:spTgt spid="105"/>
                                         </p:tgtEl>
@@ -6816,7 +6898,7 @@
                                     </p:anim>
                                     <p:animEffect transition="in" filter="fade">
                                       <p:cBhvr>
-                                        <p:cTn id="72" dur="500"/>
+                                        <p:cTn id="72" dur="350"/>
                                         <p:tgtEl>
                                           <p:spTgt spid="105"/>
                                         </p:tgtEl>
@@ -6831,7 +6913,7 @@
                         <p:par>
                           <p:cTn id="73" fill="hold">
                             <p:stCondLst>
-                              <p:cond delay="6000"/>
+                              <p:cond delay="4200"/>
                             </p:stCondLst>
                             <p:childTnLst>
                               <p:par>
@@ -6860,7 +6942,7 @@
                                     </p:set>
                                     <p:animEffect transition="in" filter="wipe(down)">
                                       <p:cBhvr>
-                                        <p:cTn id="76" dur="500"/>
+                                        <p:cTn id="76" dur="350"/>
                                         <p:tgtEl>
                                           <p:spTgt spid="106"/>
                                         </p:tgtEl>
@@ -6875,7 +6957,7 @@
                         <p:par>
                           <p:cTn id="77" fill="hold">
                             <p:stCondLst>
-                              <p:cond delay="6500"/>
+                              <p:cond delay="4550"/>
                             </p:stCondLst>
                             <p:childTnLst>
                               <p:par>
@@ -6904,7 +6986,7 @@
                                     </p:set>
                                     <p:anim calcmode="lin" valueType="num">
                                       <p:cBhvr>
-                                        <p:cTn id="80" dur="500" fill="hold"/>
+                                        <p:cTn id="80" dur="350" fill="hold"/>
                                         <p:tgtEl>
                                           <p:spTgt spid="107"/>
                                         </p:tgtEl>
@@ -6927,7 +7009,7 @@
                                     </p:anim>
                                     <p:anim calcmode="lin" valueType="num">
                                       <p:cBhvr>
-                                        <p:cTn id="81" dur="500" fill="hold"/>
+                                        <p:cTn id="81" dur="350" fill="hold"/>
                                         <p:tgtEl>
                                           <p:spTgt spid="107"/>
                                         </p:tgtEl>
@@ -6950,7 +7032,7 @@
                                     </p:anim>
                                     <p:animEffect transition="in" filter="fade">
                                       <p:cBhvr>
-                                        <p:cTn id="82" dur="500"/>
+                                        <p:cTn id="82" dur="350"/>
                                         <p:tgtEl>
                                           <p:spTgt spid="107"/>
                                         </p:tgtEl>
@@ -6965,7 +7047,7 @@
                         <p:par>
                           <p:cTn id="83" fill="hold">
                             <p:stCondLst>
-                              <p:cond delay="7000"/>
+                              <p:cond delay="4900"/>
                             </p:stCondLst>
                             <p:childTnLst>
                               <p:par>
@@ -6994,7 +7076,7 @@
                                     </p:set>
                                     <p:anim calcmode="lin" valueType="num">
                                       <p:cBhvr>
-                                        <p:cTn id="86" dur="500" fill="hold"/>
+                                        <p:cTn id="86" dur="350" fill="hold"/>
                                         <p:tgtEl>
                                           <p:spTgt spid="102"/>
                                         </p:tgtEl>
@@ -7017,7 +7099,7 @@
                                     </p:anim>
                                     <p:anim calcmode="lin" valueType="num">
                                       <p:cBhvr>
-                                        <p:cTn id="87" dur="500" fill="hold"/>
+                                        <p:cTn id="87" dur="350" fill="hold"/>
                                         <p:tgtEl>
                                           <p:spTgt spid="102"/>
                                         </p:tgtEl>
@@ -7040,7 +7122,7 @@
                                     </p:anim>
                                     <p:animEffect transition="in" filter="fade">
                                       <p:cBhvr>
-                                        <p:cTn id="88" dur="500"/>
+                                        <p:cTn id="88" dur="350"/>
                                         <p:tgtEl>
                                           <p:spTgt spid="102"/>
                                         </p:tgtEl>
@@ -7075,7 +7157,7 @@
                                     </p:set>
                                     <p:animEffect transition="in" filter="fade">
                                       <p:cBhvr>
-                                        <p:cTn id="91" dur="500"/>
+                                        <p:cTn id="91" dur="350"/>
                                         <p:tgtEl>
                                           <p:spTgt spid="2"/>
                                         </p:tgtEl>
@@ -7083,7 +7165,7 @@
                                     </p:animEffect>
                                     <p:anim calcmode="lin" valueType="num">
                                       <p:cBhvr>
-                                        <p:cTn id="92" dur="500" fill="hold"/>
+                                        <p:cTn id="92" dur="350" fill="hold"/>
                                         <p:tgtEl>
                                           <p:spTgt spid="2"/>
                                         </p:tgtEl>
@@ -7106,7 +7188,7 @@
                                     </p:anim>
                                     <p:anim calcmode="lin" valueType="num">
                                       <p:cBhvr>
-                                        <p:cTn id="93" dur="500" fill="hold"/>
+                                        <p:cTn id="93" dur="350" fill="hold"/>
                                         <p:tgtEl>
                                           <p:spTgt spid="2"/>
                                         </p:tgtEl>
@@ -7136,7 +7218,7 @@
                         <p:par>
                           <p:cTn id="94" fill="hold">
                             <p:stCondLst>
-                              <p:cond delay="7500"/>
+                              <p:cond delay="5250"/>
                             </p:stCondLst>
                             <p:childTnLst>
                               <p:par>
@@ -7165,7 +7247,7 @@
                                     </p:set>
                                     <p:animEffect transition="in" filter="wipe(left)">
                                       <p:cBhvr>
-                                        <p:cTn id="97" dur="500"/>
+                                        <p:cTn id="97" dur="350"/>
                                         <p:tgtEl>
                                           <p:spTgt spid="136"/>
                                         </p:tgtEl>
@@ -7180,7 +7262,7 @@
                         <p:par>
                           <p:cTn id="98" fill="hold">
                             <p:stCondLst>
-                              <p:cond delay="8000"/>
+                              <p:cond delay="5600"/>
                             </p:stCondLst>
                             <p:childTnLst>
                               <p:par>
@@ -7209,7 +7291,7 @@
                                     </p:set>
                                     <p:animEffect transition="in" filter="wipe(left)">
                                       <p:cBhvr>
-                                        <p:cTn id="101" dur="500"/>
+                                        <p:cTn id="101" dur="350"/>
                                         <p:tgtEl>
                                           <p:spTgt spid="91"/>
                                         </p:tgtEl>
@@ -7224,7 +7306,7 @@
                         <p:par>
                           <p:cTn id="102" fill="hold">
                             <p:stCondLst>
-                              <p:cond delay="8500"/>
+                              <p:cond delay="5950"/>
                             </p:stCondLst>
                             <p:childTnLst>
                               <p:par>
@@ -7253,7 +7335,7 @@
                                     </p:set>
                                     <p:anim calcmode="lin" valueType="num">
                                       <p:cBhvr>
-                                        <p:cTn id="105" dur="500" fill="hold"/>
+                                        <p:cTn id="105" dur="350" fill="hold"/>
                                         <p:tgtEl>
                                           <p:spTgt spid="111"/>
                                         </p:tgtEl>
@@ -7276,7 +7358,7 @@
                                     </p:anim>
                                     <p:anim calcmode="lin" valueType="num">
                                       <p:cBhvr>
-                                        <p:cTn id="106" dur="500" fill="hold"/>
+                                        <p:cTn id="106" dur="350" fill="hold"/>
                                         <p:tgtEl>
                                           <p:spTgt spid="111"/>
                                         </p:tgtEl>
@@ -7299,7 +7381,7 @@
                                     </p:anim>
                                     <p:animEffect transition="in" filter="fade">
                                       <p:cBhvr>
-                                        <p:cTn id="107" dur="500"/>
+                                        <p:cTn id="107" dur="350"/>
                                         <p:tgtEl>
                                           <p:spTgt spid="111"/>
                                         </p:tgtEl>
@@ -7314,7 +7396,7 @@
                         <p:par>
                           <p:cTn id="108" fill="hold">
                             <p:stCondLst>
-                              <p:cond delay="9000"/>
+                              <p:cond delay="6300"/>
                             </p:stCondLst>
                             <p:childTnLst>
                               <p:par>
@@ -7343,7 +7425,7 @@
                                     </p:set>
                                     <p:anim calcmode="lin" valueType="num">
                                       <p:cBhvr>
-                                        <p:cTn id="111" dur="500" fill="hold"/>
+                                        <p:cTn id="111" dur="350" fill="hold"/>
                                         <p:tgtEl>
                                           <p:spTgt spid="112"/>
                                         </p:tgtEl>
@@ -7366,7 +7448,7 @@
                                     </p:anim>
                                     <p:anim calcmode="lin" valueType="num">
                                       <p:cBhvr>
-                                        <p:cTn id="112" dur="500" fill="hold"/>
+                                        <p:cTn id="112" dur="350" fill="hold"/>
                                         <p:tgtEl>
                                           <p:spTgt spid="112"/>
                                         </p:tgtEl>
@@ -7389,7 +7471,7 @@
                                     </p:anim>
                                     <p:animEffect transition="in" filter="fade">
                                       <p:cBhvr>
-                                        <p:cTn id="113" dur="500"/>
+                                        <p:cTn id="113" dur="350"/>
                                         <p:tgtEl>
                                           <p:spTgt spid="112"/>
                                         </p:tgtEl>
@@ -7404,7 +7486,7 @@
                         <p:par>
                           <p:cTn id="114" fill="hold">
                             <p:stCondLst>
-                              <p:cond delay="9500"/>
+                              <p:cond delay="6650"/>
                             </p:stCondLst>
                             <p:childTnLst>
                               <p:par>
@@ -7433,7 +7515,7 @@
                                     </p:set>
                                     <p:anim calcmode="lin" valueType="num">
                                       <p:cBhvr>
-                                        <p:cTn id="117" dur="500" fill="hold"/>
+                                        <p:cTn id="117" dur="350" fill="hold"/>
                                         <p:tgtEl>
                                           <p:spTgt spid="113"/>
                                         </p:tgtEl>
@@ -7456,7 +7538,7 @@
                                     </p:anim>
                                     <p:anim calcmode="lin" valueType="num">
                                       <p:cBhvr>
-                                        <p:cTn id="118" dur="500" fill="hold"/>
+                                        <p:cTn id="118" dur="350" fill="hold"/>
                                         <p:tgtEl>
                                           <p:spTgt spid="113"/>
                                         </p:tgtEl>
@@ -7479,7 +7561,7 @@
                                     </p:anim>
                                     <p:animEffect transition="in" filter="fade">
                                       <p:cBhvr>
-                                        <p:cTn id="119" dur="500"/>
+                                        <p:cTn id="119" dur="350"/>
                                         <p:tgtEl>
                                           <p:spTgt spid="113"/>
                                         </p:tgtEl>
@@ -7494,7 +7576,7 @@
                         <p:par>
                           <p:cTn id="120" fill="hold">
                             <p:stCondLst>
-                              <p:cond delay="10000"/>
+                              <p:cond delay="7000"/>
                             </p:stCondLst>
                             <p:childTnLst>
                               <p:par>
@@ -7523,7 +7605,7 @@
                                     </p:set>
                                     <p:animEffect transition="in" filter="wipe(up)">
                                       <p:cBhvr>
-                                        <p:cTn id="123" dur="500"/>
+                                        <p:cTn id="123" dur="350"/>
                                         <p:tgtEl>
                                           <p:spTgt spid="114"/>
                                         </p:tgtEl>
@@ -7538,7 +7620,7 @@
                         <p:par>
                           <p:cTn id="124" fill="hold">
                             <p:stCondLst>
-                              <p:cond delay="10500"/>
+                              <p:cond delay="7350"/>
                             </p:stCondLst>
                             <p:childTnLst>
                               <p:par>
@@ -7567,7 +7649,7 @@
                                     </p:set>
                                     <p:anim calcmode="lin" valueType="num">
                                       <p:cBhvr>
-                                        <p:cTn id="127" dur="500" fill="hold"/>
+                                        <p:cTn id="127" dur="350" fill="hold"/>
                                         <p:tgtEl>
                                           <p:spTgt spid="115"/>
                                         </p:tgtEl>
@@ -7590,7 +7672,7 @@
                                     </p:anim>
                                     <p:anim calcmode="lin" valueType="num">
                                       <p:cBhvr>
-                                        <p:cTn id="128" dur="500" fill="hold"/>
+                                        <p:cTn id="128" dur="350" fill="hold"/>
                                         <p:tgtEl>
                                           <p:spTgt spid="115"/>
                                         </p:tgtEl>
@@ -7613,7 +7695,7 @@
                                     </p:anim>
                                     <p:animEffect transition="in" filter="fade">
                                       <p:cBhvr>
-                                        <p:cTn id="129" dur="500"/>
+                                        <p:cTn id="129" dur="350"/>
                                         <p:tgtEl>
                                           <p:spTgt spid="115"/>
                                         </p:tgtEl>
@@ -7628,7 +7710,7 @@
                         <p:par>
                           <p:cTn id="130" fill="hold">
                             <p:stCondLst>
-                              <p:cond delay="11000"/>
+                              <p:cond delay="7700"/>
                             </p:stCondLst>
                             <p:childTnLst>
                               <p:par>
@@ -7657,7 +7739,7 @@
                                     </p:set>
                                     <p:anim calcmode="lin" valueType="num">
                                       <p:cBhvr>
-                                        <p:cTn id="133" dur="500" fill="hold"/>
+                                        <p:cTn id="133" dur="350" fill="hold"/>
                                         <p:tgtEl>
                                           <p:spTgt spid="110"/>
                                         </p:tgtEl>
@@ -7680,7 +7762,7 @@
                                     </p:anim>
                                     <p:anim calcmode="lin" valueType="num">
                                       <p:cBhvr>
-                                        <p:cTn id="134" dur="500" fill="hold"/>
+                                        <p:cTn id="134" dur="350" fill="hold"/>
                                         <p:tgtEl>
                                           <p:spTgt spid="110"/>
                                         </p:tgtEl>
@@ -7703,7 +7785,7 @@
                                     </p:anim>
                                     <p:animEffect transition="in" filter="fade">
                                       <p:cBhvr>
-                                        <p:cTn id="135" dur="500"/>
+                                        <p:cTn id="135" dur="350"/>
                                         <p:tgtEl>
                                           <p:spTgt spid="110"/>
                                         </p:tgtEl>
@@ -7738,7 +7820,7 @@
                                     </p:set>
                                     <p:animEffect transition="in" filter="fade">
                                       <p:cBhvr>
-                                        <p:cTn id="138" dur="500"/>
+                                        <p:cTn id="138" dur="350"/>
                                         <p:tgtEl>
                                           <p:spTgt spid="6"/>
                                         </p:tgtEl>
@@ -7746,7 +7828,7 @@
                                     </p:animEffect>
                                     <p:anim calcmode="lin" valueType="num">
                                       <p:cBhvr>
-                                        <p:cTn id="139" dur="500" fill="hold"/>
+                                        <p:cTn id="139" dur="350" fill="hold"/>
                                         <p:tgtEl>
                                           <p:spTgt spid="6"/>
                                         </p:tgtEl>
@@ -7769,7 +7851,7 @@
                                     </p:anim>
                                     <p:anim calcmode="lin" valueType="num">
                                       <p:cBhvr>
-                                        <p:cTn id="140" dur="500" fill="hold"/>
+                                        <p:cTn id="140" dur="350" fill="hold"/>
                                         <p:tgtEl>
                                           <p:spTgt spid="6"/>
                                         </p:tgtEl>
@@ -7799,7 +7881,7 @@
                         <p:par>
                           <p:cTn id="141" fill="hold">
                             <p:stCondLst>
-                              <p:cond delay="11500"/>
+                              <p:cond delay="8050"/>
                             </p:stCondLst>
                             <p:childTnLst>
                               <p:par>
@@ -7828,7 +7910,7 @@
                                     </p:set>
                                     <p:animEffect transition="in" filter="wipe(left)">
                                       <p:cBhvr>
-                                        <p:cTn id="144" dur="500"/>
+                                        <p:cTn id="144" dur="350"/>
                                         <p:tgtEl>
                                           <p:spTgt spid="134"/>
                                         </p:tgtEl>
@@ -7843,7 +7925,7 @@
                         <p:par>
                           <p:cTn id="145" fill="hold">
                             <p:stCondLst>
-                              <p:cond delay="12000"/>
+                              <p:cond delay="8400"/>
                             </p:stCondLst>
                             <p:childTnLst>
                               <p:par>
@@ -7872,7 +7954,7 @@
                                     </p:set>
                                     <p:animEffect transition="in" filter="wipe(left)">
                                       <p:cBhvr>
-                                        <p:cTn id="148" dur="500"/>
+                                        <p:cTn id="148" dur="350"/>
                                         <p:tgtEl>
                                           <p:spTgt spid="89"/>
                                         </p:tgtEl>
@@ -7887,7 +7969,7 @@
                         <p:par>
                           <p:cTn id="149" fill="hold">
                             <p:stCondLst>
-                              <p:cond delay="12500"/>
+                              <p:cond delay="8750"/>
                             </p:stCondLst>
                             <p:childTnLst>
                               <p:par>
@@ -7916,7 +7998,7 @@
                                     </p:set>
                                     <p:anim calcmode="lin" valueType="num">
                                       <p:cBhvr>
-                                        <p:cTn id="152" dur="500" fill="hold"/>
+                                        <p:cTn id="152" dur="350" fill="hold"/>
                                         <p:tgtEl>
                                           <p:spTgt spid="119"/>
                                         </p:tgtEl>
@@ -7939,7 +8021,7 @@
                                     </p:anim>
                                     <p:anim calcmode="lin" valueType="num">
                                       <p:cBhvr>
-                                        <p:cTn id="153" dur="500" fill="hold"/>
+                                        <p:cTn id="153" dur="350" fill="hold"/>
                                         <p:tgtEl>
                                           <p:spTgt spid="119"/>
                                         </p:tgtEl>
@@ -7962,7 +8044,7 @@
                                     </p:anim>
                                     <p:animEffect transition="in" filter="fade">
                                       <p:cBhvr>
-                                        <p:cTn id="154" dur="500"/>
+                                        <p:cTn id="154" dur="350"/>
                                         <p:tgtEl>
                                           <p:spTgt spid="119"/>
                                         </p:tgtEl>
@@ -7977,7 +8059,7 @@
                         <p:par>
                           <p:cTn id="155" fill="hold">
                             <p:stCondLst>
-                              <p:cond delay="13000"/>
+                              <p:cond delay="9100"/>
                             </p:stCondLst>
                             <p:childTnLst>
                               <p:par>
@@ -8006,7 +8088,7 @@
                                     </p:set>
                                     <p:anim calcmode="lin" valueType="num">
                                       <p:cBhvr>
-                                        <p:cTn id="158" dur="500" fill="hold"/>
+                                        <p:cTn id="158" dur="350" fill="hold"/>
                                         <p:tgtEl>
                                           <p:spTgt spid="120"/>
                                         </p:tgtEl>
@@ -8029,7 +8111,7 @@
                                     </p:anim>
                                     <p:anim calcmode="lin" valueType="num">
                                       <p:cBhvr>
-                                        <p:cTn id="159" dur="500" fill="hold"/>
+                                        <p:cTn id="159" dur="350" fill="hold"/>
                                         <p:tgtEl>
                                           <p:spTgt spid="120"/>
                                         </p:tgtEl>
@@ -8052,7 +8134,7 @@
                                     </p:anim>
                                     <p:animEffect transition="in" filter="fade">
                                       <p:cBhvr>
-                                        <p:cTn id="160" dur="500"/>
+                                        <p:cTn id="160" dur="350"/>
                                         <p:tgtEl>
                                           <p:spTgt spid="120"/>
                                         </p:tgtEl>
@@ -8067,7 +8149,7 @@
                         <p:par>
                           <p:cTn id="161" fill="hold">
                             <p:stCondLst>
-                              <p:cond delay="13500"/>
+                              <p:cond delay="9450"/>
                             </p:stCondLst>
                             <p:childTnLst>
                               <p:par>
@@ -8096,7 +8178,7 @@
                                     </p:set>
                                     <p:anim calcmode="lin" valueType="num">
                                       <p:cBhvr>
-                                        <p:cTn id="164" dur="500" fill="hold"/>
+                                        <p:cTn id="164" dur="350" fill="hold"/>
                                         <p:tgtEl>
                                           <p:spTgt spid="121"/>
                                         </p:tgtEl>
@@ -8119,7 +8201,7 @@
                                     </p:anim>
                                     <p:anim calcmode="lin" valueType="num">
                                       <p:cBhvr>
-                                        <p:cTn id="165" dur="500" fill="hold"/>
+                                        <p:cTn id="165" dur="350" fill="hold"/>
                                         <p:tgtEl>
                                           <p:spTgt spid="121"/>
                                         </p:tgtEl>
@@ -8142,7 +8224,7 @@
                                     </p:anim>
                                     <p:animEffect transition="in" filter="fade">
                                       <p:cBhvr>
-                                        <p:cTn id="166" dur="500"/>
+                                        <p:cTn id="166" dur="350"/>
                                         <p:tgtEl>
                                           <p:spTgt spid="121"/>
                                         </p:tgtEl>
@@ -8157,7 +8239,7 @@
                         <p:par>
                           <p:cTn id="167" fill="hold">
                             <p:stCondLst>
-                              <p:cond delay="14000"/>
+                              <p:cond delay="9800"/>
                             </p:stCondLst>
                             <p:childTnLst>
                               <p:par>
@@ -8186,7 +8268,7 @@
                                     </p:set>
                                     <p:animEffect transition="in" filter="wipe(down)">
                                       <p:cBhvr>
-                                        <p:cTn id="170" dur="500"/>
+                                        <p:cTn id="170" dur="350"/>
                                         <p:tgtEl>
                                           <p:spTgt spid="122"/>
                                         </p:tgtEl>
@@ -8201,7 +8283,7 @@
                         <p:par>
                           <p:cTn id="171" fill="hold">
                             <p:stCondLst>
-                              <p:cond delay="14500"/>
+                              <p:cond delay="10150"/>
                             </p:stCondLst>
                             <p:childTnLst>
                               <p:par>
@@ -8230,7 +8312,7 @@
                                     </p:set>
                                     <p:anim calcmode="lin" valueType="num">
                                       <p:cBhvr>
-                                        <p:cTn id="174" dur="500" fill="hold"/>
+                                        <p:cTn id="174" dur="350" fill="hold"/>
                                         <p:tgtEl>
                                           <p:spTgt spid="123"/>
                                         </p:tgtEl>
@@ -8253,7 +8335,7 @@
                                     </p:anim>
                                     <p:anim calcmode="lin" valueType="num">
                                       <p:cBhvr>
-                                        <p:cTn id="175" dur="500" fill="hold"/>
+                                        <p:cTn id="175" dur="350" fill="hold"/>
                                         <p:tgtEl>
                                           <p:spTgt spid="123"/>
                                         </p:tgtEl>
@@ -8276,7 +8358,7 @@
                                     </p:anim>
                                     <p:animEffect transition="in" filter="fade">
                                       <p:cBhvr>
-                                        <p:cTn id="176" dur="500"/>
+                                        <p:cTn id="176" dur="350"/>
                                         <p:tgtEl>
                                           <p:spTgt spid="123"/>
                                         </p:tgtEl>
@@ -8291,7 +8373,7 @@
                         <p:par>
                           <p:cTn id="177" fill="hold">
                             <p:stCondLst>
-                              <p:cond delay="15000"/>
+                              <p:cond delay="10500"/>
                             </p:stCondLst>
                             <p:childTnLst>
                               <p:par>
@@ -8320,7 +8402,7 @@
                                     </p:set>
                                     <p:anim calcmode="lin" valueType="num">
                                       <p:cBhvr>
-                                        <p:cTn id="180" dur="500" fill="hold"/>
+                                        <p:cTn id="180" dur="350" fill="hold"/>
                                         <p:tgtEl>
                                           <p:spTgt spid="118"/>
                                         </p:tgtEl>
@@ -8343,7 +8425,7 @@
                                     </p:anim>
                                     <p:anim calcmode="lin" valueType="num">
                                       <p:cBhvr>
-                                        <p:cTn id="181" dur="500" fill="hold"/>
+                                        <p:cTn id="181" dur="350" fill="hold"/>
                                         <p:tgtEl>
                                           <p:spTgt spid="118"/>
                                         </p:tgtEl>
@@ -8366,7 +8448,7 @@
                                     </p:anim>
                                     <p:animEffect transition="in" filter="fade">
                                       <p:cBhvr>
-                                        <p:cTn id="182" dur="500"/>
+                                        <p:cTn id="182" dur="350"/>
                                         <p:tgtEl>
                                           <p:spTgt spid="118"/>
                                         </p:tgtEl>
@@ -8401,7 +8483,7 @@
                                     </p:set>
                                     <p:animEffect transition="in" filter="fade">
                                       <p:cBhvr>
-                                        <p:cTn id="185" dur="500"/>
+                                        <p:cTn id="185" dur="350"/>
                                         <p:tgtEl>
                                           <p:spTgt spid="7"/>
                                         </p:tgtEl>
@@ -8409,7 +8491,7 @@
                                     </p:animEffect>
                                     <p:anim calcmode="lin" valueType="num">
                                       <p:cBhvr>
-                                        <p:cTn id="186" dur="500" fill="hold"/>
+                                        <p:cTn id="186" dur="350" fill="hold"/>
                                         <p:tgtEl>
                                           <p:spTgt spid="7"/>
                                         </p:tgtEl>
@@ -8432,7 +8514,7 @@
                                     </p:anim>
                                     <p:anim calcmode="lin" valueType="num">
                                       <p:cBhvr>
-                                        <p:cTn id="187" dur="500" fill="hold"/>
+                                        <p:cTn id="187" dur="350" fill="hold"/>
                                         <p:tgtEl>
                                           <p:spTgt spid="7"/>
                                         </p:tgtEl>
@@ -8462,7 +8544,7 @@
                         <p:par>
                           <p:cTn id="188" fill="hold">
                             <p:stCondLst>
-                              <p:cond delay="15500"/>
+                              <p:cond delay="10850"/>
                             </p:stCondLst>
                             <p:childTnLst>
                               <p:par>
@@ -8491,7 +8573,7 @@
                                     </p:set>
                                     <p:animEffect transition="in" filter="wipe(left)">
                                       <p:cBhvr>
-                                        <p:cTn id="191" dur="500"/>
+                                        <p:cTn id="191" dur="350"/>
                                         <p:tgtEl>
                                           <p:spTgt spid="137"/>
                                         </p:tgtEl>
@@ -8506,7 +8588,7 @@
                         <p:par>
                           <p:cTn id="192" fill="hold">
                             <p:stCondLst>
-                              <p:cond delay="16000"/>
+                              <p:cond delay="11200"/>
                             </p:stCondLst>
                             <p:childTnLst>
                               <p:par>
@@ -8535,7 +8617,7 @@
                                     </p:set>
                                     <p:animEffect transition="in" filter="wipe(left)">
                                       <p:cBhvr>
-                                        <p:cTn id="195" dur="500"/>
+                                        <p:cTn id="195" dur="350"/>
                                         <p:tgtEl>
                                           <p:spTgt spid="90"/>
                                         </p:tgtEl>
@@ -8550,7 +8632,7 @@
                         <p:par>
                           <p:cTn id="196" fill="hold">
                             <p:stCondLst>
-                              <p:cond delay="16500"/>
+                              <p:cond delay="11550"/>
                             </p:stCondLst>
                             <p:childTnLst>
                               <p:par>
@@ -8579,7 +8661,7 @@
                                     </p:set>
                                     <p:anim calcmode="lin" valueType="num">
                                       <p:cBhvr>
-                                        <p:cTn id="199" dur="500" fill="hold"/>
+                                        <p:cTn id="199" dur="350" fill="hold"/>
                                         <p:tgtEl>
                                           <p:spTgt spid="127"/>
                                         </p:tgtEl>
@@ -8602,7 +8684,7 @@
                                     </p:anim>
                                     <p:anim calcmode="lin" valueType="num">
                                       <p:cBhvr>
-                                        <p:cTn id="200" dur="500" fill="hold"/>
+                                        <p:cTn id="200" dur="350" fill="hold"/>
                                         <p:tgtEl>
                                           <p:spTgt spid="127"/>
                                         </p:tgtEl>
@@ -8625,7 +8707,7 @@
                                     </p:anim>
                                     <p:animEffect transition="in" filter="fade">
                                       <p:cBhvr>
-                                        <p:cTn id="201" dur="500"/>
+                                        <p:cTn id="201" dur="350"/>
                                         <p:tgtEl>
                                           <p:spTgt spid="127"/>
                                         </p:tgtEl>
@@ -8640,7 +8722,7 @@
                         <p:par>
                           <p:cTn id="202" fill="hold">
                             <p:stCondLst>
-                              <p:cond delay="17000"/>
+                              <p:cond delay="11900"/>
                             </p:stCondLst>
                             <p:childTnLst>
                               <p:par>
@@ -8669,7 +8751,7 @@
                                     </p:set>
                                     <p:anim calcmode="lin" valueType="num">
                                       <p:cBhvr>
-                                        <p:cTn id="205" dur="500" fill="hold"/>
+                                        <p:cTn id="205" dur="350" fill="hold"/>
                                         <p:tgtEl>
                                           <p:spTgt spid="128"/>
                                         </p:tgtEl>
@@ -8692,7 +8774,7 @@
                                     </p:anim>
                                     <p:anim calcmode="lin" valueType="num">
                                       <p:cBhvr>
-                                        <p:cTn id="206" dur="500" fill="hold"/>
+                                        <p:cTn id="206" dur="350" fill="hold"/>
                                         <p:tgtEl>
                                           <p:spTgt spid="128"/>
                                         </p:tgtEl>
@@ -8715,7 +8797,7 @@
                                     </p:anim>
                                     <p:animEffect transition="in" filter="fade">
                                       <p:cBhvr>
-                                        <p:cTn id="207" dur="500"/>
+                                        <p:cTn id="207" dur="350"/>
                                         <p:tgtEl>
                                           <p:spTgt spid="128"/>
                                         </p:tgtEl>
@@ -8730,7 +8812,7 @@
                         <p:par>
                           <p:cTn id="208" fill="hold">
                             <p:stCondLst>
-                              <p:cond delay="17500"/>
+                              <p:cond delay="12250"/>
                             </p:stCondLst>
                             <p:childTnLst>
                               <p:par>
@@ -8759,7 +8841,7 @@
                                     </p:set>
                                     <p:anim calcmode="lin" valueType="num">
                                       <p:cBhvr>
-                                        <p:cTn id="211" dur="500" fill="hold"/>
+                                        <p:cTn id="211" dur="350" fill="hold"/>
                                         <p:tgtEl>
                                           <p:spTgt spid="129"/>
                                         </p:tgtEl>
@@ -8782,7 +8864,7 @@
                                     </p:anim>
                                     <p:anim calcmode="lin" valueType="num">
                                       <p:cBhvr>
-                                        <p:cTn id="212" dur="500" fill="hold"/>
+                                        <p:cTn id="212" dur="350" fill="hold"/>
                                         <p:tgtEl>
                                           <p:spTgt spid="129"/>
                                         </p:tgtEl>
@@ -8805,7 +8887,7 @@
                                     </p:anim>
                                     <p:animEffect transition="in" filter="fade">
                                       <p:cBhvr>
-                                        <p:cTn id="213" dur="500"/>
+                                        <p:cTn id="213" dur="350"/>
                                         <p:tgtEl>
                                           <p:spTgt spid="129"/>
                                         </p:tgtEl>
@@ -8820,7 +8902,7 @@
                         <p:par>
                           <p:cTn id="214" fill="hold">
                             <p:stCondLst>
-                              <p:cond delay="18000"/>
+                              <p:cond delay="12600"/>
                             </p:stCondLst>
                             <p:childTnLst>
                               <p:par>
@@ -8849,7 +8931,7 @@
                                     </p:set>
                                     <p:animEffect transition="in" filter="wipe(up)">
                                       <p:cBhvr>
-                                        <p:cTn id="217" dur="500"/>
+                                        <p:cTn id="217" dur="350"/>
                                         <p:tgtEl>
                                           <p:spTgt spid="130"/>
                                         </p:tgtEl>
@@ -8864,7 +8946,7 @@
                         <p:par>
                           <p:cTn id="218" fill="hold">
                             <p:stCondLst>
-                              <p:cond delay="18500"/>
+                              <p:cond delay="12950"/>
                             </p:stCondLst>
                             <p:childTnLst>
                               <p:par>
@@ -8893,7 +8975,7 @@
                                     </p:set>
                                     <p:anim calcmode="lin" valueType="num">
                                       <p:cBhvr>
-                                        <p:cTn id="221" dur="500" fill="hold"/>
+                                        <p:cTn id="221" dur="350" fill="hold"/>
                                         <p:tgtEl>
                                           <p:spTgt spid="131"/>
                                         </p:tgtEl>
@@ -8916,7 +8998,7 @@
                                     </p:anim>
                                     <p:anim calcmode="lin" valueType="num">
                                       <p:cBhvr>
-                                        <p:cTn id="222" dur="500" fill="hold"/>
+                                        <p:cTn id="222" dur="350" fill="hold"/>
                                         <p:tgtEl>
                                           <p:spTgt spid="131"/>
                                         </p:tgtEl>
@@ -8939,7 +9021,7 @@
                                     </p:anim>
                                     <p:animEffect transition="in" filter="fade">
                                       <p:cBhvr>
-                                        <p:cTn id="223" dur="500"/>
+                                        <p:cTn id="223" dur="350"/>
                                         <p:tgtEl>
                                           <p:spTgt spid="131"/>
                                         </p:tgtEl>
@@ -8954,7 +9036,7 @@
                         <p:par>
                           <p:cTn id="224" fill="hold">
                             <p:stCondLst>
-                              <p:cond delay="19000"/>
+                              <p:cond delay="13300"/>
                             </p:stCondLst>
                             <p:childTnLst>
                               <p:par>
@@ -8983,7 +9065,7 @@
                                     </p:set>
                                     <p:anim calcmode="lin" valueType="num">
                                       <p:cBhvr>
-                                        <p:cTn id="227" dur="500" fill="hold"/>
+                                        <p:cTn id="227" dur="350" fill="hold"/>
                                         <p:tgtEl>
                                           <p:spTgt spid="126"/>
                                         </p:tgtEl>
@@ -9006,7 +9088,7 @@
                                     </p:anim>
                                     <p:anim calcmode="lin" valueType="num">
                                       <p:cBhvr>
-                                        <p:cTn id="228" dur="500" fill="hold"/>
+                                        <p:cTn id="228" dur="350" fill="hold"/>
                                         <p:tgtEl>
                                           <p:spTgt spid="126"/>
                                         </p:tgtEl>
@@ -9029,7 +9111,7 @@
                                     </p:anim>
                                     <p:animEffect transition="in" filter="fade">
                                       <p:cBhvr>
-                                        <p:cTn id="229" dur="500"/>
+                                        <p:cTn id="229" dur="350"/>
                                         <p:tgtEl>
                                           <p:spTgt spid="126"/>
                                         </p:tgtEl>
@@ -9064,7 +9146,7 @@
                                     </p:set>
                                     <p:animEffect transition="in" filter="fade">
                                       <p:cBhvr>
-                                        <p:cTn id="232" dur="500"/>
+                                        <p:cTn id="232" dur="350"/>
                                         <p:tgtEl>
                                           <p:spTgt spid="19"/>
                                         </p:tgtEl>
@@ -9072,7 +9154,7 @@
                                     </p:animEffect>
                                     <p:anim calcmode="lin" valueType="num">
                                       <p:cBhvr>
-                                        <p:cTn id="233" dur="500" fill="hold"/>
+                                        <p:cTn id="233" dur="350" fill="hold"/>
                                         <p:tgtEl>
                                           <p:spTgt spid="19"/>
                                         </p:tgtEl>
@@ -9095,7 +9177,7 @@
                                     </p:anim>
                                     <p:anim calcmode="lin" valueType="num">
                                       <p:cBhvr>
-                                        <p:cTn id="234" dur="500" fill="hold"/>
+                                        <p:cTn id="234" dur="350" fill="hold"/>
                                         <p:tgtEl>
                                           <p:spTgt spid="19"/>
                                         </p:tgtEl>
@@ -9125,7 +9207,7 @@
                         <p:par>
                           <p:cTn id="235" fill="hold">
                             <p:stCondLst>
-                              <p:cond delay="19500"/>
+                              <p:cond delay="13650"/>
                             </p:stCondLst>
                             <p:childTnLst>
                               <p:par>
@@ -9154,7 +9236,7 @@
                                     </p:set>
                                     <p:animEffect transition="in" filter="wipe(left)">
                                       <p:cBhvr>
-                                        <p:cTn id="238" dur="500"/>
+                                        <p:cTn id="238" dur="350"/>
                                         <p:tgtEl>
                                           <p:spTgt spid="135"/>
                                         </p:tgtEl>
@@ -9169,7 +9251,7 @@
                         <p:par>
                           <p:cTn id="239" fill="hold">
                             <p:stCondLst>
-                              <p:cond delay="20000"/>
+                              <p:cond delay="14000"/>
                             </p:stCondLst>
                             <p:childTnLst>
                               <p:par>
@@ -9198,7 +9280,7 @@
                                     </p:set>
                                     <p:animEffect transition="in" filter="wipe(up)">
                                       <p:cBhvr>
-                                        <p:cTn id="242" dur="500"/>
+                                        <p:cTn id="242" dur="350"/>
                                         <p:tgtEl>
                                           <p:spTgt spid="38"/>
                                         </p:tgtEl>
@@ -9213,7 +9295,7 @@
                         <p:par>
                           <p:cTn id="243" fill="hold">
                             <p:stCondLst>
-                              <p:cond delay="20500"/>
+                              <p:cond delay="14350"/>
                             </p:stCondLst>
                             <p:childTnLst>
                               <p:par>
@@ -9242,7 +9324,7 @@
                                     </p:set>
                                     <p:anim calcmode="lin" valueType="num">
                                       <p:cBhvr>
-                                        <p:cTn id="246" dur="500" fill="hold"/>
+                                        <p:cTn id="246" dur="350" fill="hold"/>
                                         <p:tgtEl>
                                           <p:spTgt spid="39"/>
                                         </p:tgtEl>
@@ -9265,7 +9347,7 @@
                                     </p:anim>
                                     <p:anim calcmode="lin" valueType="num">
                                       <p:cBhvr>
-                                        <p:cTn id="247" dur="500" fill="hold"/>
+                                        <p:cTn id="247" dur="350" fill="hold"/>
                                         <p:tgtEl>
                                           <p:spTgt spid="39"/>
                                         </p:tgtEl>
@@ -9288,7 +9370,7 @@
                                     </p:anim>
                                     <p:animEffect transition="in" filter="fade">
                                       <p:cBhvr>
-                                        <p:cTn id="248" dur="500"/>
+                                        <p:cTn id="248" dur="350"/>
                                         <p:tgtEl>
                                           <p:spTgt spid="39"/>
                                         </p:tgtEl>
@@ -9303,7 +9385,7 @@
                         <p:par>
                           <p:cTn id="249" fill="hold">
                             <p:stCondLst>
-                              <p:cond delay="21000"/>
+                              <p:cond delay="14700"/>
                             </p:stCondLst>
                             <p:childTnLst>
                               <p:par>
@@ -9332,7 +9414,7 @@
                                     </p:set>
                                     <p:animEffect transition="in" filter="wipe(left)">
                                       <p:cBhvr>
-                                        <p:cTn id="252" dur="500"/>
+                                        <p:cTn id="252" dur="350"/>
                                         <p:tgtEl>
                                           <p:spTgt spid="40"/>
                                         </p:tgtEl>
@@ -9367,7 +9449,7 @@
                                     </p:set>
                                     <p:animEffect transition="in" filter="fade">
                                       <p:cBhvr>
-                                        <p:cTn id="255" dur="500"/>
+                                        <p:cTn id="255" dur="350"/>
                                         <p:tgtEl>
                                           <p:spTgt spid="41"/>
                                         </p:tgtEl>
@@ -9375,7 +9457,7 @@
                                     </p:animEffect>
                                     <p:anim calcmode="lin" valueType="num">
                                       <p:cBhvr>
-                                        <p:cTn id="256" dur="500" fill="hold"/>
+                                        <p:cTn id="256" dur="350" fill="hold"/>
                                         <p:tgtEl>
                                           <p:spTgt spid="41"/>
                                         </p:tgtEl>
@@ -9398,7 +9480,7 @@
                                     </p:anim>
                                     <p:anim calcmode="lin" valueType="num">
                                       <p:cBhvr>
-                                        <p:cTn id="257" dur="500" fill="hold"/>
+                                        <p:cTn id="257" dur="350" fill="hold"/>
                                         <p:tgtEl>
                                           <p:spTgt spid="41"/>
                                         </p:tgtEl>
@@ -9487,7 +9569,7 @@
 </p:sld>
 </file>
 
-<file path=ppt/slides/slide2.xml><?xml version="1.0" encoding="utf-8"?>
+<file path=ppt/slides/slide3.xml><?xml version="1.0" encoding="utf-8"?>
 <p:sld xmlns:a="http://schemas.openxmlformats.org/drawingml/2006/main" xmlns:r="http://schemas.openxmlformats.org/officeDocument/2006/relationships" xmlns:p="http://schemas.openxmlformats.org/presentationml/2006/main">
   <p:cSld>
     <p:spTree>
@@ -9680,7 +9762,7 @@
 </p:sld>
 </file>
 
-<file path=ppt/slides/slide3.xml><?xml version="1.0" encoding="utf-8"?>
+<file path=ppt/slides/slide4.xml><?xml version="1.0" encoding="utf-8"?>
 <p:sld xmlns:a="http://schemas.openxmlformats.org/drawingml/2006/main" xmlns:r="http://schemas.openxmlformats.org/officeDocument/2006/relationships" xmlns:p="http://schemas.openxmlformats.org/presentationml/2006/main">
   <p:cSld>
     <p:spTree>
@@ -9710,7 +9792,7 @@
 </p:sld>
 </file>
 
-<file path=ppt/slides/slide4.xml><?xml version="1.0" encoding="utf-8"?>
+<file path=ppt/slides/slide5.xml><?xml version="1.0" encoding="utf-8"?>
 <p:sld xmlns:a="http://schemas.openxmlformats.org/drawingml/2006/main" xmlns:r="http://schemas.openxmlformats.org/officeDocument/2006/relationships" xmlns:p="http://schemas.openxmlformats.org/presentationml/2006/main">
   <p:cSld>
     <p:spTree>
